--- a/Pre.pptx
+++ b/Pre.pptx
@@ -1,38 +1,43 @@
 
 <file path=ppt/presentation.xml><?xml version="1.0" encoding="utf-8"?>
-<p:presentation xmlns:a="http://schemas.openxmlformats.org/drawingml/2006/main" xmlns:r="http://schemas.openxmlformats.org/officeDocument/2006/relationships" xmlns:mc="http://schemas.openxmlformats.org/markup-compatibility/2006" xmlns:mv="urn:schemas-microsoft-com:mac:vml" xmlns:p="http://schemas.openxmlformats.org/presentationml/2006/main" xmlns:c="http://schemas.openxmlformats.org/drawingml/2006/chart" xmlns:dgm="http://schemas.openxmlformats.org/drawingml/2006/diagram" xmlns:o="urn:schemas-microsoft-com:office:office" xmlns:v="urn:schemas-microsoft-com:vml" xmlns:pvml="urn:schemas-microsoft-com:office:powerpoint" xmlns:com="http://schemas.openxmlformats.org/drawingml/2006/compatibility" xmlns:p14="http://schemas.microsoft.com/office/powerpoint/2010/main" xmlns:p15="http://schemas.microsoft.com/office/powerpoint/2012/main" autoCompressPictures="0" embedTrueTypeFonts="1" strictFirstAndLastChars="0" saveSubsetFonts="1">
+<p:presentation xmlns:a="http://schemas.openxmlformats.org/drawingml/2006/main" xmlns:r="http://schemas.openxmlformats.org/officeDocument/2006/relationships" xmlns:p="http://schemas.openxmlformats.org/presentationml/2006/main" strictFirstAndLastChars="0" embedTrueTypeFonts="1" saveSubsetFonts="1" autoCompressPictures="0">
   <p:sldMasterIdLst>
-    <p:sldMasterId id="2147483659" r:id="rId3"/>
+    <p:sldMasterId id="2147483659" r:id="rId1"/>
   </p:sldMasterIdLst>
   <p:notesMasterIdLst>
-    <p:notesMasterId r:id="rId4"/>
+    <p:notesMasterId r:id="rId14"/>
   </p:notesMasterIdLst>
   <p:sldIdLst>
-    <p:sldId id="256" r:id="rId5"/>
-    <p:sldId id="257" r:id="rId6"/>
-    <p:sldId id="258" r:id="rId7"/>
-    <p:sldId id="259" r:id="rId8"/>
-    <p:sldId id="260" r:id="rId9"/>
-    <p:sldId id="261" r:id="rId10"/>
-    <p:sldId id="262" r:id="rId11"/>
-    <p:sldId id="263" r:id="rId12"/>
-    <p:sldId id="264" r:id="rId13"/>
-    <p:sldId id="265" r:id="rId14"/>
-    <p:sldId id="266" r:id="rId15"/>
-    <p:sldId id="267" r:id="rId16"/>
+    <p:sldId id="256" r:id="rId2"/>
+    <p:sldId id="257" r:id="rId3"/>
+    <p:sldId id="258" r:id="rId4"/>
+    <p:sldId id="259" r:id="rId5"/>
+    <p:sldId id="260" r:id="rId6"/>
+    <p:sldId id="261" r:id="rId7"/>
+    <p:sldId id="262" r:id="rId8"/>
+    <p:sldId id="263" r:id="rId9"/>
+    <p:sldId id="264" r:id="rId10"/>
+    <p:sldId id="265" r:id="rId11"/>
+    <p:sldId id="266" r:id="rId12"/>
+    <p:sldId id="267" r:id="rId13"/>
   </p:sldIdLst>
-  <p:sldSz cy="5143500" cx="9144000"/>
+  <p:sldSz cx="9144000" cy="5143500" type="screen16x9"/>
   <p:notesSz cx="6858000" cy="9144000"/>
   <p:embeddedFontLst>
     <p:embeddedFont>
-      <p:font typeface="Old Standard TT"/>
+      <p:font typeface="Microsoft Yahei" panose="020B0503020204020204" pitchFamily="34" charset="-122"/>
+      <p:regular r:id="rId15"/>
+      <p:bold r:id="rId16"/>
+    </p:embeddedFont>
+    <p:embeddedFont>
+      <p:font typeface="Old Standard TT" panose="02010600030101010101" charset="0"/>
       <p:regular r:id="rId17"/>
       <p:bold r:id="rId18"/>
       <p:italic r:id="rId19"/>
     </p:embeddedFont>
   </p:embeddedFontLst>
   <p:defaultTextStyle>
-    <a:defPPr lvl="0" marR="0" rtl="0" algn="l">
+    <a:defPPr marR="0" lvl="0" algn="l" rtl="0">
       <a:lnSpc>
         <a:spcPct val="100000"/>
       </a:lnSpc>
@@ -43,7 +48,7 @@
         <a:spcPts val="0"/>
       </a:spcAft>
     </a:defPPr>
-    <a:lvl1pPr lvl="0" marR="0" rtl="0" algn="l">
+    <a:lvl1pPr marR="0" lvl="0" algn="l" rtl="0">
       <a:lnSpc>
         <a:spcPct val="100000"/>
       </a:lnSpc>
@@ -57,7 +62,7 @@
         <a:srgbClr val="000000"/>
       </a:buClr>
       <a:buFont typeface="Arial"/>
-      <a:defRPr b="0" i="0" sz="1400" u="none" cap="none" strike="noStrike">
+      <a:defRPr sz="1400" b="0" i="0" u="none" strike="noStrike" cap="none">
         <a:solidFill>
           <a:srgbClr val="000000"/>
         </a:solidFill>
@@ -67,7 +72,7 @@
         <a:sym typeface="Arial"/>
       </a:defRPr>
     </a:lvl1pPr>
-    <a:lvl2pPr lvl="1" marR="0" rtl="0" algn="l">
+    <a:lvl2pPr marR="0" lvl="1" algn="l" rtl="0">
       <a:lnSpc>
         <a:spcPct val="100000"/>
       </a:lnSpc>
@@ -81,7 +86,7 @@
         <a:srgbClr val="000000"/>
       </a:buClr>
       <a:buFont typeface="Arial"/>
-      <a:defRPr b="0" i="0" sz="1400" u="none" cap="none" strike="noStrike">
+      <a:defRPr sz="1400" b="0" i="0" u="none" strike="noStrike" cap="none">
         <a:solidFill>
           <a:srgbClr val="000000"/>
         </a:solidFill>
@@ -91,7 +96,7 @@
         <a:sym typeface="Arial"/>
       </a:defRPr>
     </a:lvl2pPr>
-    <a:lvl3pPr lvl="2" marR="0" rtl="0" algn="l">
+    <a:lvl3pPr marR="0" lvl="2" algn="l" rtl="0">
       <a:lnSpc>
         <a:spcPct val="100000"/>
       </a:lnSpc>
@@ -105,7 +110,7 @@
         <a:srgbClr val="000000"/>
       </a:buClr>
       <a:buFont typeface="Arial"/>
-      <a:defRPr b="0" i="0" sz="1400" u="none" cap="none" strike="noStrike">
+      <a:defRPr sz="1400" b="0" i="0" u="none" strike="noStrike" cap="none">
         <a:solidFill>
           <a:srgbClr val="000000"/>
         </a:solidFill>
@@ -115,7 +120,7 @@
         <a:sym typeface="Arial"/>
       </a:defRPr>
     </a:lvl3pPr>
-    <a:lvl4pPr lvl="3" marR="0" rtl="0" algn="l">
+    <a:lvl4pPr marR="0" lvl="3" algn="l" rtl="0">
       <a:lnSpc>
         <a:spcPct val="100000"/>
       </a:lnSpc>
@@ -129,7 +134,7 @@
         <a:srgbClr val="000000"/>
       </a:buClr>
       <a:buFont typeface="Arial"/>
-      <a:defRPr b="0" i="0" sz="1400" u="none" cap="none" strike="noStrike">
+      <a:defRPr sz="1400" b="0" i="0" u="none" strike="noStrike" cap="none">
         <a:solidFill>
           <a:srgbClr val="000000"/>
         </a:solidFill>
@@ -139,7 +144,7 @@
         <a:sym typeface="Arial"/>
       </a:defRPr>
     </a:lvl4pPr>
-    <a:lvl5pPr lvl="4" marR="0" rtl="0" algn="l">
+    <a:lvl5pPr marR="0" lvl="4" algn="l" rtl="0">
       <a:lnSpc>
         <a:spcPct val="100000"/>
       </a:lnSpc>
@@ -153,7 +158,7 @@
         <a:srgbClr val="000000"/>
       </a:buClr>
       <a:buFont typeface="Arial"/>
-      <a:defRPr b="0" i="0" sz="1400" u="none" cap="none" strike="noStrike">
+      <a:defRPr sz="1400" b="0" i="0" u="none" strike="noStrike" cap="none">
         <a:solidFill>
           <a:srgbClr val="000000"/>
         </a:solidFill>
@@ -163,7 +168,7 @@
         <a:sym typeface="Arial"/>
       </a:defRPr>
     </a:lvl5pPr>
-    <a:lvl6pPr lvl="5" marR="0" rtl="0" algn="l">
+    <a:lvl6pPr marR="0" lvl="5" algn="l" rtl="0">
       <a:lnSpc>
         <a:spcPct val="100000"/>
       </a:lnSpc>
@@ -177,7 +182,7 @@
         <a:srgbClr val="000000"/>
       </a:buClr>
       <a:buFont typeface="Arial"/>
-      <a:defRPr b="0" i="0" sz="1400" u="none" cap="none" strike="noStrike">
+      <a:defRPr sz="1400" b="0" i="0" u="none" strike="noStrike" cap="none">
         <a:solidFill>
           <a:srgbClr val="000000"/>
         </a:solidFill>
@@ -187,7 +192,7 @@
         <a:sym typeface="Arial"/>
       </a:defRPr>
     </a:lvl6pPr>
-    <a:lvl7pPr lvl="6" marR="0" rtl="0" algn="l">
+    <a:lvl7pPr marR="0" lvl="6" algn="l" rtl="0">
       <a:lnSpc>
         <a:spcPct val="100000"/>
       </a:lnSpc>
@@ -201,7 +206,7 @@
         <a:srgbClr val="000000"/>
       </a:buClr>
       <a:buFont typeface="Arial"/>
-      <a:defRPr b="0" i="0" sz="1400" u="none" cap="none" strike="noStrike">
+      <a:defRPr sz="1400" b="0" i="0" u="none" strike="noStrike" cap="none">
         <a:solidFill>
           <a:srgbClr val="000000"/>
         </a:solidFill>
@@ -211,7 +216,7 @@
         <a:sym typeface="Arial"/>
       </a:defRPr>
     </a:lvl7pPr>
-    <a:lvl8pPr lvl="7" marR="0" rtl="0" algn="l">
+    <a:lvl8pPr marR="0" lvl="7" algn="l" rtl="0">
       <a:lnSpc>
         <a:spcPct val="100000"/>
       </a:lnSpc>
@@ -225,7 +230,7 @@
         <a:srgbClr val="000000"/>
       </a:buClr>
       <a:buFont typeface="Arial"/>
-      <a:defRPr b="0" i="0" sz="1400" u="none" cap="none" strike="noStrike">
+      <a:defRPr sz="1400" b="0" i="0" u="none" strike="noStrike" cap="none">
         <a:solidFill>
           <a:srgbClr val="000000"/>
         </a:solidFill>
@@ -235,7 +240,7 @@
         <a:sym typeface="Arial"/>
       </a:defRPr>
     </a:lvl8pPr>
-    <a:lvl9pPr lvl="8" marR="0" rtl="0" algn="l">
+    <a:lvl9pPr marR="0" lvl="8" algn="l" rtl="0">
       <a:lnSpc>
         <a:spcPct val="100000"/>
       </a:lnSpc>
@@ -249,7 +254,7 @@
         <a:srgbClr val="000000"/>
       </a:buClr>
       <a:buFont typeface="Arial"/>
-      <a:defRPr b="0" i="0" sz="1400" u="none" cap="none" strike="noStrike">
+      <a:defRPr sz="1400" b="0" i="0" u="none" strike="noStrike" cap="none">
         <a:solidFill>
           <a:srgbClr val="000000"/>
         </a:solidFill>
@@ -264,11 +269,16 @@
 </file>
 
 <file path=ppt/notesMasters/notesMaster1.xml><?xml version="1.0" encoding="utf-8"?>
-<p:notesMaster xmlns:a="http://schemas.openxmlformats.org/drawingml/2006/main" xmlns:r="http://schemas.openxmlformats.org/officeDocument/2006/relationships" xmlns:mc="http://schemas.openxmlformats.org/markup-compatibility/2006" xmlns:mv="urn:schemas-microsoft-com:mac:vml" xmlns:p="http://schemas.openxmlformats.org/presentationml/2006/main" xmlns:c="http://schemas.openxmlformats.org/drawingml/2006/chart" xmlns:dgm="http://schemas.openxmlformats.org/drawingml/2006/diagram" xmlns:o="urn:schemas-microsoft-com:office:office" xmlns:v="urn:schemas-microsoft-com:vml" xmlns:pvml="urn:schemas-microsoft-com:office:powerpoint" xmlns:com="http://schemas.openxmlformats.org/drawingml/2006/compatibility" xmlns:p14="http://schemas.microsoft.com/office/powerpoint/2010/main" xmlns:p15="http://schemas.microsoft.com/office/powerpoint/2012/main">
+<p:notesMaster xmlns:a="http://schemas.openxmlformats.org/drawingml/2006/main" xmlns:r="http://schemas.openxmlformats.org/officeDocument/2006/relationships" xmlns:p="http://schemas.openxmlformats.org/presentationml/2006/main">
   <p:cSld>
+    <p:bg>
+      <p:bgRef idx="1001">
+        <a:schemeClr val="bg1"/>
+      </p:bgRef>
+    </p:bg>
     <p:spTree>
       <p:nvGrpSpPr>
-        <p:cNvPr id="2" name="Shape 2"/>
+        <p:cNvPr id="1" name="Shape 2"/>
         <p:cNvGrpSpPr/>
         <p:nvPr/>
       </p:nvGrpSpPr>
@@ -283,9 +293,11 @@
       <p:sp>
         <p:nvSpPr>
           <p:cNvPr id="3" name="Shape 3"/>
-          <p:cNvSpPr/>
+          <p:cNvSpPr>
+            <a:spLocks noGrp="1" noRot="1" noChangeAspect="1"/>
+          </p:cNvSpPr>
           <p:nvPr>
-            <p:ph idx="2" type="sldImg"/>
+            <p:ph type="sldImg" idx="2"/>
           </p:nvPr>
         </p:nvSpPr>
         <p:spPr>
@@ -294,8 +306,13 @@
             <a:ext cx="6096075" cy="3429000"/>
           </a:xfrm>
           <a:custGeom>
+            <a:avLst/>
+            <a:gdLst/>
+            <a:ahLst/>
+            <a:cxnLst/>
+            <a:rect l="0" t="0" r="0" b="0"/>
             <a:pathLst>
-              <a:path extrusionOk="0" h="120000" w="120000">
+              <a:path w="120000" h="120000" extrusionOk="0">
                 <a:moveTo>
                   <a:pt x="0" y="0"/>
                 </a:moveTo>
@@ -313,23 +330,25 @@
             </a:pathLst>
           </a:custGeom>
           <a:noFill/>
-          <a:ln cap="flat" cmpd="sng" w="9525">
+          <a:ln w="9525" cap="flat" cmpd="sng">
             <a:solidFill>
               <a:srgbClr val="000000"/>
             </a:solidFill>
             <a:prstDash val="solid"/>
             <a:round/>
-            <a:headEnd len="sm" w="sm" type="none"/>
-            <a:tailEnd len="sm" w="sm" type="none"/>
+            <a:headEnd type="none" w="sm" len="sm"/>
+            <a:tailEnd type="none" w="sm" len="sm"/>
           </a:ln>
         </p:spPr>
       </p:sp>
       <p:sp>
         <p:nvSpPr>
           <p:cNvPr id="4" name="Shape 4"/>
-          <p:cNvSpPr txBox="1"/>
+          <p:cNvSpPr txBox="1">
+            <a:spLocks noGrp="1"/>
+          </p:cNvSpPr>
           <p:nvPr>
-            <p:ph idx="1" type="body"/>
+            <p:ph type="body" idx="1"/>
           </p:nvPr>
         </p:nvSpPr>
         <p:spPr>
@@ -346,9 +365,9 @@
           </a:ln>
         </p:spPr>
         <p:txBody>
-          <a:bodyPr anchorCtr="0" anchor="t" bIns="91425" lIns="91425" spcFirstLastPara="1" rIns="91425" wrap="square" tIns="91425"/>
+          <a:bodyPr spcFirstLastPara="1" wrap="square" lIns="91425" tIns="91425" rIns="91425" bIns="91425" anchor="t" anchorCtr="0"/>
           <a:lstStyle>
-            <a:lvl1pPr indent="-298450" lvl="0" marL="457200">
+            <a:lvl1pPr marL="457200" lvl="0" indent="-298450">
               <a:spcBef>
                 <a:spcPts val="0"/>
               </a:spcBef>
@@ -359,7 +378,7 @@
               <a:buChar char="●"/>
               <a:defRPr sz="1100"/>
             </a:lvl1pPr>
-            <a:lvl2pPr indent="-298450" lvl="1" marL="914400">
+            <a:lvl2pPr marL="914400" lvl="1" indent="-298450">
               <a:spcBef>
                 <a:spcPts val="0"/>
               </a:spcBef>
@@ -370,7 +389,7 @@
               <a:buChar char="○"/>
               <a:defRPr sz="1100"/>
             </a:lvl2pPr>
-            <a:lvl3pPr indent="-298450" lvl="2" marL="1371600">
+            <a:lvl3pPr marL="1371600" lvl="2" indent="-298450">
               <a:spcBef>
                 <a:spcPts val="0"/>
               </a:spcBef>
@@ -381,7 +400,7 @@
               <a:buChar char="■"/>
               <a:defRPr sz="1100"/>
             </a:lvl3pPr>
-            <a:lvl4pPr indent="-298450" lvl="3" marL="1828800">
+            <a:lvl4pPr marL="1828800" lvl="3" indent="-298450">
               <a:spcBef>
                 <a:spcPts val="0"/>
               </a:spcBef>
@@ -392,7 +411,7 @@
               <a:buChar char="●"/>
               <a:defRPr sz="1100"/>
             </a:lvl4pPr>
-            <a:lvl5pPr indent="-298450" lvl="4" marL="2286000">
+            <a:lvl5pPr marL="2286000" lvl="4" indent="-298450">
               <a:spcBef>
                 <a:spcPts val="0"/>
               </a:spcBef>
@@ -403,7 +422,7 @@
               <a:buChar char="○"/>
               <a:defRPr sz="1100"/>
             </a:lvl5pPr>
-            <a:lvl6pPr indent="-298450" lvl="5" marL="2743200">
+            <a:lvl6pPr marL="2743200" lvl="5" indent="-298450">
               <a:spcBef>
                 <a:spcPts val="0"/>
               </a:spcBef>
@@ -414,7 +433,7 @@
               <a:buChar char="■"/>
               <a:defRPr sz="1100"/>
             </a:lvl6pPr>
-            <a:lvl7pPr indent="-298450" lvl="6" marL="3200400">
+            <a:lvl7pPr marL="3200400" lvl="6" indent="-298450">
               <a:spcBef>
                 <a:spcPts val="0"/>
               </a:spcBef>
@@ -425,7 +444,7 @@
               <a:buChar char="●"/>
               <a:defRPr sz="1100"/>
             </a:lvl7pPr>
-            <a:lvl8pPr indent="-298450" lvl="7" marL="3657600">
+            <a:lvl8pPr marL="3657600" lvl="7" indent="-298450">
               <a:spcBef>
                 <a:spcPts val="0"/>
               </a:spcBef>
@@ -436,7 +455,7 @@
               <a:buChar char="○"/>
               <a:defRPr sz="1100"/>
             </a:lvl8pPr>
-            <a:lvl9pPr indent="-298450" lvl="8" marL="4114800">
+            <a:lvl9pPr marL="4114800" lvl="8" indent="-298450">
               <a:spcBef>
                 <a:spcPts val="0"/>
               </a:spcBef>
@@ -448,14 +467,16 @@
               <a:defRPr sz="1100"/>
             </a:lvl9pPr>
           </a:lstStyle>
-          <a:p/>
+          <a:p>
+            <a:endParaRPr/>
+          </a:p>
         </p:txBody>
       </p:sp>
     </p:spTree>
   </p:cSld>
-  <p:clrMap accent1="accent1" accent2="accent2" accent3="accent3" accent4="accent4" accent5="accent5" accent6="accent6" bg1="lt1" bg2="dk2" tx1="dk1" tx2="lt2" folHlink="folHlink" hlink="hlink"/>
+  <p:clrMap bg1="lt1" tx1="dk1" bg2="dk2" tx2="lt2" accent1="accent1" accent2="accent2" accent3="accent3" accent4="accent4" accent5="accent5" accent6="accent6" hlink="hlink" folHlink="folHlink"/>
   <p:notesStyle>
-    <a:defPPr lvl="0" marR="0" rtl="0" algn="l">
+    <a:defPPr marR="0" lvl="0" algn="l" rtl="0">
       <a:lnSpc>
         <a:spcPct val="100000"/>
       </a:lnSpc>
@@ -466,7 +487,7 @@
         <a:spcPts val="0"/>
       </a:spcAft>
     </a:defPPr>
-    <a:lvl1pPr lvl="0" marR="0" rtl="0" algn="l">
+    <a:lvl1pPr marR="0" lvl="0" algn="l" rtl="0">
       <a:lnSpc>
         <a:spcPct val="100000"/>
       </a:lnSpc>
@@ -480,7 +501,7 @@
         <a:srgbClr val="000000"/>
       </a:buClr>
       <a:buFont typeface="Arial"/>
-      <a:defRPr b="0" i="0" sz="1400" u="none" cap="none" strike="noStrike">
+      <a:defRPr sz="1400" b="0" i="0" u="none" strike="noStrike" cap="none">
         <a:solidFill>
           <a:srgbClr val="000000"/>
         </a:solidFill>
@@ -490,7 +511,7 @@
         <a:sym typeface="Arial"/>
       </a:defRPr>
     </a:lvl1pPr>
-    <a:lvl2pPr lvl="1" marR="0" rtl="0" algn="l">
+    <a:lvl2pPr marR="0" lvl="1" algn="l" rtl="0">
       <a:lnSpc>
         <a:spcPct val="100000"/>
       </a:lnSpc>
@@ -504,7 +525,7 @@
         <a:srgbClr val="000000"/>
       </a:buClr>
       <a:buFont typeface="Arial"/>
-      <a:defRPr b="0" i="0" sz="1400" u="none" cap="none" strike="noStrike">
+      <a:defRPr sz="1400" b="0" i="0" u="none" strike="noStrike" cap="none">
         <a:solidFill>
           <a:srgbClr val="000000"/>
         </a:solidFill>
@@ -514,7 +535,7 @@
         <a:sym typeface="Arial"/>
       </a:defRPr>
     </a:lvl2pPr>
-    <a:lvl3pPr lvl="2" marR="0" rtl="0" algn="l">
+    <a:lvl3pPr marR="0" lvl="2" algn="l" rtl="0">
       <a:lnSpc>
         <a:spcPct val="100000"/>
       </a:lnSpc>
@@ -528,7 +549,7 @@
         <a:srgbClr val="000000"/>
       </a:buClr>
       <a:buFont typeface="Arial"/>
-      <a:defRPr b="0" i="0" sz="1400" u="none" cap="none" strike="noStrike">
+      <a:defRPr sz="1400" b="0" i="0" u="none" strike="noStrike" cap="none">
         <a:solidFill>
           <a:srgbClr val="000000"/>
         </a:solidFill>
@@ -538,7 +559,7 @@
         <a:sym typeface="Arial"/>
       </a:defRPr>
     </a:lvl3pPr>
-    <a:lvl4pPr lvl="3" marR="0" rtl="0" algn="l">
+    <a:lvl4pPr marR="0" lvl="3" algn="l" rtl="0">
       <a:lnSpc>
         <a:spcPct val="100000"/>
       </a:lnSpc>
@@ -552,7 +573,7 @@
         <a:srgbClr val="000000"/>
       </a:buClr>
       <a:buFont typeface="Arial"/>
-      <a:defRPr b="0" i="0" sz="1400" u="none" cap="none" strike="noStrike">
+      <a:defRPr sz="1400" b="0" i="0" u="none" strike="noStrike" cap="none">
         <a:solidFill>
           <a:srgbClr val="000000"/>
         </a:solidFill>
@@ -562,7 +583,7 @@
         <a:sym typeface="Arial"/>
       </a:defRPr>
     </a:lvl4pPr>
-    <a:lvl5pPr lvl="4" marR="0" rtl="0" algn="l">
+    <a:lvl5pPr marR="0" lvl="4" algn="l" rtl="0">
       <a:lnSpc>
         <a:spcPct val="100000"/>
       </a:lnSpc>
@@ -576,7 +597,7 @@
         <a:srgbClr val="000000"/>
       </a:buClr>
       <a:buFont typeface="Arial"/>
-      <a:defRPr b="0" i="0" sz="1400" u="none" cap="none" strike="noStrike">
+      <a:defRPr sz="1400" b="0" i="0" u="none" strike="noStrike" cap="none">
         <a:solidFill>
           <a:srgbClr val="000000"/>
         </a:solidFill>
@@ -586,7 +607,7 @@
         <a:sym typeface="Arial"/>
       </a:defRPr>
     </a:lvl5pPr>
-    <a:lvl6pPr lvl="5" marR="0" rtl="0" algn="l">
+    <a:lvl6pPr marR="0" lvl="5" algn="l" rtl="0">
       <a:lnSpc>
         <a:spcPct val="100000"/>
       </a:lnSpc>
@@ -600,7 +621,7 @@
         <a:srgbClr val="000000"/>
       </a:buClr>
       <a:buFont typeface="Arial"/>
-      <a:defRPr b="0" i="0" sz="1400" u="none" cap="none" strike="noStrike">
+      <a:defRPr sz="1400" b="0" i="0" u="none" strike="noStrike" cap="none">
         <a:solidFill>
           <a:srgbClr val="000000"/>
         </a:solidFill>
@@ -610,7 +631,7 @@
         <a:sym typeface="Arial"/>
       </a:defRPr>
     </a:lvl6pPr>
-    <a:lvl7pPr lvl="6" marR="0" rtl="0" algn="l">
+    <a:lvl7pPr marR="0" lvl="6" algn="l" rtl="0">
       <a:lnSpc>
         <a:spcPct val="100000"/>
       </a:lnSpc>
@@ -624,7 +645,7 @@
         <a:srgbClr val="000000"/>
       </a:buClr>
       <a:buFont typeface="Arial"/>
-      <a:defRPr b="0" i="0" sz="1400" u="none" cap="none" strike="noStrike">
+      <a:defRPr sz="1400" b="0" i="0" u="none" strike="noStrike" cap="none">
         <a:solidFill>
           <a:srgbClr val="000000"/>
         </a:solidFill>
@@ -634,7 +655,7 @@
         <a:sym typeface="Arial"/>
       </a:defRPr>
     </a:lvl7pPr>
-    <a:lvl8pPr lvl="7" marR="0" rtl="0" algn="l">
+    <a:lvl8pPr marR="0" lvl="7" algn="l" rtl="0">
       <a:lnSpc>
         <a:spcPct val="100000"/>
       </a:lnSpc>
@@ -648,7 +669,7 @@
         <a:srgbClr val="000000"/>
       </a:buClr>
       <a:buFont typeface="Arial"/>
-      <a:defRPr b="0" i="0" sz="1400" u="none" cap="none" strike="noStrike">
+      <a:defRPr sz="1400" b="0" i="0" u="none" strike="noStrike" cap="none">
         <a:solidFill>
           <a:srgbClr val="000000"/>
         </a:solidFill>
@@ -658,7 +679,7 @@
         <a:sym typeface="Arial"/>
       </a:defRPr>
     </a:lvl8pPr>
-    <a:lvl9pPr lvl="8" marR="0" rtl="0" algn="l">
+    <a:lvl9pPr marR="0" lvl="8" algn="l" rtl="0">
       <a:lnSpc>
         <a:spcPct val="100000"/>
       </a:lnSpc>
@@ -672,7 +693,7 @@
         <a:srgbClr val="000000"/>
       </a:buClr>
       <a:buFont typeface="Arial"/>
-      <a:defRPr b="0" i="0" sz="1400" u="none" cap="none" strike="noStrike">
+      <a:defRPr sz="1400" b="0" i="0" u="none" strike="noStrike" cap="none">
         <a:solidFill>
           <a:srgbClr val="000000"/>
         </a:solidFill>
@@ -687,11 +708,11 @@
 </file>
 
 <file path=ppt/notesSlides/notesSlide1.xml><?xml version="1.0" encoding="utf-8"?>
-<p:notes xmlns:a="http://schemas.openxmlformats.org/drawingml/2006/main" xmlns:r="http://schemas.openxmlformats.org/officeDocument/2006/relationships" xmlns:mc="http://schemas.openxmlformats.org/markup-compatibility/2006" xmlns:mv="urn:schemas-microsoft-com:mac:vml" xmlns:p="http://schemas.openxmlformats.org/presentationml/2006/main" xmlns:c="http://schemas.openxmlformats.org/drawingml/2006/chart" xmlns:dgm="http://schemas.openxmlformats.org/drawingml/2006/diagram" xmlns:o="urn:schemas-microsoft-com:office:office" xmlns:v="urn:schemas-microsoft-com:vml" xmlns:pvml="urn:schemas-microsoft-com:office:powerpoint" xmlns:com="http://schemas.openxmlformats.org/drawingml/2006/compatibility" xmlns:p14="http://schemas.microsoft.com/office/powerpoint/2010/main" xmlns:p15="http://schemas.microsoft.com/office/powerpoint/2012/main" showMasterPhAnim="0" showMasterSp="0">
+<p:notes xmlns:a="http://schemas.openxmlformats.org/drawingml/2006/main" xmlns:r="http://schemas.openxmlformats.org/officeDocument/2006/relationships" xmlns:p="http://schemas.openxmlformats.org/presentationml/2006/main" showMasterSp="0" showMasterPhAnim="0">
   <p:cSld>
     <p:spTree>
       <p:nvGrpSpPr>
-        <p:cNvPr id="55" name="Shape 55"/>
+        <p:cNvPr id="1" name="Shape 55"/>
         <p:cNvGrpSpPr/>
         <p:nvPr/>
       </p:nvGrpSpPr>
@@ -706,19 +727,26 @@
       <p:sp>
         <p:nvSpPr>
           <p:cNvPr id="56" name="Shape 56"/>
-          <p:cNvSpPr/>
+          <p:cNvSpPr>
+            <a:spLocks noGrp="1" noRot="1" noChangeAspect="1"/>
+          </p:cNvSpPr>
           <p:nvPr>
-            <p:ph idx="2" type="sldImg"/>
+            <p:ph type="sldImg" idx="2"/>
           </p:nvPr>
         </p:nvSpPr>
         <p:spPr>
           <a:xfrm>
-            <a:off x="381300" y="685800"/>
-            <a:ext cx="6096075" cy="3429000"/>
+            <a:off x="381000" y="685800"/>
+            <a:ext cx="6096000" cy="3429000"/>
           </a:xfrm>
           <a:custGeom>
+            <a:avLst/>
+            <a:gdLst/>
+            <a:ahLst/>
+            <a:cxnLst/>
+            <a:rect l="0" t="0" r="0" b="0"/>
             <a:pathLst>
-              <a:path extrusionOk="0" h="120000" w="120000">
+              <a:path w="120000" h="120000" extrusionOk="0">
                 <a:moveTo>
                   <a:pt x="0" y="0"/>
                 </a:moveTo>
@@ -740,9 +768,11 @@
       <p:sp>
         <p:nvSpPr>
           <p:cNvPr id="57" name="Shape 57"/>
-          <p:cNvSpPr txBox="1"/>
+          <p:cNvSpPr txBox="1">
+            <a:spLocks noGrp="1"/>
+          </p:cNvSpPr>
           <p:nvPr>
-            <p:ph idx="1" type="body"/>
+            <p:ph type="body" idx="1"/>
           </p:nvPr>
         </p:nvSpPr>
         <p:spPr>
@@ -755,12 +785,12 @@
           </a:prstGeom>
         </p:spPr>
         <p:txBody>
-          <a:bodyPr anchorCtr="0" anchor="t" bIns="91425" lIns="91425" spcFirstLastPara="1" rIns="91425" wrap="square" tIns="91425">
+          <a:bodyPr spcFirstLastPara="1" wrap="square" lIns="91425" tIns="91425" rIns="91425" bIns="91425" anchor="t" anchorCtr="0">
             <a:noAutofit/>
           </a:bodyPr>
           <a:lstStyle/>
           <a:p>
-            <a:pPr indent="0" lvl="0" marL="0">
+            <a:pPr marL="0" lvl="0" indent="0">
               <a:spcBef>
                 <a:spcPts val="0"/>
               </a:spcBef>
@@ -769,9 +799,6 @@
               </a:spcAft>
               <a:buNone/>
             </a:pPr>
-            <a:r>
-              <a:t/>
-            </a:r>
             <a:endParaRPr/>
           </a:p>
         </p:txBody>
@@ -785,11 +812,11 @@
 </file>
 
 <file path=ppt/notesSlides/notesSlide10.xml><?xml version="1.0" encoding="utf-8"?>
-<p:notes xmlns:a="http://schemas.openxmlformats.org/drawingml/2006/main" xmlns:r="http://schemas.openxmlformats.org/officeDocument/2006/relationships" xmlns:mc="http://schemas.openxmlformats.org/markup-compatibility/2006" xmlns:mv="urn:schemas-microsoft-com:mac:vml" xmlns:p="http://schemas.openxmlformats.org/presentationml/2006/main" xmlns:c="http://schemas.openxmlformats.org/drawingml/2006/chart" xmlns:dgm="http://schemas.openxmlformats.org/drawingml/2006/diagram" xmlns:o="urn:schemas-microsoft-com:office:office" xmlns:v="urn:schemas-microsoft-com:vml" xmlns:pvml="urn:schemas-microsoft-com:office:powerpoint" xmlns:com="http://schemas.openxmlformats.org/drawingml/2006/compatibility" xmlns:p14="http://schemas.microsoft.com/office/powerpoint/2010/main" xmlns:p15="http://schemas.microsoft.com/office/powerpoint/2012/main" showMasterPhAnim="0" showMasterSp="0">
+<p:notes xmlns:a="http://schemas.openxmlformats.org/drawingml/2006/main" xmlns:r="http://schemas.openxmlformats.org/officeDocument/2006/relationships" xmlns:p="http://schemas.openxmlformats.org/presentationml/2006/main" showMasterSp="0" showMasterPhAnim="0">
   <p:cSld>
     <p:spTree>
       <p:nvGrpSpPr>
-        <p:cNvPr id="114" name="Shape 114"/>
+        <p:cNvPr id="1" name="Shape 114"/>
         <p:cNvGrpSpPr/>
         <p:nvPr/>
       </p:nvGrpSpPr>
@@ -804,19 +831,26 @@
       <p:sp>
         <p:nvSpPr>
           <p:cNvPr id="115" name="Shape 115"/>
-          <p:cNvSpPr/>
+          <p:cNvSpPr>
+            <a:spLocks noGrp="1" noRot="1" noChangeAspect="1"/>
+          </p:cNvSpPr>
           <p:nvPr>
-            <p:ph idx="2" type="sldImg"/>
+            <p:ph type="sldImg" idx="2"/>
           </p:nvPr>
         </p:nvSpPr>
         <p:spPr>
           <a:xfrm>
-            <a:off x="381300" y="685800"/>
+            <a:off x="381000" y="685800"/>
             <a:ext cx="6096000" cy="3429000"/>
           </a:xfrm>
           <a:custGeom>
+            <a:avLst/>
+            <a:gdLst/>
+            <a:ahLst/>
+            <a:cxnLst/>
+            <a:rect l="0" t="0" r="0" b="0"/>
             <a:pathLst>
-              <a:path extrusionOk="0" h="120000" w="120000">
+              <a:path w="120000" h="120000" extrusionOk="0">
                 <a:moveTo>
                   <a:pt x="0" y="0"/>
                 </a:moveTo>
@@ -838,9 +872,11 @@
       <p:sp>
         <p:nvSpPr>
           <p:cNvPr id="116" name="Shape 116"/>
-          <p:cNvSpPr txBox="1"/>
+          <p:cNvSpPr txBox="1">
+            <a:spLocks noGrp="1"/>
+          </p:cNvSpPr>
           <p:nvPr>
-            <p:ph idx="1" type="body"/>
+            <p:ph type="body" idx="1"/>
           </p:nvPr>
         </p:nvSpPr>
         <p:spPr>
@@ -853,12 +889,12 @@
           </a:prstGeom>
         </p:spPr>
         <p:txBody>
-          <a:bodyPr anchorCtr="0" anchor="t" bIns="91425" lIns="91425" spcFirstLastPara="1" rIns="91425" wrap="square" tIns="91425">
+          <a:bodyPr spcFirstLastPara="1" wrap="square" lIns="91425" tIns="91425" rIns="91425" bIns="91425" anchor="t" anchorCtr="0">
             <a:noAutofit/>
           </a:bodyPr>
           <a:lstStyle/>
           <a:p>
-            <a:pPr indent="0" lvl="0" marL="0">
+            <a:pPr marL="0" lvl="0" indent="0">
               <a:spcBef>
                 <a:spcPts val="0"/>
               </a:spcBef>
@@ -867,9 +903,6 @@
               </a:spcAft>
               <a:buNone/>
             </a:pPr>
-            <a:r>
-              <a:t/>
-            </a:r>
             <a:endParaRPr/>
           </a:p>
         </p:txBody>
@@ -883,11 +916,11 @@
 </file>
 
 <file path=ppt/notesSlides/notesSlide11.xml><?xml version="1.0" encoding="utf-8"?>
-<p:notes xmlns:a="http://schemas.openxmlformats.org/drawingml/2006/main" xmlns:r="http://schemas.openxmlformats.org/officeDocument/2006/relationships" xmlns:mc="http://schemas.openxmlformats.org/markup-compatibility/2006" xmlns:mv="urn:schemas-microsoft-com:mac:vml" xmlns:p="http://schemas.openxmlformats.org/presentationml/2006/main" xmlns:c="http://schemas.openxmlformats.org/drawingml/2006/chart" xmlns:dgm="http://schemas.openxmlformats.org/drawingml/2006/diagram" xmlns:o="urn:schemas-microsoft-com:office:office" xmlns:v="urn:schemas-microsoft-com:vml" xmlns:pvml="urn:schemas-microsoft-com:office:powerpoint" xmlns:com="http://schemas.openxmlformats.org/drawingml/2006/compatibility" xmlns:p14="http://schemas.microsoft.com/office/powerpoint/2010/main" xmlns:p15="http://schemas.microsoft.com/office/powerpoint/2012/main" showMasterPhAnim="0" showMasterSp="0">
+<p:notes xmlns:a="http://schemas.openxmlformats.org/drawingml/2006/main" xmlns:r="http://schemas.openxmlformats.org/officeDocument/2006/relationships" xmlns:p="http://schemas.openxmlformats.org/presentationml/2006/main" showMasterSp="0" showMasterPhAnim="0">
   <p:cSld>
     <p:spTree>
       <p:nvGrpSpPr>
-        <p:cNvPr id="119" name="Shape 119"/>
+        <p:cNvPr id="1" name="Shape 119"/>
         <p:cNvGrpSpPr/>
         <p:nvPr/>
       </p:nvGrpSpPr>
@@ -902,19 +935,26 @@
       <p:sp>
         <p:nvSpPr>
           <p:cNvPr id="120" name="Shape 120"/>
-          <p:cNvSpPr/>
+          <p:cNvSpPr>
+            <a:spLocks noGrp="1" noRot="1" noChangeAspect="1"/>
+          </p:cNvSpPr>
           <p:nvPr>
-            <p:ph idx="2" type="sldImg"/>
+            <p:ph type="sldImg" idx="2"/>
           </p:nvPr>
         </p:nvSpPr>
         <p:spPr>
           <a:xfrm>
-            <a:off x="381300" y="685800"/>
+            <a:off x="381000" y="685800"/>
             <a:ext cx="6096000" cy="3429000"/>
           </a:xfrm>
           <a:custGeom>
+            <a:avLst/>
+            <a:gdLst/>
+            <a:ahLst/>
+            <a:cxnLst/>
+            <a:rect l="0" t="0" r="0" b="0"/>
             <a:pathLst>
-              <a:path extrusionOk="0" h="120000" w="120000">
+              <a:path w="120000" h="120000" extrusionOk="0">
                 <a:moveTo>
                   <a:pt x="0" y="0"/>
                 </a:moveTo>
@@ -936,9 +976,11 @@
       <p:sp>
         <p:nvSpPr>
           <p:cNvPr id="121" name="Shape 121"/>
-          <p:cNvSpPr txBox="1"/>
+          <p:cNvSpPr txBox="1">
+            <a:spLocks noGrp="1"/>
+          </p:cNvSpPr>
           <p:nvPr>
-            <p:ph idx="1" type="body"/>
+            <p:ph type="body" idx="1"/>
           </p:nvPr>
         </p:nvSpPr>
         <p:spPr>
@@ -951,12 +993,12 @@
           </a:prstGeom>
         </p:spPr>
         <p:txBody>
-          <a:bodyPr anchorCtr="0" anchor="t" bIns="91425" lIns="91425" spcFirstLastPara="1" rIns="91425" wrap="square" tIns="91425">
+          <a:bodyPr spcFirstLastPara="1" wrap="square" lIns="91425" tIns="91425" rIns="91425" bIns="91425" anchor="t" anchorCtr="0">
             <a:noAutofit/>
           </a:bodyPr>
           <a:lstStyle/>
           <a:p>
-            <a:pPr indent="0" lvl="0" marL="0">
+            <a:pPr marL="0" lvl="0" indent="0">
               <a:spcBef>
                 <a:spcPts val="0"/>
               </a:spcBef>
@@ -965,9 +1007,6 @@
               </a:spcAft>
               <a:buNone/>
             </a:pPr>
-            <a:r>
-              <a:t/>
-            </a:r>
             <a:endParaRPr/>
           </a:p>
         </p:txBody>
@@ -981,11 +1020,11 @@
 </file>
 
 <file path=ppt/notesSlides/notesSlide12.xml><?xml version="1.0" encoding="utf-8"?>
-<p:notes xmlns:a="http://schemas.openxmlformats.org/drawingml/2006/main" xmlns:r="http://schemas.openxmlformats.org/officeDocument/2006/relationships" xmlns:mc="http://schemas.openxmlformats.org/markup-compatibility/2006" xmlns:mv="urn:schemas-microsoft-com:mac:vml" xmlns:p="http://schemas.openxmlformats.org/presentationml/2006/main" xmlns:c="http://schemas.openxmlformats.org/drawingml/2006/chart" xmlns:dgm="http://schemas.openxmlformats.org/drawingml/2006/diagram" xmlns:o="urn:schemas-microsoft-com:office:office" xmlns:v="urn:schemas-microsoft-com:vml" xmlns:pvml="urn:schemas-microsoft-com:office:powerpoint" xmlns:com="http://schemas.openxmlformats.org/drawingml/2006/compatibility" xmlns:p14="http://schemas.microsoft.com/office/powerpoint/2010/main" xmlns:p15="http://schemas.microsoft.com/office/powerpoint/2012/main" showMasterPhAnim="0" showMasterSp="0">
+<p:notes xmlns:a="http://schemas.openxmlformats.org/drawingml/2006/main" xmlns:r="http://schemas.openxmlformats.org/officeDocument/2006/relationships" xmlns:p="http://schemas.openxmlformats.org/presentationml/2006/main" showMasterSp="0" showMasterPhAnim="0">
   <p:cSld>
     <p:spTree>
       <p:nvGrpSpPr>
-        <p:cNvPr id="124" name="Shape 124"/>
+        <p:cNvPr id="1" name="Shape 124"/>
         <p:cNvGrpSpPr/>
         <p:nvPr/>
       </p:nvGrpSpPr>
@@ -1000,19 +1039,26 @@
       <p:sp>
         <p:nvSpPr>
           <p:cNvPr id="125" name="Shape 125"/>
-          <p:cNvSpPr/>
+          <p:cNvSpPr>
+            <a:spLocks noGrp="1" noRot="1" noChangeAspect="1"/>
+          </p:cNvSpPr>
           <p:nvPr>
-            <p:ph idx="2" type="sldImg"/>
+            <p:ph type="sldImg" idx="2"/>
           </p:nvPr>
         </p:nvSpPr>
         <p:spPr>
           <a:xfrm>
-            <a:off x="381300" y="685800"/>
+            <a:off x="381000" y="685800"/>
             <a:ext cx="6096000" cy="3429000"/>
           </a:xfrm>
           <a:custGeom>
+            <a:avLst/>
+            <a:gdLst/>
+            <a:ahLst/>
+            <a:cxnLst/>
+            <a:rect l="0" t="0" r="0" b="0"/>
             <a:pathLst>
-              <a:path extrusionOk="0" h="120000" w="120000">
+              <a:path w="120000" h="120000" extrusionOk="0">
                 <a:moveTo>
                   <a:pt x="0" y="0"/>
                 </a:moveTo>
@@ -1034,9 +1080,11 @@
       <p:sp>
         <p:nvSpPr>
           <p:cNvPr id="126" name="Shape 126"/>
-          <p:cNvSpPr txBox="1"/>
+          <p:cNvSpPr txBox="1">
+            <a:spLocks noGrp="1"/>
+          </p:cNvSpPr>
           <p:nvPr>
-            <p:ph idx="1" type="body"/>
+            <p:ph type="body" idx="1"/>
           </p:nvPr>
         </p:nvSpPr>
         <p:spPr>
@@ -1049,12 +1097,12 @@
           </a:prstGeom>
         </p:spPr>
         <p:txBody>
-          <a:bodyPr anchorCtr="0" anchor="t" bIns="91425" lIns="91425" spcFirstLastPara="1" rIns="91425" wrap="square" tIns="91425">
+          <a:bodyPr spcFirstLastPara="1" wrap="square" lIns="91425" tIns="91425" rIns="91425" bIns="91425" anchor="t" anchorCtr="0">
             <a:noAutofit/>
           </a:bodyPr>
           <a:lstStyle/>
           <a:p>
-            <a:pPr indent="0" lvl="0" marL="0">
+            <a:pPr marL="0" lvl="0" indent="0">
               <a:spcBef>
                 <a:spcPts val="0"/>
               </a:spcBef>
@@ -1063,9 +1111,6 @@
               </a:spcAft>
               <a:buNone/>
             </a:pPr>
-            <a:r>
-              <a:t/>
-            </a:r>
             <a:endParaRPr/>
           </a:p>
         </p:txBody>
@@ -1079,11 +1124,11 @@
 </file>
 
 <file path=ppt/notesSlides/notesSlide2.xml><?xml version="1.0" encoding="utf-8"?>
-<p:notes xmlns:a="http://schemas.openxmlformats.org/drawingml/2006/main" xmlns:r="http://schemas.openxmlformats.org/officeDocument/2006/relationships" xmlns:mc="http://schemas.openxmlformats.org/markup-compatibility/2006" xmlns:mv="urn:schemas-microsoft-com:mac:vml" xmlns:p="http://schemas.openxmlformats.org/presentationml/2006/main" xmlns:c="http://schemas.openxmlformats.org/drawingml/2006/chart" xmlns:dgm="http://schemas.openxmlformats.org/drawingml/2006/diagram" xmlns:o="urn:schemas-microsoft-com:office:office" xmlns:v="urn:schemas-microsoft-com:vml" xmlns:pvml="urn:schemas-microsoft-com:office:powerpoint" xmlns:com="http://schemas.openxmlformats.org/drawingml/2006/compatibility" xmlns:p14="http://schemas.microsoft.com/office/powerpoint/2010/main" xmlns:p15="http://schemas.microsoft.com/office/powerpoint/2012/main" showMasterPhAnim="0" showMasterSp="0">
+<p:notes xmlns:a="http://schemas.openxmlformats.org/drawingml/2006/main" xmlns:r="http://schemas.openxmlformats.org/officeDocument/2006/relationships" xmlns:p="http://schemas.openxmlformats.org/presentationml/2006/main" showMasterSp="0" showMasterPhAnim="0">
   <p:cSld>
     <p:spTree>
       <p:nvGrpSpPr>
-        <p:cNvPr id="61" name="Shape 61"/>
+        <p:cNvPr id="1" name="Shape 61"/>
         <p:cNvGrpSpPr/>
         <p:nvPr/>
       </p:nvGrpSpPr>
@@ -1098,19 +1143,26 @@
       <p:sp>
         <p:nvSpPr>
           <p:cNvPr id="62" name="Shape 62"/>
-          <p:cNvSpPr/>
+          <p:cNvSpPr>
+            <a:spLocks noGrp="1" noRot="1" noChangeAspect="1"/>
+          </p:cNvSpPr>
           <p:nvPr>
-            <p:ph idx="2" type="sldImg"/>
+            <p:ph type="sldImg" idx="2"/>
           </p:nvPr>
         </p:nvSpPr>
         <p:spPr>
           <a:xfrm>
-            <a:off x="381300" y="685800"/>
+            <a:off x="381000" y="685800"/>
             <a:ext cx="6096000" cy="3429000"/>
           </a:xfrm>
           <a:custGeom>
+            <a:avLst/>
+            <a:gdLst/>
+            <a:ahLst/>
+            <a:cxnLst/>
+            <a:rect l="0" t="0" r="0" b="0"/>
             <a:pathLst>
-              <a:path extrusionOk="0" h="120000" w="120000">
+              <a:path w="120000" h="120000" extrusionOk="0">
                 <a:moveTo>
                   <a:pt x="0" y="0"/>
                 </a:moveTo>
@@ -1132,9 +1184,11 @@
       <p:sp>
         <p:nvSpPr>
           <p:cNvPr id="63" name="Shape 63"/>
-          <p:cNvSpPr txBox="1"/>
+          <p:cNvSpPr txBox="1">
+            <a:spLocks noGrp="1"/>
+          </p:cNvSpPr>
           <p:nvPr>
-            <p:ph idx="1" type="body"/>
+            <p:ph type="body" idx="1"/>
           </p:nvPr>
         </p:nvSpPr>
         <p:spPr>
@@ -1147,12 +1201,12 @@
           </a:prstGeom>
         </p:spPr>
         <p:txBody>
-          <a:bodyPr anchorCtr="0" anchor="t" bIns="91425" lIns="91425" spcFirstLastPara="1" rIns="91425" wrap="square" tIns="91425">
+          <a:bodyPr spcFirstLastPara="1" wrap="square" lIns="91425" tIns="91425" rIns="91425" bIns="91425" anchor="t" anchorCtr="0">
             <a:noAutofit/>
           </a:bodyPr>
           <a:lstStyle/>
           <a:p>
-            <a:pPr indent="0" lvl="0" marL="0">
+            <a:pPr marL="0" lvl="0" indent="0">
               <a:spcBef>
                 <a:spcPts val="0"/>
               </a:spcBef>
@@ -1161,9 +1215,6 @@
               </a:spcAft>
               <a:buNone/>
             </a:pPr>
-            <a:r>
-              <a:t/>
-            </a:r>
             <a:endParaRPr/>
           </a:p>
         </p:txBody>
@@ -1177,11 +1228,11 @@
 </file>
 
 <file path=ppt/notesSlides/notesSlide3.xml><?xml version="1.0" encoding="utf-8"?>
-<p:notes xmlns:a="http://schemas.openxmlformats.org/drawingml/2006/main" xmlns:r="http://schemas.openxmlformats.org/officeDocument/2006/relationships" xmlns:mc="http://schemas.openxmlformats.org/markup-compatibility/2006" xmlns:mv="urn:schemas-microsoft-com:mac:vml" xmlns:p="http://schemas.openxmlformats.org/presentationml/2006/main" xmlns:c="http://schemas.openxmlformats.org/drawingml/2006/chart" xmlns:dgm="http://schemas.openxmlformats.org/drawingml/2006/diagram" xmlns:o="urn:schemas-microsoft-com:office:office" xmlns:v="urn:schemas-microsoft-com:vml" xmlns:pvml="urn:schemas-microsoft-com:office:powerpoint" xmlns:com="http://schemas.openxmlformats.org/drawingml/2006/compatibility" xmlns:p14="http://schemas.microsoft.com/office/powerpoint/2010/main" xmlns:p15="http://schemas.microsoft.com/office/powerpoint/2012/main" showMasterPhAnim="0" showMasterSp="0">
+<p:notes xmlns:a="http://schemas.openxmlformats.org/drawingml/2006/main" xmlns:r="http://schemas.openxmlformats.org/officeDocument/2006/relationships" xmlns:p="http://schemas.openxmlformats.org/presentationml/2006/main" showMasterSp="0" showMasterPhAnim="0">
   <p:cSld>
     <p:spTree>
       <p:nvGrpSpPr>
-        <p:cNvPr id="67" name="Shape 67"/>
+        <p:cNvPr id="1" name="Shape 67"/>
         <p:cNvGrpSpPr/>
         <p:nvPr/>
       </p:nvGrpSpPr>
@@ -1196,19 +1247,26 @@
       <p:sp>
         <p:nvSpPr>
           <p:cNvPr id="68" name="Shape 68"/>
-          <p:cNvSpPr/>
+          <p:cNvSpPr>
+            <a:spLocks noGrp="1" noRot="1" noChangeAspect="1"/>
+          </p:cNvSpPr>
           <p:nvPr>
-            <p:ph idx="2" type="sldImg"/>
+            <p:ph type="sldImg" idx="2"/>
           </p:nvPr>
         </p:nvSpPr>
         <p:spPr>
           <a:xfrm>
-            <a:off x="381300" y="685800"/>
+            <a:off x="381000" y="685800"/>
             <a:ext cx="6096000" cy="3429000"/>
           </a:xfrm>
           <a:custGeom>
+            <a:avLst/>
+            <a:gdLst/>
+            <a:ahLst/>
+            <a:cxnLst/>
+            <a:rect l="0" t="0" r="0" b="0"/>
             <a:pathLst>
-              <a:path extrusionOk="0" h="120000" w="120000">
+              <a:path w="120000" h="120000" extrusionOk="0">
                 <a:moveTo>
                   <a:pt x="0" y="0"/>
                 </a:moveTo>
@@ -1230,9 +1288,11 @@
       <p:sp>
         <p:nvSpPr>
           <p:cNvPr id="69" name="Shape 69"/>
-          <p:cNvSpPr txBox="1"/>
+          <p:cNvSpPr txBox="1">
+            <a:spLocks noGrp="1"/>
+          </p:cNvSpPr>
           <p:nvPr>
-            <p:ph idx="1" type="body"/>
+            <p:ph type="body" idx="1"/>
           </p:nvPr>
         </p:nvSpPr>
         <p:spPr>
@@ -1245,12 +1305,12 @@
           </a:prstGeom>
         </p:spPr>
         <p:txBody>
-          <a:bodyPr anchorCtr="0" anchor="t" bIns="91425" lIns="91425" spcFirstLastPara="1" rIns="91425" wrap="square" tIns="91425">
+          <a:bodyPr spcFirstLastPara="1" wrap="square" lIns="91425" tIns="91425" rIns="91425" bIns="91425" anchor="t" anchorCtr="0">
             <a:noAutofit/>
           </a:bodyPr>
           <a:lstStyle/>
           <a:p>
-            <a:pPr indent="0" lvl="0" marL="0">
+            <a:pPr marL="0" lvl="0" indent="0">
               <a:spcBef>
                 <a:spcPts val="0"/>
               </a:spcBef>
@@ -1259,9 +1319,6 @@
               </a:spcAft>
               <a:buNone/>
             </a:pPr>
-            <a:r>
-              <a:t/>
-            </a:r>
             <a:endParaRPr/>
           </a:p>
         </p:txBody>
@@ -1275,11 +1332,11 @@
 </file>
 
 <file path=ppt/notesSlides/notesSlide4.xml><?xml version="1.0" encoding="utf-8"?>
-<p:notes xmlns:a="http://schemas.openxmlformats.org/drawingml/2006/main" xmlns:r="http://schemas.openxmlformats.org/officeDocument/2006/relationships" xmlns:mc="http://schemas.openxmlformats.org/markup-compatibility/2006" xmlns:mv="urn:schemas-microsoft-com:mac:vml" xmlns:p="http://schemas.openxmlformats.org/presentationml/2006/main" xmlns:c="http://schemas.openxmlformats.org/drawingml/2006/chart" xmlns:dgm="http://schemas.openxmlformats.org/drawingml/2006/diagram" xmlns:o="urn:schemas-microsoft-com:office:office" xmlns:v="urn:schemas-microsoft-com:vml" xmlns:pvml="urn:schemas-microsoft-com:office:powerpoint" xmlns:com="http://schemas.openxmlformats.org/drawingml/2006/compatibility" xmlns:p14="http://schemas.microsoft.com/office/powerpoint/2010/main" xmlns:p15="http://schemas.microsoft.com/office/powerpoint/2012/main" showMasterPhAnim="0" showMasterSp="0">
+<p:notes xmlns:a="http://schemas.openxmlformats.org/drawingml/2006/main" xmlns:r="http://schemas.openxmlformats.org/officeDocument/2006/relationships" xmlns:p="http://schemas.openxmlformats.org/presentationml/2006/main" showMasterSp="0" showMasterPhAnim="0">
   <p:cSld>
     <p:spTree>
       <p:nvGrpSpPr>
-        <p:cNvPr id="72" name="Shape 72"/>
+        <p:cNvPr id="1" name="Shape 72"/>
         <p:cNvGrpSpPr/>
         <p:nvPr/>
       </p:nvGrpSpPr>
@@ -1294,19 +1351,26 @@
       <p:sp>
         <p:nvSpPr>
           <p:cNvPr id="73" name="Shape 73"/>
-          <p:cNvSpPr/>
+          <p:cNvSpPr>
+            <a:spLocks noGrp="1" noRot="1" noChangeAspect="1"/>
+          </p:cNvSpPr>
           <p:nvPr>
-            <p:ph idx="2" type="sldImg"/>
+            <p:ph type="sldImg" idx="2"/>
           </p:nvPr>
         </p:nvSpPr>
         <p:spPr>
           <a:xfrm>
-            <a:off x="381300" y="685800"/>
+            <a:off x="381000" y="685800"/>
             <a:ext cx="6096000" cy="3429000"/>
           </a:xfrm>
           <a:custGeom>
+            <a:avLst/>
+            <a:gdLst/>
+            <a:ahLst/>
+            <a:cxnLst/>
+            <a:rect l="0" t="0" r="0" b="0"/>
             <a:pathLst>
-              <a:path extrusionOk="0" h="120000" w="120000">
+              <a:path w="120000" h="120000" extrusionOk="0">
                 <a:moveTo>
                   <a:pt x="0" y="0"/>
                 </a:moveTo>
@@ -1328,9 +1392,11 @@
       <p:sp>
         <p:nvSpPr>
           <p:cNvPr id="74" name="Shape 74"/>
-          <p:cNvSpPr txBox="1"/>
+          <p:cNvSpPr txBox="1">
+            <a:spLocks noGrp="1"/>
+          </p:cNvSpPr>
           <p:nvPr>
-            <p:ph idx="1" type="body"/>
+            <p:ph type="body" idx="1"/>
           </p:nvPr>
         </p:nvSpPr>
         <p:spPr>
@@ -1343,12 +1409,12 @@
           </a:prstGeom>
         </p:spPr>
         <p:txBody>
-          <a:bodyPr anchorCtr="0" anchor="t" bIns="91425" lIns="91425" spcFirstLastPara="1" rIns="91425" wrap="square" tIns="91425">
+          <a:bodyPr spcFirstLastPara="1" wrap="square" lIns="91425" tIns="91425" rIns="91425" bIns="91425" anchor="t" anchorCtr="0">
             <a:noAutofit/>
           </a:bodyPr>
           <a:lstStyle/>
           <a:p>
-            <a:pPr indent="0" lvl="0" marL="0">
+            <a:pPr marL="0" lvl="0" indent="0">
               <a:spcBef>
                 <a:spcPts val="0"/>
               </a:spcBef>
@@ -1357,9 +1423,6 @@
               </a:spcAft>
               <a:buNone/>
             </a:pPr>
-            <a:r>
-              <a:t/>
-            </a:r>
             <a:endParaRPr/>
           </a:p>
         </p:txBody>
@@ -1373,11 +1436,11 @@
 </file>
 
 <file path=ppt/notesSlides/notesSlide5.xml><?xml version="1.0" encoding="utf-8"?>
-<p:notes xmlns:a="http://schemas.openxmlformats.org/drawingml/2006/main" xmlns:r="http://schemas.openxmlformats.org/officeDocument/2006/relationships" xmlns:mc="http://schemas.openxmlformats.org/markup-compatibility/2006" xmlns:mv="urn:schemas-microsoft-com:mac:vml" xmlns:p="http://schemas.openxmlformats.org/presentationml/2006/main" xmlns:c="http://schemas.openxmlformats.org/drawingml/2006/chart" xmlns:dgm="http://schemas.openxmlformats.org/drawingml/2006/diagram" xmlns:o="urn:schemas-microsoft-com:office:office" xmlns:v="urn:schemas-microsoft-com:vml" xmlns:pvml="urn:schemas-microsoft-com:office:powerpoint" xmlns:com="http://schemas.openxmlformats.org/drawingml/2006/compatibility" xmlns:p14="http://schemas.microsoft.com/office/powerpoint/2010/main" xmlns:p15="http://schemas.microsoft.com/office/powerpoint/2012/main" showMasterPhAnim="0" showMasterSp="0">
+<p:notes xmlns:a="http://schemas.openxmlformats.org/drawingml/2006/main" xmlns:r="http://schemas.openxmlformats.org/officeDocument/2006/relationships" xmlns:p="http://schemas.openxmlformats.org/presentationml/2006/main" showMasterSp="0" showMasterPhAnim="0">
   <p:cSld>
     <p:spTree>
       <p:nvGrpSpPr>
-        <p:cNvPr id="80" name="Shape 80"/>
+        <p:cNvPr id="1" name="Shape 80"/>
         <p:cNvGrpSpPr/>
         <p:nvPr/>
       </p:nvGrpSpPr>
@@ -1392,19 +1455,26 @@
       <p:sp>
         <p:nvSpPr>
           <p:cNvPr id="81" name="Shape 81"/>
-          <p:cNvSpPr/>
+          <p:cNvSpPr>
+            <a:spLocks noGrp="1" noRot="1" noChangeAspect="1"/>
+          </p:cNvSpPr>
           <p:nvPr>
-            <p:ph idx="2" type="sldImg"/>
+            <p:ph type="sldImg" idx="2"/>
           </p:nvPr>
         </p:nvSpPr>
         <p:spPr>
           <a:xfrm>
-            <a:off x="381300" y="685800"/>
+            <a:off x="381000" y="685800"/>
             <a:ext cx="6096000" cy="3429000"/>
           </a:xfrm>
           <a:custGeom>
+            <a:avLst/>
+            <a:gdLst/>
+            <a:ahLst/>
+            <a:cxnLst/>
+            <a:rect l="0" t="0" r="0" b="0"/>
             <a:pathLst>
-              <a:path extrusionOk="0" h="120000" w="120000">
+              <a:path w="120000" h="120000" extrusionOk="0">
                 <a:moveTo>
                   <a:pt x="0" y="0"/>
                 </a:moveTo>
@@ -1426,9 +1496,11 @@
       <p:sp>
         <p:nvSpPr>
           <p:cNvPr id="82" name="Shape 82"/>
-          <p:cNvSpPr txBox="1"/>
+          <p:cNvSpPr txBox="1">
+            <a:spLocks noGrp="1"/>
+          </p:cNvSpPr>
           <p:nvPr>
-            <p:ph idx="1" type="body"/>
+            <p:ph type="body" idx="1"/>
           </p:nvPr>
         </p:nvSpPr>
         <p:spPr>
@@ -1441,12 +1513,12 @@
           </a:prstGeom>
         </p:spPr>
         <p:txBody>
-          <a:bodyPr anchorCtr="0" anchor="t" bIns="91425" lIns="91425" spcFirstLastPara="1" rIns="91425" wrap="square" tIns="91425">
+          <a:bodyPr spcFirstLastPara="1" wrap="square" lIns="91425" tIns="91425" rIns="91425" bIns="91425" anchor="t" anchorCtr="0">
             <a:noAutofit/>
           </a:bodyPr>
           <a:lstStyle/>
           <a:p>
-            <a:pPr indent="0" lvl="0" marL="0">
+            <a:pPr marL="0" lvl="0" indent="0">
               <a:spcBef>
                 <a:spcPts val="0"/>
               </a:spcBef>
@@ -1455,9 +1527,6 @@
               </a:spcAft>
               <a:buNone/>
             </a:pPr>
-            <a:r>
-              <a:t/>
-            </a:r>
             <a:endParaRPr/>
           </a:p>
         </p:txBody>
@@ -1471,11 +1540,11 @@
 </file>
 
 <file path=ppt/notesSlides/notesSlide6.xml><?xml version="1.0" encoding="utf-8"?>
-<p:notes xmlns:a="http://schemas.openxmlformats.org/drawingml/2006/main" xmlns:r="http://schemas.openxmlformats.org/officeDocument/2006/relationships" xmlns:mc="http://schemas.openxmlformats.org/markup-compatibility/2006" xmlns:mv="urn:schemas-microsoft-com:mac:vml" xmlns:p="http://schemas.openxmlformats.org/presentationml/2006/main" xmlns:c="http://schemas.openxmlformats.org/drawingml/2006/chart" xmlns:dgm="http://schemas.openxmlformats.org/drawingml/2006/diagram" xmlns:o="urn:schemas-microsoft-com:office:office" xmlns:v="urn:schemas-microsoft-com:vml" xmlns:pvml="urn:schemas-microsoft-com:office:powerpoint" xmlns:com="http://schemas.openxmlformats.org/drawingml/2006/compatibility" xmlns:p14="http://schemas.microsoft.com/office/powerpoint/2010/main" xmlns:p15="http://schemas.microsoft.com/office/powerpoint/2012/main" showMasterPhAnim="0" showMasterSp="0">
+<p:notes xmlns:a="http://schemas.openxmlformats.org/drawingml/2006/main" xmlns:r="http://schemas.openxmlformats.org/officeDocument/2006/relationships" xmlns:p="http://schemas.openxmlformats.org/presentationml/2006/main" showMasterSp="0" showMasterPhAnim="0">
   <p:cSld>
     <p:spTree>
       <p:nvGrpSpPr>
-        <p:cNvPr id="87" name="Shape 87"/>
+        <p:cNvPr id="1" name="Shape 87"/>
         <p:cNvGrpSpPr/>
         <p:nvPr/>
       </p:nvGrpSpPr>
@@ -1490,19 +1559,26 @@
       <p:sp>
         <p:nvSpPr>
           <p:cNvPr id="88" name="Shape 88"/>
-          <p:cNvSpPr/>
+          <p:cNvSpPr>
+            <a:spLocks noGrp="1" noRot="1" noChangeAspect="1"/>
+          </p:cNvSpPr>
           <p:nvPr>
-            <p:ph idx="2" type="sldImg"/>
+            <p:ph type="sldImg" idx="2"/>
           </p:nvPr>
         </p:nvSpPr>
         <p:spPr>
           <a:xfrm>
-            <a:off x="381300" y="685800"/>
+            <a:off x="381000" y="685800"/>
             <a:ext cx="6096000" cy="3429000"/>
           </a:xfrm>
           <a:custGeom>
+            <a:avLst/>
+            <a:gdLst/>
+            <a:ahLst/>
+            <a:cxnLst/>
+            <a:rect l="0" t="0" r="0" b="0"/>
             <a:pathLst>
-              <a:path extrusionOk="0" h="120000" w="120000">
+              <a:path w="120000" h="120000" extrusionOk="0">
                 <a:moveTo>
                   <a:pt x="0" y="0"/>
                 </a:moveTo>
@@ -1524,9 +1600,11 @@
       <p:sp>
         <p:nvSpPr>
           <p:cNvPr id="89" name="Shape 89"/>
-          <p:cNvSpPr txBox="1"/>
+          <p:cNvSpPr txBox="1">
+            <a:spLocks noGrp="1"/>
+          </p:cNvSpPr>
           <p:nvPr>
-            <p:ph idx="1" type="body"/>
+            <p:ph type="body" idx="1"/>
           </p:nvPr>
         </p:nvSpPr>
         <p:spPr>
@@ -1539,12 +1617,12 @@
           </a:prstGeom>
         </p:spPr>
         <p:txBody>
-          <a:bodyPr anchorCtr="0" anchor="t" bIns="91425" lIns="91425" spcFirstLastPara="1" rIns="91425" wrap="square" tIns="91425">
+          <a:bodyPr spcFirstLastPara="1" wrap="square" lIns="91425" tIns="91425" rIns="91425" bIns="91425" anchor="t" anchorCtr="0">
             <a:noAutofit/>
           </a:bodyPr>
           <a:lstStyle/>
           <a:p>
-            <a:pPr indent="0" lvl="0" marL="0">
+            <a:pPr marL="0" lvl="0" indent="0">
               <a:spcBef>
                 <a:spcPts val="0"/>
               </a:spcBef>
@@ -1553,9 +1631,6 @@
               </a:spcAft>
               <a:buNone/>
             </a:pPr>
-            <a:r>
-              <a:t/>
-            </a:r>
             <a:endParaRPr/>
           </a:p>
         </p:txBody>
@@ -1569,11 +1644,11 @@
 </file>
 
 <file path=ppt/notesSlides/notesSlide7.xml><?xml version="1.0" encoding="utf-8"?>
-<p:notes xmlns:a="http://schemas.openxmlformats.org/drawingml/2006/main" xmlns:r="http://schemas.openxmlformats.org/officeDocument/2006/relationships" xmlns:mc="http://schemas.openxmlformats.org/markup-compatibility/2006" xmlns:mv="urn:schemas-microsoft-com:mac:vml" xmlns:p="http://schemas.openxmlformats.org/presentationml/2006/main" xmlns:c="http://schemas.openxmlformats.org/drawingml/2006/chart" xmlns:dgm="http://schemas.openxmlformats.org/drawingml/2006/diagram" xmlns:o="urn:schemas-microsoft-com:office:office" xmlns:v="urn:schemas-microsoft-com:vml" xmlns:pvml="urn:schemas-microsoft-com:office:powerpoint" xmlns:com="http://schemas.openxmlformats.org/drawingml/2006/compatibility" xmlns:p14="http://schemas.microsoft.com/office/powerpoint/2010/main" xmlns:p15="http://schemas.microsoft.com/office/powerpoint/2012/main" showMasterPhAnim="0" showMasterSp="0">
+<p:notes xmlns:a="http://schemas.openxmlformats.org/drawingml/2006/main" xmlns:r="http://schemas.openxmlformats.org/officeDocument/2006/relationships" xmlns:p="http://schemas.openxmlformats.org/presentationml/2006/main" showMasterSp="0" showMasterPhAnim="0">
   <p:cSld>
     <p:spTree>
       <p:nvGrpSpPr>
-        <p:cNvPr id="94" name="Shape 94"/>
+        <p:cNvPr id="1" name="Shape 94"/>
         <p:cNvGrpSpPr/>
         <p:nvPr/>
       </p:nvGrpSpPr>
@@ -1588,19 +1663,26 @@
       <p:sp>
         <p:nvSpPr>
           <p:cNvPr id="95" name="Shape 95"/>
-          <p:cNvSpPr/>
+          <p:cNvSpPr>
+            <a:spLocks noGrp="1" noRot="1" noChangeAspect="1"/>
+          </p:cNvSpPr>
           <p:nvPr>
-            <p:ph idx="2" type="sldImg"/>
+            <p:ph type="sldImg" idx="2"/>
           </p:nvPr>
         </p:nvSpPr>
         <p:spPr>
           <a:xfrm>
-            <a:off x="381300" y="685800"/>
+            <a:off x="381000" y="685800"/>
             <a:ext cx="6096000" cy="3429000"/>
           </a:xfrm>
           <a:custGeom>
+            <a:avLst/>
+            <a:gdLst/>
+            <a:ahLst/>
+            <a:cxnLst/>
+            <a:rect l="0" t="0" r="0" b="0"/>
             <a:pathLst>
-              <a:path extrusionOk="0" h="120000" w="120000">
+              <a:path w="120000" h="120000" extrusionOk="0">
                 <a:moveTo>
                   <a:pt x="0" y="0"/>
                 </a:moveTo>
@@ -1622,9 +1704,11 @@
       <p:sp>
         <p:nvSpPr>
           <p:cNvPr id="96" name="Shape 96"/>
-          <p:cNvSpPr txBox="1"/>
+          <p:cNvSpPr txBox="1">
+            <a:spLocks noGrp="1"/>
+          </p:cNvSpPr>
           <p:nvPr>
-            <p:ph idx="1" type="body"/>
+            <p:ph type="body" idx="1"/>
           </p:nvPr>
         </p:nvSpPr>
         <p:spPr>
@@ -1637,12 +1721,12 @@
           </a:prstGeom>
         </p:spPr>
         <p:txBody>
-          <a:bodyPr anchorCtr="0" anchor="t" bIns="91425" lIns="91425" spcFirstLastPara="1" rIns="91425" wrap="square" tIns="91425">
+          <a:bodyPr spcFirstLastPara="1" wrap="square" lIns="91425" tIns="91425" rIns="91425" bIns="91425" anchor="t" anchorCtr="0">
             <a:noAutofit/>
           </a:bodyPr>
           <a:lstStyle/>
           <a:p>
-            <a:pPr indent="0" lvl="0" marL="0">
+            <a:pPr marL="0" lvl="0" indent="0">
               <a:spcBef>
                 <a:spcPts val="0"/>
               </a:spcBef>
@@ -1651,9 +1735,6 @@
               </a:spcAft>
               <a:buNone/>
             </a:pPr>
-            <a:r>
-              <a:t/>
-            </a:r>
             <a:endParaRPr/>
           </a:p>
         </p:txBody>
@@ -1667,11 +1748,11 @@
 </file>
 
 <file path=ppt/notesSlides/notesSlide8.xml><?xml version="1.0" encoding="utf-8"?>
-<p:notes xmlns:a="http://schemas.openxmlformats.org/drawingml/2006/main" xmlns:r="http://schemas.openxmlformats.org/officeDocument/2006/relationships" xmlns:mc="http://schemas.openxmlformats.org/markup-compatibility/2006" xmlns:mv="urn:schemas-microsoft-com:mac:vml" xmlns:p="http://schemas.openxmlformats.org/presentationml/2006/main" xmlns:c="http://schemas.openxmlformats.org/drawingml/2006/chart" xmlns:dgm="http://schemas.openxmlformats.org/drawingml/2006/diagram" xmlns:o="urn:schemas-microsoft-com:office:office" xmlns:v="urn:schemas-microsoft-com:vml" xmlns:pvml="urn:schemas-microsoft-com:office:powerpoint" xmlns:com="http://schemas.openxmlformats.org/drawingml/2006/compatibility" xmlns:p14="http://schemas.microsoft.com/office/powerpoint/2010/main" xmlns:p15="http://schemas.microsoft.com/office/powerpoint/2012/main" showMasterPhAnim="0" showMasterSp="0">
+<p:notes xmlns:a="http://schemas.openxmlformats.org/drawingml/2006/main" xmlns:r="http://schemas.openxmlformats.org/officeDocument/2006/relationships" xmlns:p="http://schemas.openxmlformats.org/presentationml/2006/main" showMasterSp="0" showMasterPhAnim="0">
   <p:cSld>
     <p:spTree>
       <p:nvGrpSpPr>
-        <p:cNvPr id="100" name="Shape 100"/>
+        <p:cNvPr id="1" name="Shape 100"/>
         <p:cNvGrpSpPr/>
         <p:nvPr/>
       </p:nvGrpSpPr>
@@ -1686,19 +1767,26 @@
       <p:sp>
         <p:nvSpPr>
           <p:cNvPr id="101" name="Shape 101"/>
-          <p:cNvSpPr/>
+          <p:cNvSpPr>
+            <a:spLocks noGrp="1" noRot="1" noChangeAspect="1"/>
+          </p:cNvSpPr>
           <p:nvPr>
-            <p:ph idx="2" type="sldImg"/>
+            <p:ph type="sldImg" idx="2"/>
           </p:nvPr>
         </p:nvSpPr>
         <p:spPr>
           <a:xfrm>
-            <a:off x="381300" y="685800"/>
+            <a:off x="381000" y="685800"/>
             <a:ext cx="6096000" cy="3429000"/>
           </a:xfrm>
           <a:custGeom>
+            <a:avLst/>
+            <a:gdLst/>
+            <a:ahLst/>
+            <a:cxnLst/>
+            <a:rect l="0" t="0" r="0" b="0"/>
             <a:pathLst>
-              <a:path extrusionOk="0" h="120000" w="120000">
+              <a:path w="120000" h="120000" extrusionOk="0">
                 <a:moveTo>
                   <a:pt x="0" y="0"/>
                 </a:moveTo>
@@ -1720,9 +1808,11 @@
       <p:sp>
         <p:nvSpPr>
           <p:cNvPr id="102" name="Shape 102"/>
-          <p:cNvSpPr txBox="1"/>
+          <p:cNvSpPr txBox="1">
+            <a:spLocks noGrp="1"/>
+          </p:cNvSpPr>
           <p:nvPr>
-            <p:ph idx="1" type="body"/>
+            <p:ph type="body" idx="1"/>
           </p:nvPr>
         </p:nvSpPr>
         <p:spPr>
@@ -1735,12 +1825,12 @@
           </a:prstGeom>
         </p:spPr>
         <p:txBody>
-          <a:bodyPr anchorCtr="0" anchor="t" bIns="91425" lIns="91425" spcFirstLastPara="1" rIns="91425" wrap="square" tIns="91425">
+          <a:bodyPr spcFirstLastPara="1" wrap="square" lIns="91425" tIns="91425" rIns="91425" bIns="91425" anchor="t" anchorCtr="0">
             <a:noAutofit/>
           </a:bodyPr>
           <a:lstStyle/>
           <a:p>
-            <a:pPr indent="0" lvl="0" marL="0">
+            <a:pPr marL="0" lvl="0" indent="0">
               <a:spcBef>
                 <a:spcPts val="0"/>
               </a:spcBef>
@@ -1749,9 +1839,6 @@
               </a:spcAft>
               <a:buNone/>
             </a:pPr>
-            <a:r>
-              <a:t/>
-            </a:r>
             <a:endParaRPr/>
           </a:p>
         </p:txBody>
@@ -1765,11 +1852,11 @@
 </file>
 
 <file path=ppt/notesSlides/notesSlide9.xml><?xml version="1.0" encoding="utf-8"?>
-<p:notes xmlns:a="http://schemas.openxmlformats.org/drawingml/2006/main" xmlns:r="http://schemas.openxmlformats.org/officeDocument/2006/relationships" xmlns:mc="http://schemas.openxmlformats.org/markup-compatibility/2006" xmlns:mv="urn:schemas-microsoft-com:mac:vml" xmlns:p="http://schemas.openxmlformats.org/presentationml/2006/main" xmlns:c="http://schemas.openxmlformats.org/drawingml/2006/chart" xmlns:dgm="http://schemas.openxmlformats.org/drawingml/2006/diagram" xmlns:o="urn:schemas-microsoft-com:office:office" xmlns:v="urn:schemas-microsoft-com:vml" xmlns:pvml="urn:schemas-microsoft-com:office:powerpoint" xmlns:com="http://schemas.openxmlformats.org/drawingml/2006/compatibility" xmlns:p14="http://schemas.microsoft.com/office/powerpoint/2010/main" xmlns:p15="http://schemas.microsoft.com/office/powerpoint/2012/main" showMasterPhAnim="0" showMasterSp="0">
+<p:notes xmlns:a="http://schemas.openxmlformats.org/drawingml/2006/main" xmlns:r="http://schemas.openxmlformats.org/officeDocument/2006/relationships" xmlns:p="http://schemas.openxmlformats.org/presentationml/2006/main" showMasterSp="0" showMasterPhAnim="0">
   <p:cSld>
     <p:spTree>
       <p:nvGrpSpPr>
-        <p:cNvPr id="105" name="Shape 105"/>
+        <p:cNvPr id="1" name="Shape 105"/>
         <p:cNvGrpSpPr/>
         <p:nvPr/>
       </p:nvGrpSpPr>
@@ -1784,19 +1871,26 @@
       <p:sp>
         <p:nvSpPr>
           <p:cNvPr id="106" name="Shape 106"/>
-          <p:cNvSpPr/>
+          <p:cNvSpPr>
+            <a:spLocks noGrp="1" noRot="1" noChangeAspect="1"/>
+          </p:cNvSpPr>
           <p:nvPr>
-            <p:ph idx="2" type="sldImg"/>
+            <p:ph type="sldImg" idx="2"/>
           </p:nvPr>
         </p:nvSpPr>
         <p:spPr>
           <a:xfrm>
-            <a:off x="381300" y="685800"/>
+            <a:off x="381000" y="685800"/>
             <a:ext cx="6096000" cy="3429000"/>
           </a:xfrm>
           <a:custGeom>
+            <a:avLst/>
+            <a:gdLst/>
+            <a:ahLst/>
+            <a:cxnLst/>
+            <a:rect l="0" t="0" r="0" b="0"/>
             <a:pathLst>
-              <a:path extrusionOk="0" h="120000" w="120000">
+              <a:path w="120000" h="120000" extrusionOk="0">
                 <a:moveTo>
                   <a:pt x="0" y="0"/>
                 </a:moveTo>
@@ -1818,9 +1912,11 @@
       <p:sp>
         <p:nvSpPr>
           <p:cNvPr id="107" name="Shape 107"/>
-          <p:cNvSpPr txBox="1"/>
+          <p:cNvSpPr txBox="1">
+            <a:spLocks noGrp="1"/>
+          </p:cNvSpPr>
           <p:nvPr>
-            <p:ph idx="1" type="body"/>
+            <p:ph type="body" idx="1"/>
           </p:nvPr>
         </p:nvSpPr>
         <p:spPr>
@@ -1833,12 +1929,12 @@
           </a:prstGeom>
         </p:spPr>
         <p:txBody>
-          <a:bodyPr anchorCtr="0" anchor="t" bIns="91425" lIns="91425" spcFirstLastPara="1" rIns="91425" wrap="square" tIns="91425">
+          <a:bodyPr spcFirstLastPara="1" wrap="square" lIns="91425" tIns="91425" rIns="91425" bIns="91425" anchor="t" anchorCtr="0">
             <a:noAutofit/>
           </a:bodyPr>
           <a:lstStyle/>
           <a:p>
-            <a:pPr indent="0" lvl="0" marL="0">
+            <a:pPr marL="0" lvl="0" indent="0">
               <a:spcBef>
                 <a:spcPts val="0"/>
               </a:spcBef>
@@ -1847,9 +1943,6 @@
               </a:spcAft>
               <a:buNone/>
             </a:pPr>
-            <a:r>
-              <a:t/>
-            </a:r>
             <a:endParaRPr/>
           </a:p>
         </p:txBody>
@@ -1863,18 +1956,19 @@
 </file>
 
 <file path=ppt/slideLayouts/slideLayout1.xml><?xml version="1.0" encoding="utf-8"?>
-<p:sldLayout xmlns:a="http://schemas.openxmlformats.org/drawingml/2006/main" xmlns:r="http://schemas.openxmlformats.org/officeDocument/2006/relationships" xmlns:mc="http://schemas.openxmlformats.org/markup-compatibility/2006" xmlns:mv="urn:schemas-microsoft-com:mac:vml" xmlns:p="http://schemas.openxmlformats.org/presentationml/2006/main" xmlns:c="http://schemas.openxmlformats.org/drawingml/2006/chart" xmlns:dgm="http://schemas.openxmlformats.org/drawingml/2006/diagram" xmlns:o="urn:schemas-microsoft-com:office:office" xmlns:v="urn:schemas-microsoft-com:vml" xmlns:pvml="urn:schemas-microsoft-com:office:powerpoint" xmlns:com="http://schemas.openxmlformats.org/drawingml/2006/compatibility" xmlns:p14="http://schemas.microsoft.com/office/powerpoint/2010/main" xmlns:p15="http://schemas.microsoft.com/office/powerpoint/2012/main" matchingName="Title slide" type="title">
+<p:sldLayout xmlns:a="http://schemas.openxmlformats.org/drawingml/2006/main" xmlns:r="http://schemas.openxmlformats.org/officeDocument/2006/relationships" xmlns:p="http://schemas.openxmlformats.org/presentationml/2006/main" matchingName="Title slide" type="title">
   <p:cSld name="TITLE">
     <p:bg>
       <p:bgPr>
         <a:solidFill>
           <a:schemeClr val="dk1"/>
         </a:solidFill>
+        <a:effectLst/>
       </p:bgPr>
     </p:bg>
     <p:spTree>
       <p:nvGrpSpPr>
-        <p:cNvPr id="9" name="Shape 9"/>
+        <p:cNvPr id="1" name="Shape 9"/>
         <p:cNvGrpSpPr/>
         <p:nvPr/>
       </p:nvGrpSpPr>
@@ -1908,12 +2002,12 @@
           </a:ln>
         </p:spPr>
         <p:txBody>
-          <a:bodyPr anchorCtr="0" anchor="ctr" bIns="91425" lIns="91425" spcFirstLastPara="1" rIns="91425" wrap="square" tIns="91425">
+          <a:bodyPr spcFirstLastPara="1" wrap="square" lIns="91425" tIns="91425" rIns="91425" bIns="91425" anchor="ctr" anchorCtr="0">
             <a:noAutofit/>
           </a:bodyPr>
           <a:lstStyle/>
           <a:p>
-            <a:pPr indent="0" lvl="0" marL="0">
+            <a:pPr marL="0" lvl="0" indent="0">
               <a:spcBef>
                 <a:spcPts val="0"/>
               </a:spcBef>
@@ -1922,9 +2016,6 @@
               </a:spcAft>
               <a:buNone/>
             </a:pPr>
-            <a:r>
-              <a:t/>
-            </a:r>
             <a:endParaRPr/>
           </a:p>
         </p:txBody>
@@ -1944,21 +2035,23 @@
             <a:avLst/>
           </a:prstGeom>
           <a:noFill/>
-          <a:ln cap="flat" cmpd="sng" w="28575">
+          <a:ln w="28575" cap="flat" cmpd="sng">
             <a:solidFill>
               <a:schemeClr val="accent1"/>
             </a:solidFill>
             <a:prstDash val="solid"/>
             <a:round/>
-            <a:headEnd len="sm" w="sm" type="none"/>
-            <a:tailEnd len="sm" w="sm" type="none"/>
+            <a:headEnd type="none" w="sm" len="sm"/>
+            <a:tailEnd type="none" w="sm" len="sm"/>
           </a:ln>
         </p:spPr>
       </p:cxnSp>
       <p:sp>
         <p:nvSpPr>
           <p:cNvPr id="12" name="Shape 12"/>
-          <p:cNvSpPr txBox="1"/>
+          <p:cNvSpPr txBox="1">
+            <a:spLocks noGrp="1"/>
+          </p:cNvSpPr>
           <p:nvPr>
             <p:ph type="ctrTitle"/>
           </p:nvPr>
@@ -1973,7 +2066,7 @@
           </a:prstGeom>
         </p:spPr>
         <p:txBody>
-          <a:bodyPr anchorCtr="0" anchor="b" bIns="91425" lIns="91425" spcFirstLastPara="1" rIns="91425" wrap="square" tIns="91425"/>
+          <a:bodyPr spcFirstLastPara="1" wrap="square" lIns="91425" tIns="91425" rIns="91425" bIns="91425" anchor="b" anchorCtr="0"/>
           <a:lstStyle>
             <a:lvl1pPr lvl="0">
               <a:spcBef>
@@ -2138,15 +2231,19 @@
               </a:defRPr>
             </a:lvl9pPr>
           </a:lstStyle>
-          <a:p/>
+          <a:p>
+            <a:endParaRPr/>
+          </a:p>
         </p:txBody>
       </p:sp>
       <p:sp>
         <p:nvSpPr>
           <p:cNvPr id="13" name="Shape 13"/>
-          <p:cNvSpPr txBox="1"/>
+          <p:cNvSpPr txBox="1">
+            <a:spLocks noGrp="1"/>
+          </p:cNvSpPr>
           <p:nvPr>
-            <p:ph idx="1" type="subTitle"/>
+            <p:ph type="subTitle" idx="1"/>
           </p:nvPr>
         </p:nvSpPr>
         <p:spPr>
@@ -2159,7 +2256,7 @@
           </a:prstGeom>
         </p:spPr>
         <p:txBody>
-          <a:bodyPr anchorCtr="0" anchor="t" bIns="91425" lIns="91425" spcFirstLastPara="1" rIns="91425" wrap="square" tIns="91425"/>
+          <a:bodyPr spcFirstLastPara="1" wrap="square" lIns="91425" tIns="91425" rIns="91425" bIns="91425" anchor="t" anchorCtr="0"/>
           <a:lstStyle>
             <a:lvl1pPr lvl="0">
               <a:lnSpc>
@@ -2351,15 +2448,19 @@
               </a:defRPr>
             </a:lvl9pPr>
           </a:lstStyle>
-          <a:p/>
+          <a:p>
+            <a:endParaRPr/>
+          </a:p>
         </p:txBody>
       </p:sp>
       <p:sp>
         <p:nvSpPr>
           <p:cNvPr id="14" name="Shape 14"/>
-          <p:cNvSpPr txBox="1"/>
+          <p:cNvSpPr txBox="1">
+            <a:spLocks noGrp="1"/>
+          </p:cNvSpPr>
           <p:nvPr>
-            <p:ph idx="12" type="sldNum"/>
+            <p:ph type="sldNum" idx="12"/>
           </p:nvPr>
         </p:nvSpPr>
         <p:spPr>
@@ -2372,7 +2473,7 @@
           </a:prstGeom>
         </p:spPr>
         <p:txBody>
-          <a:bodyPr anchorCtr="0" anchor="ctr" bIns="91425" lIns="91425" spcFirstLastPara="1" rIns="91425" wrap="square" tIns="91425">
+          <a:bodyPr spcFirstLastPara="1" wrap="square" lIns="91425" tIns="91425" rIns="91425" bIns="91425" anchor="ctr" anchorCtr="0">
             <a:noAutofit/>
           </a:bodyPr>
           <a:lstStyle>
@@ -2450,7 +2551,7 @@
             </a:lvl9pPr>
           </a:lstStyle>
           <a:p>
-            <a:pPr indent="0" lvl="0" marL="0">
+            <a:pPr marL="0" lvl="0" indent="0">
               <a:spcBef>
                 <a:spcPts val="0"/>
               </a:spcBef>
@@ -2476,11 +2577,11 @@
 </file>
 
 <file path=ppt/slideLayouts/slideLayout10.xml><?xml version="1.0" encoding="utf-8"?>
-<p:sldLayout xmlns:a="http://schemas.openxmlformats.org/drawingml/2006/main" xmlns:r="http://schemas.openxmlformats.org/officeDocument/2006/relationships" xmlns:mc="http://schemas.openxmlformats.org/markup-compatibility/2006" xmlns:mv="urn:schemas-microsoft-com:mac:vml" xmlns:p="http://schemas.openxmlformats.org/presentationml/2006/main" xmlns:c="http://schemas.openxmlformats.org/drawingml/2006/chart" xmlns:dgm="http://schemas.openxmlformats.org/drawingml/2006/diagram" xmlns:o="urn:schemas-microsoft-com:office:office" xmlns:v="urn:schemas-microsoft-com:vml" xmlns:pvml="urn:schemas-microsoft-com:office:powerpoint" xmlns:com="http://schemas.openxmlformats.org/drawingml/2006/compatibility" xmlns:p14="http://schemas.microsoft.com/office/powerpoint/2010/main" xmlns:p15="http://schemas.microsoft.com/office/powerpoint/2012/main" matchingName="Big number">
+<p:sldLayout xmlns:a="http://schemas.openxmlformats.org/drawingml/2006/main" xmlns:r="http://schemas.openxmlformats.org/officeDocument/2006/relationships" xmlns:p="http://schemas.openxmlformats.org/presentationml/2006/main" matchingName="Big number">
   <p:cSld name="BIG_NUMBER">
     <p:spTree>
       <p:nvGrpSpPr>
-        <p:cNvPr id="49" name="Shape 49"/>
+        <p:cNvPr id="1" name="Shape 49"/>
         <p:cNvGrpSpPr/>
         <p:nvPr/>
       </p:nvGrpSpPr>
@@ -2495,9 +2596,11 @@
       <p:sp>
         <p:nvSpPr>
           <p:cNvPr id="50" name="Shape 50"/>
-          <p:cNvSpPr txBox="1"/>
+          <p:cNvSpPr txBox="1">
+            <a:spLocks noGrp="1"/>
+          </p:cNvSpPr>
           <p:nvPr>
-            <p:ph hasCustomPrompt="1" type="title"/>
+            <p:ph type="title" hasCustomPrompt="1"/>
           </p:nvPr>
         </p:nvSpPr>
         <p:spPr>
@@ -2510,7 +2613,7 @@
           </a:prstGeom>
         </p:spPr>
         <p:txBody>
-          <a:bodyPr anchorCtr="0" anchor="b" bIns="91425" lIns="91425" spcFirstLastPara="1" rIns="91425" wrap="square" tIns="91425"/>
+          <a:bodyPr spcFirstLastPara="1" wrap="square" lIns="91425" tIns="91425" rIns="91425" bIns="91425" anchor="b" anchorCtr="0"/>
           <a:lstStyle>
             <a:lvl1pPr lvl="0" algn="ctr">
               <a:spcBef>
@@ -2521,7 +2624,7 @@
               </a:spcAft>
               <a:buSzPts val="14000"/>
               <a:buNone/>
-              <a:defRPr b="1" sz="14000"/>
+              <a:defRPr sz="14000" b="1"/>
             </a:lvl1pPr>
             <a:lvl2pPr lvl="1" algn="ctr">
               <a:spcBef>
@@ -2532,7 +2635,7 @@
               </a:spcAft>
               <a:buSzPts val="14000"/>
               <a:buNone/>
-              <a:defRPr b="1" sz="14000"/>
+              <a:defRPr sz="14000" b="1"/>
             </a:lvl2pPr>
             <a:lvl3pPr lvl="2" algn="ctr">
               <a:spcBef>
@@ -2543,7 +2646,7 @@
               </a:spcAft>
               <a:buSzPts val="14000"/>
               <a:buNone/>
-              <a:defRPr b="1" sz="14000"/>
+              <a:defRPr sz="14000" b="1"/>
             </a:lvl3pPr>
             <a:lvl4pPr lvl="3" algn="ctr">
               <a:spcBef>
@@ -2554,7 +2657,7 @@
               </a:spcAft>
               <a:buSzPts val="14000"/>
               <a:buNone/>
-              <a:defRPr b="1" sz="14000"/>
+              <a:defRPr sz="14000" b="1"/>
             </a:lvl4pPr>
             <a:lvl5pPr lvl="4" algn="ctr">
               <a:spcBef>
@@ -2565,7 +2668,7 @@
               </a:spcAft>
               <a:buSzPts val="14000"/>
               <a:buNone/>
-              <a:defRPr b="1" sz="14000"/>
+              <a:defRPr sz="14000" b="1"/>
             </a:lvl5pPr>
             <a:lvl6pPr lvl="5" algn="ctr">
               <a:spcBef>
@@ -2576,7 +2679,7 @@
               </a:spcAft>
               <a:buSzPts val="14000"/>
               <a:buNone/>
-              <a:defRPr b="1" sz="14000"/>
+              <a:defRPr sz="14000" b="1"/>
             </a:lvl6pPr>
             <a:lvl7pPr lvl="6" algn="ctr">
               <a:spcBef>
@@ -2587,7 +2690,7 @@
               </a:spcAft>
               <a:buSzPts val="14000"/>
               <a:buNone/>
-              <a:defRPr b="1" sz="14000"/>
+              <a:defRPr sz="14000" b="1"/>
             </a:lvl7pPr>
             <a:lvl8pPr lvl="7" algn="ctr">
               <a:spcBef>
@@ -2598,7 +2701,7 @@
               </a:spcAft>
               <a:buSzPts val="14000"/>
               <a:buNone/>
-              <a:defRPr b="1" sz="14000"/>
+              <a:defRPr sz="14000" b="1"/>
             </a:lvl8pPr>
             <a:lvl9pPr lvl="8" algn="ctr">
               <a:spcBef>
@@ -2609,7 +2712,7 @@
               </a:spcAft>
               <a:buSzPts val="14000"/>
               <a:buNone/>
-              <a:defRPr b="1" sz="14000"/>
+              <a:defRPr sz="14000" b="1"/>
             </a:lvl9pPr>
           </a:lstStyle>
           <a:p>
@@ -2622,9 +2725,11 @@
       <p:sp>
         <p:nvSpPr>
           <p:cNvPr id="51" name="Shape 51"/>
-          <p:cNvSpPr txBox="1"/>
+          <p:cNvSpPr txBox="1">
+            <a:spLocks noGrp="1"/>
+          </p:cNvSpPr>
           <p:nvPr>
-            <p:ph idx="1" type="body"/>
+            <p:ph type="body" idx="1"/>
           </p:nvPr>
         </p:nvSpPr>
         <p:spPr>
@@ -2637,9 +2742,9 @@
           </a:prstGeom>
         </p:spPr>
         <p:txBody>
-          <a:bodyPr anchorCtr="0" anchor="t" bIns="91425" lIns="91425" spcFirstLastPara="1" rIns="91425" wrap="square" tIns="91425"/>
+          <a:bodyPr spcFirstLastPara="1" wrap="square" lIns="91425" tIns="91425" rIns="91425" bIns="91425" anchor="t" anchorCtr="0"/>
           <a:lstStyle>
-            <a:lvl1pPr indent="-342900" lvl="0" marL="457200" algn="ctr">
+            <a:lvl1pPr marL="457200" lvl="0" indent="-342900" algn="ctr">
               <a:spcBef>
                 <a:spcPts val="0"/>
               </a:spcBef>
@@ -2650,7 +2755,7 @@
               <a:buChar char="●"/>
               <a:defRPr/>
             </a:lvl1pPr>
-            <a:lvl2pPr indent="-317500" lvl="1" marL="914400" algn="ctr">
+            <a:lvl2pPr marL="914400" lvl="1" indent="-317500" algn="ctr">
               <a:spcBef>
                 <a:spcPts val="1600"/>
               </a:spcBef>
@@ -2661,7 +2766,7 @@
               <a:buChar char="○"/>
               <a:defRPr/>
             </a:lvl2pPr>
-            <a:lvl3pPr indent="-317500" lvl="2" marL="1371600" algn="ctr">
+            <a:lvl3pPr marL="1371600" lvl="2" indent="-317500" algn="ctr">
               <a:spcBef>
                 <a:spcPts val="1600"/>
               </a:spcBef>
@@ -2672,7 +2777,7 @@
               <a:buChar char="■"/>
               <a:defRPr/>
             </a:lvl3pPr>
-            <a:lvl4pPr indent="-317500" lvl="3" marL="1828800" algn="ctr">
+            <a:lvl4pPr marL="1828800" lvl="3" indent="-317500" algn="ctr">
               <a:spcBef>
                 <a:spcPts val="1600"/>
               </a:spcBef>
@@ -2683,7 +2788,7 @@
               <a:buChar char="●"/>
               <a:defRPr/>
             </a:lvl4pPr>
-            <a:lvl5pPr indent="-317500" lvl="4" marL="2286000" algn="ctr">
+            <a:lvl5pPr marL="2286000" lvl="4" indent="-317500" algn="ctr">
               <a:spcBef>
                 <a:spcPts val="1600"/>
               </a:spcBef>
@@ -2694,7 +2799,7 @@
               <a:buChar char="○"/>
               <a:defRPr/>
             </a:lvl5pPr>
-            <a:lvl6pPr indent="-317500" lvl="5" marL="2743200" algn="ctr">
+            <a:lvl6pPr marL="2743200" lvl="5" indent="-317500" algn="ctr">
               <a:spcBef>
                 <a:spcPts val="1600"/>
               </a:spcBef>
@@ -2705,7 +2810,7 @@
               <a:buChar char="■"/>
               <a:defRPr/>
             </a:lvl6pPr>
-            <a:lvl7pPr indent="-317500" lvl="6" marL="3200400" algn="ctr">
+            <a:lvl7pPr marL="3200400" lvl="6" indent="-317500" algn="ctr">
               <a:spcBef>
                 <a:spcPts val="1600"/>
               </a:spcBef>
@@ -2716,7 +2821,7 @@
               <a:buChar char="●"/>
               <a:defRPr/>
             </a:lvl7pPr>
-            <a:lvl8pPr indent="-317500" lvl="7" marL="3657600" algn="ctr">
+            <a:lvl8pPr marL="3657600" lvl="7" indent="-317500" algn="ctr">
               <a:spcBef>
                 <a:spcPts val="1600"/>
               </a:spcBef>
@@ -2727,7 +2832,7 @@
               <a:buChar char="○"/>
               <a:defRPr/>
             </a:lvl8pPr>
-            <a:lvl9pPr indent="-317500" lvl="8" marL="4114800" algn="ctr">
+            <a:lvl9pPr marL="4114800" lvl="8" indent="-317500" algn="ctr">
               <a:spcBef>
                 <a:spcPts val="1600"/>
               </a:spcBef>
@@ -2739,15 +2844,19 @@
               <a:defRPr/>
             </a:lvl9pPr>
           </a:lstStyle>
-          <a:p/>
+          <a:p>
+            <a:endParaRPr/>
+          </a:p>
         </p:txBody>
       </p:sp>
       <p:sp>
         <p:nvSpPr>
           <p:cNvPr id="52" name="Shape 52"/>
-          <p:cNvSpPr txBox="1"/>
+          <p:cNvSpPr txBox="1">
+            <a:spLocks noGrp="1"/>
+          </p:cNvSpPr>
           <p:nvPr>
-            <p:ph idx="12" type="sldNum"/>
+            <p:ph type="sldNum" idx="12"/>
           </p:nvPr>
         </p:nvSpPr>
         <p:spPr>
@@ -2760,7 +2869,7 @@
           </a:prstGeom>
         </p:spPr>
         <p:txBody>
-          <a:bodyPr anchorCtr="0" anchor="ctr" bIns="91425" lIns="91425" spcFirstLastPara="1" rIns="91425" wrap="square" tIns="91425">
+          <a:bodyPr spcFirstLastPara="1" wrap="square" lIns="91425" tIns="91425" rIns="91425" bIns="91425" anchor="ctr" anchorCtr="0">
             <a:noAutofit/>
           </a:bodyPr>
           <a:lstStyle>
@@ -2802,7 +2911,7 @@
             </a:lvl9pPr>
           </a:lstStyle>
           <a:p>
-            <a:pPr indent="0" lvl="0" marL="0">
+            <a:pPr marL="0" lvl="0" indent="0">
               <a:spcBef>
                 <a:spcPts val="0"/>
               </a:spcBef>
@@ -2828,11 +2937,11 @@
 </file>
 
 <file path=ppt/slideLayouts/slideLayout11.xml><?xml version="1.0" encoding="utf-8"?>
-<p:sldLayout xmlns:a="http://schemas.openxmlformats.org/drawingml/2006/main" xmlns:r="http://schemas.openxmlformats.org/officeDocument/2006/relationships" xmlns:mc="http://schemas.openxmlformats.org/markup-compatibility/2006" xmlns:mv="urn:schemas-microsoft-com:mac:vml" xmlns:p="http://schemas.openxmlformats.org/presentationml/2006/main" xmlns:c="http://schemas.openxmlformats.org/drawingml/2006/chart" xmlns:dgm="http://schemas.openxmlformats.org/drawingml/2006/diagram" xmlns:o="urn:schemas-microsoft-com:office:office" xmlns:v="urn:schemas-microsoft-com:vml" xmlns:pvml="urn:schemas-microsoft-com:office:powerpoint" xmlns:com="http://schemas.openxmlformats.org/drawingml/2006/compatibility" xmlns:p14="http://schemas.microsoft.com/office/powerpoint/2010/main" xmlns:p15="http://schemas.microsoft.com/office/powerpoint/2012/main" matchingName="Blank" type="blank">
+<p:sldLayout xmlns:a="http://schemas.openxmlformats.org/drawingml/2006/main" xmlns:r="http://schemas.openxmlformats.org/officeDocument/2006/relationships" xmlns:p="http://schemas.openxmlformats.org/presentationml/2006/main" matchingName="Blank" type="blank">
   <p:cSld name="BLANK">
     <p:spTree>
       <p:nvGrpSpPr>
-        <p:cNvPr id="53" name="Shape 53"/>
+        <p:cNvPr id="1" name="Shape 53"/>
         <p:cNvGrpSpPr/>
         <p:nvPr/>
       </p:nvGrpSpPr>
@@ -2847,9 +2956,11 @@
       <p:sp>
         <p:nvSpPr>
           <p:cNvPr id="54" name="Shape 54"/>
-          <p:cNvSpPr txBox="1"/>
+          <p:cNvSpPr txBox="1">
+            <a:spLocks noGrp="1"/>
+          </p:cNvSpPr>
           <p:nvPr>
-            <p:ph idx="12" type="sldNum"/>
+            <p:ph type="sldNum" idx="12"/>
           </p:nvPr>
         </p:nvSpPr>
         <p:spPr>
@@ -2862,7 +2973,7 @@
           </a:prstGeom>
         </p:spPr>
         <p:txBody>
-          <a:bodyPr anchorCtr="0" anchor="ctr" bIns="91425" lIns="91425" spcFirstLastPara="1" rIns="91425" wrap="square" tIns="91425">
+          <a:bodyPr spcFirstLastPara="1" wrap="square" lIns="91425" tIns="91425" rIns="91425" bIns="91425" anchor="ctr" anchorCtr="0">
             <a:noAutofit/>
           </a:bodyPr>
           <a:lstStyle>
@@ -2904,7 +3015,7 @@
             </a:lvl9pPr>
           </a:lstStyle>
           <a:p>
-            <a:pPr indent="0" lvl="0" marL="0">
+            <a:pPr marL="0" lvl="0" indent="0">
               <a:spcBef>
                 <a:spcPts val="0"/>
               </a:spcBef>
@@ -2930,18 +3041,19 @@
 </file>
 
 <file path=ppt/slideLayouts/slideLayout2.xml><?xml version="1.0" encoding="utf-8"?>
-<p:sldLayout xmlns:a="http://schemas.openxmlformats.org/drawingml/2006/main" xmlns:r="http://schemas.openxmlformats.org/officeDocument/2006/relationships" xmlns:mc="http://schemas.openxmlformats.org/markup-compatibility/2006" xmlns:mv="urn:schemas-microsoft-com:mac:vml" xmlns:p="http://schemas.openxmlformats.org/presentationml/2006/main" xmlns:c="http://schemas.openxmlformats.org/drawingml/2006/chart" xmlns:dgm="http://schemas.openxmlformats.org/drawingml/2006/diagram" xmlns:o="urn:schemas-microsoft-com:office:office" xmlns:v="urn:schemas-microsoft-com:vml" xmlns:pvml="urn:schemas-microsoft-com:office:powerpoint" xmlns:com="http://schemas.openxmlformats.org/drawingml/2006/compatibility" xmlns:p14="http://schemas.microsoft.com/office/powerpoint/2010/main" xmlns:p15="http://schemas.microsoft.com/office/powerpoint/2012/main" matchingName="Section header" type="secHead">
+<p:sldLayout xmlns:a="http://schemas.openxmlformats.org/drawingml/2006/main" xmlns:r="http://schemas.openxmlformats.org/officeDocument/2006/relationships" xmlns:p="http://schemas.openxmlformats.org/presentationml/2006/main" matchingName="Section header" type="secHead">
   <p:cSld name="SECTION_HEADER">
     <p:bg>
       <p:bgPr>
         <a:solidFill>
           <a:schemeClr val="dk1"/>
         </a:solidFill>
+        <a:effectLst/>
       </p:bgPr>
     </p:bg>
     <p:spTree>
       <p:nvGrpSpPr>
-        <p:cNvPr id="15" name="Shape 15"/>
+        <p:cNvPr id="1" name="Shape 15"/>
         <p:cNvGrpSpPr/>
         <p:nvPr/>
       </p:nvGrpSpPr>
@@ -2968,21 +3080,23 @@
             <a:avLst/>
           </a:prstGeom>
           <a:noFill/>
-          <a:ln cap="flat" cmpd="sng" w="28575">
+          <a:ln w="28575" cap="flat" cmpd="sng">
             <a:solidFill>
               <a:schemeClr val="lt2"/>
             </a:solidFill>
             <a:prstDash val="solid"/>
             <a:round/>
-            <a:headEnd len="sm" w="sm" type="none"/>
-            <a:tailEnd len="sm" w="sm" type="none"/>
+            <a:headEnd type="none" w="sm" len="sm"/>
+            <a:tailEnd type="none" w="sm" len="sm"/>
           </a:ln>
         </p:spPr>
       </p:cxnSp>
       <p:sp>
         <p:nvSpPr>
           <p:cNvPr id="17" name="Shape 17"/>
-          <p:cNvSpPr txBox="1"/>
+          <p:cNvSpPr txBox="1">
+            <a:spLocks noGrp="1"/>
+          </p:cNvSpPr>
           <p:nvPr>
             <p:ph type="title"/>
           </p:nvPr>
@@ -2997,7 +3111,7 @@
           </a:prstGeom>
         </p:spPr>
         <p:txBody>
-          <a:bodyPr anchorCtr="0" anchor="b" bIns="91425" lIns="91425" spcFirstLastPara="1" rIns="91425" wrap="square" tIns="91425"/>
+          <a:bodyPr spcFirstLastPara="1" wrap="square" lIns="91425" tIns="91425" rIns="91425" bIns="91425" anchor="b" anchorCtr="0"/>
           <a:lstStyle>
             <a:lvl1pPr lvl="0">
               <a:spcBef>
@@ -3162,15 +3276,19 @@
               </a:defRPr>
             </a:lvl9pPr>
           </a:lstStyle>
-          <a:p/>
+          <a:p>
+            <a:endParaRPr/>
+          </a:p>
         </p:txBody>
       </p:sp>
       <p:sp>
         <p:nvSpPr>
           <p:cNvPr id="18" name="Shape 18"/>
-          <p:cNvSpPr txBox="1"/>
+          <p:cNvSpPr txBox="1">
+            <a:spLocks noGrp="1"/>
+          </p:cNvSpPr>
           <p:nvPr>
-            <p:ph idx="12" type="sldNum"/>
+            <p:ph type="sldNum" idx="12"/>
           </p:nvPr>
         </p:nvSpPr>
         <p:spPr>
@@ -3183,7 +3301,7 @@
           </a:prstGeom>
         </p:spPr>
         <p:txBody>
-          <a:bodyPr anchorCtr="0" anchor="ctr" bIns="91425" lIns="91425" spcFirstLastPara="1" rIns="91425" wrap="square" tIns="91425">
+          <a:bodyPr spcFirstLastPara="1" wrap="square" lIns="91425" tIns="91425" rIns="91425" bIns="91425" anchor="ctr" anchorCtr="0">
             <a:noAutofit/>
           </a:bodyPr>
           <a:lstStyle>
@@ -3261,7 +3379,7 @@
             </a:lvl9pPr>
           </a:lstStyle>
           <a:p>
-            <a:pPr indent="0" lvl="0" marL="0">
+            <a:pPr marL="0" lvl="0" indent="0">
               <a:spcBef>
                 <a:spcPts val="0"/>
               </a:spcBef>
@@ -3287,11 +3405,11 @@
 </file>
 
 <file path=ppt/slideLayouts/slideLayout3.xml><?xml version="1.0" encoding="utf-8"?>
-<p:sldLayout xmlns:a="http://schemas.openxmlformats.org/drawingml/2006/main" xmlns:r="http://schemas.openxmlformats.org/officeDocument/2006/relationships" xmlns:mc="http://schemas.openxmlformats.org/markup-compatibility/2006" xmlns:mv="urn:schemas-microsoft-com:mac:vml" xmlns:p="http://schemas.openxmlformats.org/presentationml/2006/main" xmlns:c="http://schemas.openxmlformats.org/drawingml/2006/chart" xmlns:dgm="http://schemas.openxmlformats.org/drawingml/2006/diagram" xmlns:o="urn:schemas-microsoft-com:office:office" xmlns:v="urn:schemas-microsoft-com:vml" xmlns:pvml="urn:schemas-microsoft-com:office:powerpoint" xmlns:com="http://schemas.openxmlformats.org/drawingml/2006/compatibility" xmlns:p14="http://schemas.microsoft.com/office/powerpoint/2010/main" xmlns:p15="http://schemas.microsoft.com/office/powerpoint/2012/main" matchingName="Title and body" type="tx">
+<p:sldLayout xmlns:a="http://schemas.openxmlformats.org/drawingml/2006/main" xmlns:r="http://schemas.openxmlformats.org/officeDocument/2006/relationships" xmlns:p="http://schemas.openxmlformats.org/presentationml/2006/main" matchingName="Title and body" type="tx">
   <p:cSld name="TITLE_AND_BODY">
     <p:spTree>
       <p:nvGrpSpPr>
-        <p:cNvPr id="19" name="Shape 19"/>
+        <p:cNvPr id="1" name="Shape 19"/>
         <p:cNvGrpSpPr/>
         <p:nvPr/>
       </p:nvGrpSpPr>
@@ -3325,12 +3443,12 @@
           </a:ln>
         </p:spPr>
         <p:txBody>
-          <a:bodyPr anchorCtr="0" anchor="ctr" bIns="91425" lIns="91425" spcFirstLastPara="1" rIns="91425" wrap="square" tIns="91425">
+          <a:bodyPr spcFirstLastPara="1" wrap="square" lIns="91425" tIns="91425" rIns="91425" bIns="91425" anchor="ctr" anchorCtr="0">
             <a:noAutofit/>
           </a:bodyPr>
           <a:lstStyle/>
           <a:p>
-            <a:pPr indent="0" lvl="0" marL="0">
+            <a:pPr marL="0" lvl="0" indent="0">
               <a:spcBef>
                 <a:spcPts val="0"/>
               </a:spcBef>
@@ -3339,9 +3457,6 @@
               </a:spcAft>
               <a:buNone/>
             </a:pPr>
-            <a:r>
-              <a:t/>
-            </a:r>
             <a:endParaRPr/>
           </a:p>
         </p:txBody>
@@ -3349,7 +3464,9 @@
       <p:sp>
         <p:nvSpPr>
           <p:cNvPr id="21" name="Shape 21"/>
-          <p:cNvSpPr txBox="1"/>
+          <p:cNvSpPr txBox="1">
+            <a:spLocks noGrp="1"/>
+          </p:cNvSpPr>
           <p:nvPr>
             <p:ph type="title"/>
           </p:nvPr>
@@ -3364,7 +3481,7 @@
           </a:prstGeom>
         </p:spPr>
         <p:txBody>
-          <a:bodyPr anchorCtr="0" anchor="t" bIns="91425" lIns="91425" spcFirstLastPara="1" rIns="91425" wrap="square" tIns="91425"/>
+          <a:bodyPr spcFirstLastPara="1" wrap="square" lIns="91425" tIns="91425" rIns="91425" bIns="91425" anchor="t" anchorCtr="0"/>
           <a:lstStyle>
             <a:lvl1pPr lvl="0">
               <a:spcBef>
@@ -3466,15 +3583,19 @@
               <a:defRPr/>
             </a:lvl9pPr>
           </a:lstStyle>
-          <a:p/>
+          <a:p>
+            <a:endParaRPr/>
+          </a:p>
         </p:txBody>
       </p:sp>
       <p:sp>
         <p:nvSpPr>
           <p:cNvPr id="22" name="Shape 22"/>
-          <p:cNvSpPr txBox="1"/>
+          <p:cNvSpPr txBox="1">
+            <a:spLocks noGrp="1"/>
+          </p:cNvSpPr>
           <p:nvPr>
-            <p:ph idx="1" type="body"/>
+            <p:ph type="body" idx="1"/>
           </p:nvPr>
         </p:nvSpPr>
         <p:spPr>
@@ -3487,9 +3608,9 @@
           </a:prstGeom>
         </p:spPr>
         <p:txBody>
-          <a:bodyPr anchorCtr="0" anchor="t" bIns="91425" lIns="91425" spcFirstLastPara="1" rIns="91425" wrap="square" tIns="91425"/>
+          <a:bodyPr spcFirstLastPara="1" wrap="square" lIns="91425" tIns="91425" rIns="91425" bIns="91425" anchor="t" anchorCtr="0"/>
           <a:lstStyle>
-            <a:lvl1pPr indent="-342900" lvl="0" marL="457200">
+            <a:lvl1pPr marL="457200" lvl="0" indent="-342900">
               <a:spcBef>
                 <a:spcPts val="0"/>
               </a:spcBef>
@@ -3500,7 +3621,7 @@
               <a:buChar char="●"/>
               <a:defRPr/>
             </a:lvl1pPr>
-            <a:lvl2pPr indent="-317500" lvl="1" marL="914400">
+            <a:lvl2pPr marL="914400" lvl="1" indent="-317500">
               <a:spcBef>
                 <a:spcPts val="1600"/>
               </a:spcBef>
@@ -3511,7 +3632,7 @@
               <a:buChar char="○"/>
               <a:defRPr/>
             </a:lvl2pPr>
-            <a:lvl3pPr indent="-317500" lvl="2" marL="1371600">
+            <a:lvl3pPr marL="1371600" lvl="2" indent="-317500">
               <a:spcBef>
                 <a:spcPts val="1600"/>
               </a:spcBef>
@@ -3522,7 +3643,7 @@
               <a:buChar char="■"/>
               <a:defRPr/>
             </a:lvl3pPr>
-            <a:lvl4pPr indent="-317500" lvl="3" marL="1828800">
+            <a:lvl4pPr marL="1828800" lvl="3" indent="-317500">
               <a:spcBef>
                 <a:spcPts val="1600"/>
               </a:spcBef>
@@ -3533,7 +3654,7 @@
               <a:buChar char="●"/>
               <a:defRPr/>
             </a:lvl4pPr>
-            <a:lvl5pPr indent="-317500" lvl="4" marL="2286000">
+            <a:lvl5pPr marL="2286000" lvl="4" indent="-317500">
               <a:spcBef>
                 <a:spcPts val="1600"/>
               </a:spcBef>
@@ -3544,7 +3665,7 @@
               <a:buChar char="○"/>
               <a:defRPr/>
             </a:lvl5pPr>
-            <a:lvl6pPr indent="-317500" lvl="5" marL="2743200">
+            <a:lvl6pPr marL="2743200" lvl="5" indent="-317500">
               <a:spcBef>
                 <a:spcPts val="1600"/>
               </a:spcBef>
@@ -3555,7 +3676,7 @@
               <a:buChar char="■"/>
               <a:defRPr/>
             </a:lvl6pPr>
-            <a:lvl7pPr indent="-317500" lvl="6" marL="3200400">
+            <a:lvl7pPr marL="3200400" lvl="6" indent="-317500">
               <a:spcBef>
                 <a:spcPts val="1600"/>
               </a:spcBef>
@@ -3566,7 +3687,7 @@
               <a:buChar char="●"/>
               <a:defRPr/>
             </a:lvl7pPr>
-            <a:lvl8pPr indent="-317500" lvl="7" marL="3657600">
+            <a:lvl8pPr marL="3657600" lvl="7" indent="-317500">
               <a:spcBef>
                 <a:spcPts val="1600"/>
               </a:spcBef>
@@ -3577,7 +3698,7 @@
               <a:buChar char="○"/>
               <a:defRPr/>
             </a:lvl8pPr>
-            <a:lvl9pPr indent="-317500" lvl="8" marL="4114800">
+            <a:lvl9pPr marL="4114800" lvl="8" indent="-317500">
               <a:spcBef>
                 <a:spcPts val="1600"/>
               </a:spcBef>
@@ -3589,15 +3710,19 @@
               <a:defRPr/>
             </a:lvl9pPr>
           </a:lstStyle>
-          <a:p/>
+          <a:p>
+            <a:endParaRPr/>
+          </a:p>
         </p:txBody>
       </p:sp>
       <p:sp>
         <p:nvSpPr>
           <p:cNvPr id="23" name="Shape 23"/>
-          <p:cNvSpPr txBox="1"/>
+          <p:cNvSpPr txBox="1">
+            <a:spLocks noGrp="1"/>
+          </p:cNvSpPr>
           <p:nvPr>
-            <p:ph idx="12" type="sldNum"/>
+            <p:ph type="sldNum" idx="12"/>
           </p:nvPr>
         </p:nvSpPr>
         <p:spPr>
@@ -3610,7 +3735,7 @@
           </a:prstGeom>
         </p:spPr>
         <p:txBody>
-          <a:bodyPr anchorCtr="0" anchor="ctr" bIns="91425" lIns="91425" spcFirstLastPara="1" rIns="91425" wrap="square" tIns="91425">
+          <a:bodyPr spcFirstLastPara="1" wrap="square" lIns="91425" tIns="91425" rIns="91425" bIns="91425" anchor="ctr" anchorCtr="0">
             <a:noAutofit/>
           </a:bodyPr>
           <a:lstStyle>
@@ -3652,7 +3777,7 @@
             </a:lvl9pPr>
           </a:lstStyle>
           <a:p>
-            <a:pPr indent="0" lvl="0" marL="0">
+            <a:pPr marL="0" lvl="0" indent="0">
               <a:spcBef>
                 <a:spcPts val="0"/>
               </a:spcBef>
@@ -3678,11 +3803,11 @@
 </file>
 
 <file path=ppt/slideLayouts/slideLayout4.xml><?xml version="1.0" encoding="utf-8"?>
-<p:sldLayout xmlns:a="http://schemas.openxmlformats.org/drawingml/2006/main" xmlns:r="http://schemas.openxmlformats.org/officeDocument/2006/relationships" xmlns:mc="http://schemas.openxmlformats.org/markup-compatibility/2006" xmlns:mv="urn:schemas-microsoft-com:mac:vml" xmlns:p="http://schemas.openxmlformats.org/presentationml/2006/main" xmlns:c="http://schemas.openxmlformats.org/drawingml/2006/chart" xmlns:dgm="http://schemas.openxmlformats.org/drawingml/2006/diagram" xmlns:o="urn:schemas-microsoft-com:office:office" xmlns:v="urn:schemas-microsoft-com:vml" xmlns:pvml="urn:schemas-microsoft-com:office:powerpoint" xmlns:com="http://schemas.openxmlformats.org/drawingml/2006/compatibility" xmlns:p14="http://schemas.microsoft.com/office/powerpoint/2010/main" xmlns:p15="http://schemas.microsoft.com/office/powerpoint/2012/main" matchingName="Title and two columns" type="twoColTx">
+<p:sldLayout xmlns:a="http://schemas.openxmlformats.org/drawingml/2006/main" xmlns:r="http://schemas.openxmlformats.org/officeDocument/2006/relationships" xmlns:p="http://schemas.openxmlformats.org/presentationml/2006/main" matchingName="Title and two columns" type="twoColTx">
   <p:cSld name="TITLE_AND_TWO_COLUMNS">
     <p:spTree>
       <p:nvGrpSpPr>
-        <p:cNvPr id="24" name="Shape 24"/>
+        <p:cNvPr id="1" name="Shape 24"/>
         <p:cNvGrpSpPr/>
         <p:nvPr/>
       </p:nvGrpSpPr>
@@ -3697,7 +3822,9 @@
       <p:sp>
         <p:nvSpPr>
           <p:cNvPr id="25" name="Shape 25"/>
-          <p:cNvSpPr txBox="1"/>
+          <p:cNvSpPr txBox="1">
+            <a:spLocks noGrp="1"/>
+          </p:cNvSpPr>
           <p:nvPr>
             <p:ph type="title"/>
           </p:nvPr>
@@ -3712,7 +3839,7 @@
           </a:prstGeom>
         </p:spPr>
         <p:txBody>
-          <a:bodyPr anchorCtr="0" anchor="t" bIns="91425" lIns="91425" spcFirstLastPara="1" rIns="91425" wrap="square" tIns="91425"/>
+          <a:bodyPr spcFirstLastPara="1" wrap="square" lIns="91425" tIns="91425" rIns="91425" bIns="91425" anchor="t" anchorCtr="0"/>
           <a:lstStyle>
             <a:lvl1pPr lvl="0">
               <a:spcBef>
@@ -3814,15 +3941,19 @@
               <a:defRPr/>
             </a:lvl9pPr>
           </a:lstStyle>
-          <a:p/>
+          <a:p>
+            <a:endParaRPr/>
+          </a:p>
         </p:txBody>
       </p:sp>
       <p:sp>
         <p:nvSpPr>
           <p:cNvPr id="26" name="Shape 26"/>
-          <p:cNvSpPr txBox="1"/>
+          <p:cNvSpPr txBox="1">
+            <a:spLocks noGrp="1"/>
+          </p:cNvSpPr>
           <p:nvPr>
-            <p:ph idx="1" type="body"/>
+            <p:ph type="body" idx="1"/>
           </p:nvPr>
         </p:nvSpPr>
         <p:spPr>
@@ -3835,9 +3966,9 @@
           </a:prstGeom>
         </p:spPr>
         <p:txBody>
-          <a:bodyPr anchorCtr="0" anchor="t" bIns="91425" lIns="91425" spcFirstLastPara="1" rIns="91425" wrap="square" tIns="91425"/>
+          <a:bodyPr spcFirstLastPara="1" wrap="square" lIns="91425" tIns="91425" rIns="91425" bIns="91425" anchor="t" anchorCtr="0"/>
           <a:lstStyle>
-            <a:lvl1pPr indent="-317500" lvl="0" marL="457200">
+            <a:lvl1pPr marL="457200" lvl="0" indent="-317500">
               <a:spcBef>
                 <a:spcPts val="0"/>
               </a:spcBef>
@@ -3848,7 +3979,7 @@
               <a:buChar char="●"/>
               <a:defRPr sz="1400"/>
             </a:lvl1pPr>
-            <a:lvl2pPr indent="-304800" lvl="1" marL="914400">
+            <a:lvl2pPr marL="914400" lvl="1" indent="-304800">
               <a:spcBef>
                 <a:spcPts val="1600"/>
               </a:spcBef>
@@ -3859,7 +3990,7 @@
               <a:buChar char="○"/>
               <a:defRPr sz="1200"/>
             </a:lvl2pPr>
-            <a:lvl3pPr indent="-304800" lvl="2" marL="1371600">
+            <a:lvl3pPr marL="1371600" lvl="2" indent="-304800">
               <a:spcBef>
                 <a:spcPts val="1600"/>
               </a:spcBef>
@@ -3870,7 +4001,7 @@
               <a:buChar char="■"/>
               <a:defRPr sz="1200"/>
             </a:lvl3pPr>
-            <a:lvl4pPr indent="-304800" lvl="3" marL="1828800">
+            <a:lvl4pPr marL="1828800" lvl="3" indent="-304800">
               <a:spcBef>
                 <a:spcPts val="1600"/>
               </a:spcBef>
@@ -3881,7 +4012,7 @@
               <a:buChar char="●"/>
               <a:defRPr sz="1200"/>
             </a:lvl4pPr>
-            <a:lvl5pPr indent="-304800" lvl="4" marL="2286000">
+            <a:lvl5pPr marL="2286000" lvl="4" indent="-304800">
               <a:spcBef>
                 <a:spcPts val="1600"/>
               </a:spcBef>
@@ -3892,7 +4023,7 @@
               <a:buChar char="○"/>
               <a:defRPr sz="1200"/>
             </a:lvl5pPr>
-            <a:lvl6pPr indent="-304800" lvl="5" marL="2743200">
+            <a:lvl6pPr marL="2743200" lvl="5" indent="-304800">
               <a:spcBef>
                 <a:spcPts val="1600"/>
               </a:spcBef>
@@ -3903,7 +4034,7 @@
               <a:buChar char="■"/>
               <a:defRPr sz="1200"/>
             </a:lvl6pPr>
-            <a:lvl7pPr indent="-304800" lvl="6" marL="3200400">
+            <a:lvl7pPr marL="3200400" lvl="6" indent="-304800">
               <a:spcBef>
                 <a:spcPts val="1600"/>
               </a:spcBef>
@@ -3914,7 +4045,7 @@
               <a:buChar char="●"/>
               <a:defRPr sz="1200"/>
             </a:lvl7pPr>
-            <a:lvl8pPr indent="-304800" lvl="7" marL="3657600">
+            <a:lvl8pPr marL="3657600" lvl="7" indent="-304800">
               <a:spcBef>
                 <a:spcPts val="1600"/>
               </a:spcBef>
@@ -3925,7 +4056,7 @@
               <a:buChar char="○"/>
               <a:defRPr sz="1200"/>
             </a:lvl8pPr>
-            <a:lvl9pPr indent="-304800" lvl="8" marL="4114800">
+            <a:lvl9pPr marL="4114800" lvl="8" indent="-304800">
               <a:spcBef>
                 <a:spcPts val="1600"/>
               </a:spcBef>
@@ -3937,15 +4068,19 @@
               <a:defRPr sz="1200"/>
             </a:lvl9pPr>
           </a:lstStyle>
-          <a:p/>
+          <a:p>
+            <a:endParaRPr/>
+          </a:p>
         </p:txBody>
       </p:sp>
       <p:sp>
         <p:nvSpPr>
           <p:cNvPr id="27" name="Shape 27"/>
-          <p:cNvSpPr txBox="1"/>
+          <p:cNvSpPr txBox="1">
+            <a:spLocks noGrp="1"/>
+          </p:cNvSpPr>
           <p:nvPr>
-            <p:ph idx="2" type="body"/>
+            <p:ph type="body" idx="2"/>
           </p:nvPr>
         </p:nvSpPr>
         <p:spPr>
@@ -3958,9 +4093,9 @@
           </a:prstGeom>
         </p:spPr>
         <p:txBody>
-          <a:bodyPr anchorCtr="0" anchor="t" bIns="91425" lIns="91425" spcFirstLastPara="1" rIns="91425" wrap="square" tIns="91425"/>
+          <a:bodyPr spcFirstLastPara="1" wrap="square" lIns="91425" tIns="91425" rIns="91425" bIns="91425" anchor="t" anchorCtr="0"/>
           <a:lstStyle>
-            <a:lvl1pPr indent="-317500" lvl="0" marL="457200">
+            <a:lvl1pPr marL="457200" lvl="0" indent="-317500">
               <a:spcBef>
                 <a:spcPts val="0"/>
               </a:spcBef>
@@ -3971,7 +4106,7 @@
               <a:buChar char="●"/>
               <a:defRPr sz="1400"/>
             </a:lvl1pPr>
-            <a:lvl2pPr indent="-304800" lvl="1" marL="914400">
+            <a:lvl2pPr marL="914400" lvl="1" indent="-304800">
               <a:spcBef>
                 <a:spcPts val="1600"/>
               </a:spcBef>
@@ -3982,7 +4117,7 @@
               <a:buChar char="○"/>
               <a:defRPr sz="1200"/>
             </a:lvl2pPr>
-            <a:lvl3pPr indent="-304800" lvl="2" marL="1371600">
+            <a:lvl3pPr marL="1371600" lvl="2" indent="-304800">
               <a:spcBef>
                 <a:spcPts val="1600"/>
               </a:spcBef>
@@ -3993,7 +4128,7 @@
               <a:buChar char="■"/>
               <a:defRPr sz="1200"/>
             </a:lvl3pPr>
-            <a:lvl4pPr indent="-304800" lvl="3" marL="1828800">
+            <a:lvl4pPr marL="1828800" lvl="3" indent="-304800">
               <a:spcBef>
                 <a:spcPts val="1600"/>
               </a:spcBef>
@@ -4004,7 +4139,7 @@
               <a:buChar char="●"/>
               <a:defRPr sz="1200"/>
             </a:lvl4pPr>
-            <a:lvl5pPr indent="-304800" lvl="4" marL="2286000">
+            <a:lvl5pPr marL="2286000" lvl="4" indent="-304800">
               <a:spcBef>
                 <a:spcPts val="1600"/>
               </a:spcBef>
@@ -4015,7 +4150,7 @@
               <a:buChar char="○"/>
               <a:defRPr sz="1200"/>
             </a:lvl5pPr>
-            <a:lvl6pPr indent="-304800" lvl="5" marL="2743200">
+            <a:lvl6pPr marL="2743200" lvl="5" indent="-304800">
               <a:spcBef>
                 <a:spcPts val="1600"/>
               </a:spcBef>
@@ -4026,7 +4161,7 @@
               <a:buChar char="■"/>
               <a:defRPr sz="1200"/>
             </a:lvl6pPr>
-            <a:lvl7pPr indent="-304800" lvl="6" marL="3200400">
+            <a:lvl7pPr marL="3200400" lvl="6" indent="-304800">
               <a:spcBef>
                 <a:spcPts val="1600"/>
               </a:spcBef>
@@ -4037,7 +4172,7 @@
               <a:buChar char="●"/>
               <a:defRPr sz="1200"/>
             </a:lvl7pPr>
-            <a:lvl8pPr indent="-304800" lvl="7" marL="3657600">
+            <a:lvl8pPr marL="3657600" lvl="7" indent="-304800">
               <a:spcBef>
                 <a:spcPts val="1600"/>
               </a:spcBef>
@@ -4048,7 +4183,7 @@
               <a:buChar char="○"/>
               <a:defRPr sz="1200"/>
             </a:lvl8pPr>
-            <a:lvl9pPr indent="-304800" lvl="8" marL="4114800">
+            <a:lvl9pPr marL="4114800" lvl="8" indent="-304800">
               <a:spcBef>
                 <a:spcPts val="1600"/>
               </a:spcBef>
@@ -4060,15 +4195,19 @@
               <a:defRPr sz="1200"/>
             </a:lvl9pPr>
           </a:lstStyle>
-          <a:p/>
+          <a:p>
+            <a:endParaRPr/>
+          </a:p>
         </p:txBody>
       </p:sp>
       <p:sp>
         <p:nvSpPr>
           <p:cNvPr id="28" name="Shape 28"/>
-          <p:cNvSpPr txBox="1"/>
+          <p:cNvSpPr txBox="1">
+            <a:spLocks noGrp="1"/>
+          </p:cNvSpPr>
           <p:nvPr>
-            <p:ph idx="12" type="sldNum"/>
+            <p:ph type="sldNum" idx="12"/>
           </p:nvPr>
         </p:nvSpPr>
         <p:spPr>
@@ -4081,7 +4220,7 @@
           </a:prstGeom>
         </p:spPr>
         <p:txBody>
-          <a:bodyPr anchorCtr="0" anchor="ctr" bIns="91425" lIns="91425" spcFirstLastPara="1" rIns="91425" wrap="square" tIns="91425">
+          <a:bodyPr spcFirstLastPara="1" wrap="square" lIns="91425" tIns="91425" rIns="91425" bIns="91425" anchor="ctr" anchorCtr="0">
             <a:noAutofit/>
           </a:bodyPr>
           <a:lstStyle>
@@ -4123,7 +4262,7 @@
             </a:lvl9pPr>
           </a:lstStyle>
           <a:p>
-            <a:pPr indent="0" lvl="0" marL="0">
+            <a:pPr marL="0" lvl="0" indent="0">
               <a:spcBef>
                 <a:spcPts val="0"/>
               </a:spcBef>
@@ -4149,11 +4288,11 @@
 </file>
 
 <file path=ppt/slideLayouts/slideLayout5.xml><?xml version="1.0" encoding="utf-8"?>
-<p:sldLayout xmlns:a="http://schemas.openxmlformats.org/drawingml/2006/main" xmlns:r="http://schemas.openxmlformats.org/officeDocument/2006/relationships" xmlns:mc="http://schemas.openxmlformats.org/markup-compatibility/2006" xmlns:mv="urn:schemas-microsoft-com:mac:vml" xmlns:p="http://schemas.openxmlformats.org/presentationml/2006/main" xmlns:c="http://schemas.openxmlformats.org/drawingml/2006/chart" xmlns:dgm="http://schemas.openxmlformats.org/drawingml/2006/diagram" xmlns:o="urn:schemas-microsoft-com:office:office" xmlns:v="urn:schemas-microsoft-com:vml" xmlns:pvml="urn:schemas-microsoft-com:office:powerpoint" xmlns:com="http://schemas.openxmlformats.org/drawingml/2006/compatibility" xmlns:p14="http://schemas.microsoft.com/office/powerpoint/2010/main" xmlns:p15="http://schemas.microsoft.com/office/powerpoint/2012/main" matchingName="Title only" type="titleOnly">
+<p:sldLayout xmlns:a="http://schemas.openxmlformats.org/drawingml/2006/main" xmlns:r="http://schemas.openxmlformats.org/officeDocument/2006/relationships" xmlns:p="http://schemas.openxmlformats.org/presentationml/2006/main" matchingName="Title only" type="titleOnly">
   <p:cSld name="TITLE_ONLY">
     <p:spTree>
       <p:nvGrpSpPr>
-        <p:cNvPr id="29" name="Shape 29"/>
+        <p:cNvPr id="1" name="Shape 29"/>
         <p:cNvGrpSpPr/>
         <p:nvPr/>
       </p:nvGrpSpPr>
@@ -4168,7 +4307,9 @@
       <p:sp>
         <p:nvSpPr>
           <p:cNvPr id="30" name="Shape 30"/>
-          <p:cNvSpPr txBox="1"/>
+          <p:cNvSpPr txBox="1">
+            <a:spLocks noGrp="1"/>
+          </p:cNvSpPr>
           <p:nvPr>
             <p:ph type="title"/>
           </p:nvPr>
@@ -4183,7 +4324,7 @@
           </a:prstGeom>
         </p:spPr>
         <p:txBody>
-          <a:bodyPr anchorCtr="0" anchor="t" bIns="91425" lIns="91425" spcFirstLastPara="1" rIns="91425" wrap="square" tIns="91425"/>
+          <a:bodyPr spcFirstLastPara="1" wrap="square" lIns="91425" tIns="91425" rIns="91425" bIns="91425" anchor="t" anchorCtr="0"/>
           <a:lstStyle>
             <a:lvl1pPr lvl="0">
               <a:spcBef>
@@ -4285,15 +4426,19 @@
               <a:defRPr/>
             </a:lvl9pPr>
           </a:lstStyle>
-          <a:p/>
+          <a:p>
+            <a:endParaRPr/>
+          </a:p>
         </p:txBody>
       </p:sp>
       <p:sp>
         <p:nvSpPr>
           <p:cNvPr id="31" name="Shape 31"/>
-          <p:cNvSpPr txBox="1"/>
+          <p:cNvSpPr txBox="1">
+            <a:spLocks noGrp="1"/>
+          </p:cNvSpPr>
           <p:nvPr>
-            <p:ph idx="12" type="sldNum"/>
+            <p:ph type="sldNum" idx="12"/>
           </p:nvPr>
         </p:nvSpPr>
         <p:spPr>
@@ -4306,7 +4451,7 @@
           </a:prstGeom>
         </p:spPr>
         <p:txBody>
-          <a:bodyPr anchorCtr="0" anchor="ctr" bIns="91425" lIns="91425" spcFirstLastPara="1" rIns="91425" wrap="square" tIns="91425">
+          <a:bodyPr spcFirstLastPara="1" wrap="square" lIns="91425" tIns="91425" rIns="91425" bIns="91425" anchor="ctr" anchorCtr="0">
             <a:noAutofit/>
           </a:bodyPr>
           <a:lstStyle>
@@ -4348,7 +4493,7 @@
             </a:lvl9pPr>
           </a:lstStyle>
           <a:p>
-            <a:pPr indent="0" lvl="0" marL="0">
+            <a:pPr marL="0" lvl="0" indent="0">
               <a:spcBef>
                 <a:spcPts val="0"/>
               </a:spcBef>
@@ -4374,11 +4519,11 @@
 </file>
 
 <file path=ppt/slideLayouts/slideLayout6.xml><?xml version="1.0" encoding="utf-8"?>
-<p:sldLayout xmlns:a="http://schemas.openxmlformats.org/drawingml/2006/main" xmlns:r="http://schemas.openxmlformats.org/officeDocument/2006/relationships" xmlns:mc="http://schemas.openxmlformats.org/markup-compatibility/2006" xmlns:mv="urn:schemas-microsoft-com:mac:vml" xmlns:p="http://schemas.openxmlformats.org/presentationml/2006/main" xmlns:c="http://schemas.openxmlformats.org/drawingml/2006/chart" xmlns:dgm="http://schemas.openxmlformats.org/drawingml/2006/diagram" xmlns:o="urn:schemas-microsoft-com:office:office" xmlns:v="urn:schemas-microsoft-com:vml" xmlns:pvml="urn:schemas-microsoft-com:office:powerpoint" xmlns:com="http://schemas.openxmlformats.org/drawingml/2006/compatibility" xmlns:p14="http://schemas.microsoft.com/office/powerpoint/2010/main" xmlns:p15="http://schemas.microsoft.com/office/powerpoint/2012/main" matchingName="One column text">
+<p:sldLayout xmlns:a="http://schemas.openxmlformats.org/drawingml/2006/main" xmlns:r="http://schemas.openxmlformats.org/officeDocument/2006/relationships" xmlns:p="http://schemas.openxmlformats.org/presentationml/2006/main" matchingName="One column text">
   <p:cSld name="ONE_COLUMN_TEXT">
     <p:spTree>
       <p:nvGrpSpPr>
-        <p:cNvPr id="32" name="Shape 32"/>
+        <p:cNvPr id="1" name="Shape 32"/>
         <p:cNvGrpSpPr/>
         <p:nvPr/>
       </p:nvGrpSpPr>
@@ -4393,7 +4538,9 @@
       <p:sp>
         <p:nvSpPr>
           <p:cNvPr id="33" name="Shape 33"/>
-          <p:cNvSpPr txBox="1"/>
+          <p:cNvSpPr txBox="1">
+            <a:spLocks noGrp="1"/>
+          </p:cNvSpPr>
           <p:nvPr>
             <p:ph type="title"/>
           </p:nvPr>
@@ -4408,7 +4555,7 @@
           </a:prstGeom>
         </p:spPr>
         <p:txBody>
-          <a:bodyPr anchorCtr="0" anchor="b" bIns="91425" lIns="91425" spcFirstLastPara="1" rIns="91425" wrap="square" tIns="91425"/>
+          <a:bodyPr spcFirstLastPara="1" wrap="square" lIns="91425" tIns="91425" rIns="91425" bIns="91425" anchor="b" anchorCtr="0"/>
           <a:lstStyle>
             <a:lvl1pPr lvl="0">
               <a:spcBef>
@@ -4510,15 +4657,19 @@
               <a:defRPr sz="2400"/>
             </a:lvl9pPr>
           </a:lstStyle>
-          <a:p/>
+          <a:p>
+            <a:endParaRPr/>
+          </a:p>
         </p:txBody>
       </p:sp>
       <p:sp>
         <p:nvSpPr>
           <p:cNvPr id="34" name="Shape 34"/>
-          <p:cNvSpPr txBox="1"/>
+          <p:cNvSpPr txBox="1">
+            <a:spLocks noGrp="1"/>
+          </p:cNvSpPr>
           <p:nvPr>
-            <p:ph idx="1" type="body"/>
+            <p:ph type="body" idx="1"/>
           </p:nvPr>
         </p:nvSpPr>
         <p:spPr>
@@ -4531,9 +4682,9 @@
           </a:prstGeom>
         </p:spPr>
         <p:txBody>
-          <a:bodyPr anchorCtr="0" anchor="t" bIns="91425" lIns="91425" spcFirstLastPara="1" rIns="91425" wrap="square" tIns="91425"/>
+          <a:bodyPr spcFirstLastPara="1" wrap="square" lIns="91425" tIns="91425" rIns="91425" bIns="91425" anchor="t" anchorCtr="0"/>
           <a:lstStyle>
-            <a:lvl1pPr indent="-304800" lvl="0" marL="457200">
+            <a:lvl1pPr marL="457200" lvl="0" indent="-304800">
               <a:spcBef>
                 <a:spcPts val="0"/>
               </a:spcBef>
@@ -4544,7 +4695,7 @@
               <a:buChar char="●"/>
               <a:defRPr sz="1200"/>
             </a:lvl1pPr>
-            <a:lvl2pPr indent="-304800" lvl="1" marL="914400">
+            <a:lvl2pPr marL="914400" lvl="1" indent="-304800">
               <a:spcBef>
                 <a:spcPts val="1600"/>
               </a:spcBef>
@@ -4555,7 +4706,7 @@
               <a:buChar char="○"/>
               <a:defRPr sz="1200"/>
             </a:lvl2pPr>
-            <a:lvl3pPr indent="-304800" lvl="2" marL="1371600">
+            <a:lvl3pPr marL="1371600" lvl="2" indent="-304800">
               <a:spcBef>
                 <a:spcPts val="1600"/>
               </a:spcBef>
@@ -4566,7 +4717,7 @@
               <a:buChar char="■"/>
               <a:defRPr sz="1200"/>
             </a:lvl3pPr>
-            <a:lvl4pPr indent="-304800" lvl="3" marL="1828800">
+            <a:lvl4pPr marL="1828800" lvl="3" indent="-304800">
               <a:spcBef>
                 <a:spcPts val="1600"/>
               </a:spcBef>
@@ -4577,7 +4728,7 @@
               <a:buChar char="●"/>
               <a:defRPr sz="1200"/>
             </a:lvl4pPr>
-            <a:lvl5pPr indent="-304800" lvl="4" marL="2286000">
+            <a:lvl5pPr marL="2286000" lvl="4" indent="-304800">
               <a:spcBef>
                 <a:spcPts val="1600"/>
               </a:spcBef>
@@ -4588,7 +4739,7 @@
               <a:buChar char="○"/>
               <a:defRPr sz="1200"/>
             </a:lvl5pPr>
-            <a:lvl6pPr indent="-304800" lvl="5" marL="2743200">
+            <a:lvl6pPr marL="2743200" lvl="5" indent="-304800">
               <a:spcBef>
                 <a:spcPts val="1600"/>
               </a:spcBef>
@@ -4599,7 +4750,7 @@
               <a:buChar char="■"/>
               <a:defRPr sz="1200"/>
             </a:lvl6pPr>
-            <a:lvl7pPr indent="-304800" lvl="6" marL="3200400">
+            <a:lvl7pPr marL="3200400" lvl="6" indent="-304800">
               <a:spcBef>
                 <a:spcPts val="1600"/>
               </a:spcBef>
@@ -4610,7 +4761,7 @@
               <a:buChar char="●"/>
               <a:defRPr sz="1200"/>
             </a:lvl7pPr>
-            <a:lvl8pPr indent="-304800" lvl="7" marL="3657600">
+            <a:lvl8pPr marL="3657600" lvl="7" indent="-304800">
               <a:spcBef>
                 <a:spcPts val="1600"/>
               </a:spcBef>
@@ -4621,7 +4772,7 @@
               <a:buChar char="○"/>
               <a:defRPr sz="1200"/>
             </a:lvl8pPr>
-            <a:lvl9pPr indent="-304800" lvl="8" marL="4114800">
+            <a:lvl9pPr marL="4114800" lvl="8" indent="-304800">
               <a:spcBef>
                 <a:spcPts val="1600"/>
               </a:spcBef>
@@ -4633,15 +4784,19 @@
               <a:defRPr sz="1200"/>
             </a:lvl9pPr>
           </a:lstStyle>
-          <a:p/>
+          <a:p>
+            <a:endParaRPr/>
+          </a:p>
         </p:txBody>
       </p:sp>
       <p:sp>
         <p:nvSpPr>
           <p:cNvPr id="35" name="Shape 35"/>
-          <p:cNvSpPr txBox="1"/>
+          <p:cNvSpPr txBox="1">
+            <a:spLocks noGrp="1"/>
+          </p:cNvSpPr>
           <p:nvPr>
-            <p:ph idx="12" type="sldNum"/>
+            <p:ph type="sldNum" idx="12"/>
           </p:nvPr>
         </p:nvSpPr>
         <p:spPr>
@@ -4654,7 +4809,7 @@
           </a:prstGeom>
         </p:spPr>
         <p:txBody>
-          <a:bodyPr anchorCtr="0" anchor="ctr" bIns="91425" lIns="91425" spcFirstLastPara="1" rIns="91425" wrap="square" tIns="91425">
+          <a:bodyPr spcFirstLastPara="1" wrap="square" lIns="91425" tIns="91425" rIns="91425" bIns="91425" anchor="ctr" anchorCtr="0">
             <a:noAutofit/>
           </a:bodyPr>
           <a:lstStyle>
@@ -4696,7 +4851,7 @@
             </a:lvl9pPr>
           </a:lstStyle>
           <a:p>
-            <a:pPr indent="0" lvl="0" marL="0">
+            <a:pPr marL="0" lvl="0" indent="0">
               <a:spcBef>
                 <a:spcPts val="0"/>
               </a:spcBef>
@@ -4722,18 +4877,19 @@
 </file>
 
 <file path=ppt/slideLayouts/slideLayout7.xml><?xml version="1.0" encoding="utf-8"?>
-<p:sldLayout xmlns:a="http://schemas.openxmlformats.org/drawingml/2006/main" xmlns:r="http://schemas.openxmlformats.org/officeDocument/2006/relationships" xmlns:mc="http://schemas.openxmlformats.org/markup-compatibility/2006" xmlns:mv="urn:schemas-microsoft-com:mac:vml" xmlns:p="http://schemas.openxmlformats.org/presentationml/2006/main" xmlns:c="http://schemas.openxmlformats.org/drawingml/2006/chart" xmlns:dgm="http://schemas.openxmlformats.org/drawingml/2006/diagram" xmlns:o="urn:schemas-microsoft-com:office:office" xmlns:v="urn:schemas-microsoft-com:vml" xmlns:pvml="urn:schemas-microsoft-com:office:powerpoint" xmlns:com="http://schemas.openxmlformats.org/drawingml/2006/compatibility" xmlns:p14="http://schemas.microsoft.com/office/powerpoint/2010/main" xmlns:p15="http://schemas.microsoft.com/office/powerpoint/2012/main" matchingName="Main point">
+<p:sldLayout xmlns:a="http://schemas.openxmlformats.org/drawingml/2006/main" xmlns:r="http://schemas.openxmlformats.org/officeDocument/2006/relationships" xmlns:p="http://schemas.openxmlformats.org/presentationml/2006/main" matchingName="Main point">
   <p:cSld name="MAIN_POINT">
     <p:bg>
       <p:bgPr>
         <a:solidFill>
           <a:schemeClr val="lt2"/>
         </a:solidFill>
+        <a:effectLst/>
       </p:bgPr>
     </p:bg>
     <p:spTree>
       <p:nvGrpSpPr>
-        <p:cNvPr id="36" name="Shape 36"/>
+        <p:cNvPr id="1" name="Shape 36"/>
         <p:cNvGrpSpPr/>
         <p:nvPr/>
       </p:nvGrpSpPr>
@@ -4748,7 +4904,9 @@
       <p:sp>
         <p:nvSpPr>
           <p:cNvPr id="37" name="Shape 37"/>
-          <p:cNvSpPr txBox="1"/>
+          <p:cNvSpPr txBox="1">
+            <a:spLocks noGrp="1"/>
+          </p:cNvSpPr>
           <p:nvPr>
             <p:ph type="title"/>
           </p:nvPr>
@@ -4763,7 +4921,7 @@
           </a:prstGeom>
         </p:spPr>
         <p:txBody>
-          <a:bodyPr anchorCtr="0" anchor="ctr" bIns="91425" lIns="91425" spcFirstLastPara="1" rIns="91425" wrap="square" tIns="91425"/>
+          <a:bodyPr spcFirstLastPara="1" wrap="square" lIns="91425" tIns="91425" rIns="91425" bIns="91425" anchor="ctr" anchorCtr="0"/>
           <a:lstStyle>
             <a:lvl1pPr lvl="0">
               <a:spcBef>
@@ -4928,15 +5086,19 @@
               </a:defRPr>
             </a:lvl9pPr>
           </a:lstStyle>
-          <a:p/>
+          <a:p>
+            <a:endParaRPr/>
+          </a:p>
         </p:txBody>
       </p:sp>
       <p:sp>
         <p:nvSpPr>
           <p:cNvPr id="38" name="Shape 38"/>
-          <p:cNvSpPr txBox="1"/>
+          <p:cNvSpPr txBox="1">
+            <a:spLocks noGrp="1"/>
+          </p:cNvSpPr>
           <p:nvPr>
-            <p:ph idx="12" type="sldNum"/>
+            <p:ph type="sldNum" idx="12"/>
           </p:nvPr>
         </p:nvSpPr>
         <p:spPr>
@@ -4949,7 +5111,7 @@
           </a:prstGeom>
         </p:spPr>
         <p:txBody>
-          <a:bodyPr anchorCtr="0" anchor="ctr" bIns="91425" lIns="91425" spcFirstLastPara="1" rIns="91425" wrap="square" tIns="91425">
+          <a:bodyPr spcFirstLastPara="1" wrap="square" lIns="91425" tIns="91425" rIns="91425" bIns="91425" anchor="ctr" anchorCtr="0">
             <a:noAutofit/>
           </a:bodyPr>
           <a:lstStyle>
@@ -5027,7 +5189,7 @@
             </a:lvl9pPr>
           </a:lstStyle>
           <a:p>
-            <a:pPr indent="0" lvl="0" marL="0">
+            <a:pPr marL="0" lvl="0" indent="0">
               <a:spcBef>
                 <a:spcPts val="0"/>
               </a:spcBef>
@@ -5053,11 +5215,11 @@
 </file>
 
 <file path=ppt/slideLayouts/slideLayout8.xml><?xml version="1.0" encoding="utf-8"?>
-<p:sldLayout xmlns:a="http://schemas.openxmlformats.org/drawingml/2006/main" xmlns:r="http://schemas.openxmlformats.org/officeDocument/2006/relationships" xmlns:mc="http://schemas.openxmlformats.org/markup-compatibility/2006" xmlns:mv="urn:schemas-microsoft-com:mac:vml" xmlns:p="http://schemas.openxmlformats.org/presentationml/2006/main" xmlns:c="http://schemas.openxmlformats.org/drawingml/2006/chart" xmlns:dgm="http://schemas.openxmlformats.org/drawingml/2006/diagram" xmlns:o="urn:schemas-microsoft-com:office:office" xmlns:v="urn:schemas-microsoft-com:vml" xmlns:pvml="urn:schemas-microsoft-com:office:powerpoint" xmlns:com="http://schemas.openxmlformats.org/drawingml/2006/compatibility" xmlns:p14="http://schemas.microsoft.com/office/powerpoint/2010/main" xmlns:p15="http://schemas.microsoft.com/office/powerpoint/2012/main" matchingName="Section title and description">
+<p:sldLayout xmlns:a="http://schemas.openxmlformats.org/drawingml/2006/main" xmlns:r="http://schemas.openxmlformats.org/officeDocument/2006/relationships" xmlns:p="http://schemas.openxmlformats.org/presentationml/2006/main" matchingName="Section title and description">
   <p:cSld name="SECTION_TITLE_AND_DESCRIPTION">
     <p:spTree>
       <p:nvGrpSpPr>
-        <p:cNvPr id="39" name="Shape 39"/>
+        <p:cNvPr id="1" name="Shape 39"/>
         <p:cNvGrpSpPr/>
         <p:nvPr/>
       </p:nvGrpSpPr>
@@ -5091,12 +5253,12 @@
           </a:ln>
         </p:spPr>
         <p:txBody>
-          <a:bodyPr anchorCtr="0" anchor="ctr" bIns="91425" lIns="91425" spcFirstLastPara="1" rIns="91425" wrap="square" tIns="91425">
+          <a:bodyPr spcFirstLastPara="1" wrap="square" lIns="91425" tIns="91425" rIns="91425" bIns="91425" anchor="ctr" anchorCtr="0">
             <a:noAutofit/>
           </a:bodyPr>
           <a:lstStyle/>
           <a:p>
-            <a:pPr indent="0" lvl="0" marL="0">
+            <a:pPr marL="0" lvl="0" indent="0">
               <a:spcBef>
                 <a:spcPts val="0"/>
               </a:spcBef>
@@ -5105,9 +5267,6 @@
               </a:spcAft>
               <a:buNone/>
             </a:pPr>
-            <a:r>
-              <a:t/>
-            </a:r>
             <a:endParaRPr/>
           </a:p>
         </p:txBody>
@@ -5127,21 +5286,23 @@
             <a:avLst/>
           </a:prstGeom>
           <a:noFill/>
-          <a:ln cap="flat" cmpd="sng" w="19050">
+          <a:ln w="19050" cap="flat" cmpd="sng">
             <a:solidFill>
               <a:schemeClr val="lt2"/>
             </a:solidFill>
             <a:prstDash val="solid"/>
             <a:round/>
-            <a:headEnd len="sm" w="sm" type="none"/>
-            <a:tailEnd len="sm" w="sm" type="none"/>
+            <a:headEnd type="none" w="sm" len="sm"/>
+            <a:tailEnd type="none" w="sm" len="sm"/>
           </a:ln>
         </p:spPr>
       </p:cxnSp>
       <p:sp>
         <p:nvSpPr>
           <p:cNvPr id="42" name="Shape 42"/>
-          <p:cNvSpPr txBox="1"/>
+          <p:cNvSpPr txBox="1">
+            <a:spLocks noGrp="1"/>
+          </p:cNvSpPr>
           <p:nvPr>
             <p:ph type="title"/>
           </p:nvPr>
@@ -5156,7 +5317,7 @@
           </a:prstGeom>
         </p:spPr>
         <p:txBody>
-          <a:bodyPr anchorCtr="0" anchor="b" bIns="91425" lIns="91425" spcFirstLastPara="1" rIns="91425" wrap="square" tIns="91425"/>
+          <a:bodyPr spcFirstLastPara="1" wrap="square" lIns="91425" tIns="91425" rIns="91425" bIns="91425" anchor="b" anchorCtr="0"/>
           <a:lstStyle>
             <a:lvl1pPr lvl="0" algn="ctr">
               <a:spcBef>
@@ -5321,15 +5482,19 @@
               </a:defRPr>
             </a:lvl9pPr>
           </a:lstStyle>
-          <a:p/>
+          <a:p>
+            <a:endParaRPr/>
+          </a:p>
         </p:txBody>
       </p:sp>
       <p:sp>
         <p:nvSpPr>
           <p:cNvPr id="43" name="Shape 43"/>
-          <p:cNvSpPr txBox="1"/>
+          <p:cNvSpPr txBox="1">
+            <a:spLocks noGrp="1"/>
+          </p:cNvSpPr>
           <p:nvPr>
-            <p:ph idx="1" type="subTitle"/>
+            <p:ph type="subTitle" idx="1"/>
           </p:nvPr>
         </p:nvSpPr>
         <p:spPr>
@@ -5342,7 +5507,7 @@
           </a:prstGeom>
         </p:spPr>
         <p:txBody>
-          <a:bodyPr anchorCtr="0" anchor="t" bIns="91425" lIns="91425" spcFirstLastPara="1" rIns="91425" wrap="square" tIns="91425"/>
+          <a:bodyPr spcFirstLastPara="1" wrap="square" lIns="91425" tIns="91425" rIns="91425" bIns="91425" anchor="t" anchorCtr="0"/>
           <a:lstStyle>
             <a:lvl1pPr lvl="0" algn="ctr">
               <a:lnSpc>
@@ -5471,15 +5636,19 @@
               <a:defRPr sz="2100"/>
             </a:lvl9pPr>
           </a:lstStyle>
-          <a:p/>
+          <a:p>
+            <a:endParaRPr/>
+          </a:p>
         </p:txBody>
       </p:sp>
       <p:sp>
         <p:nvSpPr>
           <p:cNvPr id="44" name="Shape 44"/>
-          <p:cNvSpPr txBox="1"/>
+          <p:cNvSpPr txBox="1">
+            <a:spLocks noGrp="1"/>
+          </p:cNvSpPr>
           <p:nvPr>
-            <p:ph idx="2" type="body"/>
+            <p:ph type="body" idx="2"/>
           </p:nvPr>
         </p:nvSpPr>
         <p:spPr>
@@ -5492,9 +5661,9 @@
           </a:prstGeom>
         </p:spPr>
         <p:txBody>
-          <a:bodyPr anchorCtr="0" anchor="ctr" bIns="91425" lIns="91425" spcFirstLastPara="1" rIns="91425" wrap="square" tIns="91425"/>
+          <a:bodyPr spcFirstLastPara="1" wrap="square" lIns="91425" tIns="91425" rIns="91425" bIns="91425" anchor="ctr" anchorCtr="0"/>
           <a:lstStyle>
-            <a:lvl1pPr indent="-342900" lvl="0" marL="457200">
+            <a:lvl1pPr marL="457200" lvl="0" indent="-342900">
               <a:spcBef>
                 <a:spcPts val="0"/>
               </a:spcBef>
@@ -5512,7 +5681,7 @@
                 </a:solidFill>
               </a:defRPr>
             </a:lvl1pPr>
-            <a:lvl2pPr indent="-317500" lvl="1" marL="914400">
+            <a:lvl2pPr marL="914400" lvl="1" indent="-317500">
               <a:spcBef>
                 <a:spcPts val="1600"/>
               </a:spcBef>
@@ -5530,7 +5699,7 @@
                 </a:solidFill>
               </a:defRPr>
             </a:lvl2pPr>
-            <a:lvl3pPr indent="-317500" lvl="2" marL="1371600">
+            <a:lvl3pPr marL="1371600" lvl="2" indent="-317500">
               <a:spcBef>
                 <a:spcPts val="1600"/>
               </a:spcBef>
@@ -5548,7 +5717,7 @@
                 </a:solidFill>
               </a:defRPr>
             </a:lvl3pPr>
-            <a:lvl4pPr indent="-317500" lvl="3" marL="1828800">
+            <a:lvl4pPr marL="1828800" lvl="3" indent="-317500">
               <a:spcBef>
                 <a:spcPts val="1600"/>
               </a:spcBef>
@@ -5566,7 +5735,7 @@
                 </a:solidFill>
               </a:defRPr>
             </a:lvl4pPr>
-            <a:lvl5pPr indent="-317500" lvl="4" marL="2286000">
+            <a:lvl5pPr marL="2286000" lvl="4" indent="-317500">
               <a:spcBef>
                 <a:spcPts val="1600"/>
               </a:spcBef>
@@ -5584,7 +5753,7 @@
                 </a:solidFill>
               </a:defRPr>
             </a:lvl5pPr>
-            <a:lvl6pPr indent="-317500" lvl="5" marL="2743200">
+            <a:lvl6pPr marL="2743200" lvl="5" indent="-317500">
               <a:spcBef>
                 <a:spcPts val="1600"/>
               </a:spcBef>
@@ -5602,7 +5771,7 @@
                 </a:solidFill>
               </a:defRPr>
             </a:lvl6pPr>
-            <a:lvl7pPr indent="-317500" lvl="6" marL="3200400">
+            <a:lvl7pPr marL="3200400" lvl="6" indent="-317500">
               <a:spcBef>
                 <a:spcPts val="1600"/>
               </a:spcBef>
@@ -5620,7 +5789,7 @@
                 </a:solidFill>
               </a:defRPr>
             </a:lvl7pPr>
-            <a:lvl8pPr indent="-317500" lvl="7" marL="3657600">
+            <a:lvl8pPr marL="3657600" lvl="7" indent="-317500">
               <a:spcBef>
                 <a:spcPts val="1600"/>
               </a:spcBef>
@@ -5638,7 +5807,7 @@
                 </a:solidFill>
               </a:defRPr>
             </a:lvl8pPr>
-            <a:lvl9pPr indent="-317500" lvl="8" marL="4114800">
+            <a:lvl9pPr marL="4114800" lvl="8" indent="-317500">
               <a:spcBef>
                 <a:spcPts val="1600"/>
               </a:spcBef>
@@ -5657,15 +5826,19 @@
               </a:defRPr>
             </a:lvl9pPr>
           </a:lstStyle>
-          <a:p/>
+          <a:p>
+            <a:endParaRPr/>
+          </a:p>
         </p:txBody>
       </p:sp>
       <p:sp>
         <p:nvSpPr>
           <p:cNvPr id="45" name="Shape 45"/>
-          <p:cNvSpPr txBox="1"/>
+          <p:cNvSpPr txBox="1">
+            <a:spLocks noGrp="1"/>
+          </p:cNvSpPr>
           <p:nvPr>
-            <p:ph idx="12" type="sldNum"/>
+            <p:ph type="sldNum" idx="12"/>
           </p:nvPr>
         </p:nvSpPr>
         <p:spPr>
@@ -5678,7 +5851,7 @@
           </a:prstGeom>
         </p:spPr>
         <p:txBody>
-          <a:bodyPr anchorCtr="0" anchor="ctr" bIns="91425" lIns="91425" spcFirstLastPara="1" rIns="91425" wrap="square" tIns="91425">
+          <a:bodyPr spcFirstLastPara="1" wrap="square" lIns="91425" tIns="91425" rIns="91425" bIns="91425" anchor="ctr" anchorCtr="0">
             <a:noAutofit/>
           </a:bodyPr>
           <a:lstStyle>
@@ -5756,7 +5929,7 @@
             </a:lvl9pPr>
           </a:lstStyle>
           <a:p>
-            <a:pPr indent="0" lvl="0" marL="0">
+            <a:pPr marL="0" lvl="0" indent="0">
               <a:spcBef>
                 <a:spcPts val="0"/>
               </a:spcBef>
@@ -5782,11 +5955,11 @@
 </file>
 
 <file path=ppt/slideLayouts/slideLayout9.xml><?xml version="1.0" encoding="utf-8"?>
-<p:sldLayout xmlns:a="http://schemas.openxmlformats.org/drawingml/2006/main" xmlns:r="http://schemas.openxmlformats.org/officeDocument/2006/relationships" xmlns:mc="http://schemas.openxmlformats.org/markup-compatibility/2006" xmlns:mv="urn:schemas-microsoft-com:mac:vml" xmlns:p="http://schemas.openxmlformats.org/presentationml/2006/main" xmlns:c="http://schemas.openxmlformats.org/drawingml/2006/chart" xmlns:dgm="http://schemas.openxmlformats.org/drawingml/2006/diagram" xmlns:o="urn:schemas-microsoft-com:office:office" xmlns:v="urn:schemas-microsoft-com:vml" xmlns:pvml="urn:schemas-microsoft-com:office:powerpoint" xmlns:com="http://schemas.openxmlformats.org/drawingml/2006/compatibility" xmlns:p14="http://schemas.microsoft.com/office/powerpoint/2010/main" xmlns:p15="http://schemas.microsoft.com/office/powerpoint/2012/main" matchingName="Caption">
+<p:sldLayout xmlns:a="http://schemas.openxmlformats.org/drawingml/2006/main" xmlns:r="http://schemas.openxmlformats.org/officeDocument/2006/relationships" xmlns:p="http://schemas.openxmlformats.org/presentationml/2006/main" matchingName="Caption">
   <p:cSld name="CAPTION_ONLY">
     <p:spTree>
       <p:nvGrpSpPr>
-        <p:cNvPr id="46" name="Shape 46"/>
+        <p:cNvPr id="1" name="Shape 46"/>
         <p:cNvGrpSpPr/>
         <p:nvPr/>
       </p:nvGrpSpPr>
@@ -5801,9 +5974,11 @@
       <p:sp>
         <p:nvSpPr>
           <p:cNvPr id="47" name="Shape 47"/>
-          <p:cNvSpPr txBox="1"/>
+          <p:cNvSpPr txBox="1">
+            <a:spLocks noGrp="1"/>
+          </p:cNvSpPr>
           <p:nvPr>
-            <p:ph idx="1" type="body"/>
+            <p:ph type="body" idx="1"/>
           </p:nvPr>
         </p:nvSpPr>
         <p:spPr>
@@ -5816,9 +5991,9 @@
           </a:prstGeom>
         </p:spPr>
         <p:txBody>
-          <a:bodyPr anchorCtr="0" anchor="ctr" bIns="91425" lIns="91425" spcFirstLastPara="1" rIns="91425" wrap="square" tIns="91425"/>
+          <a:bodyPr spcFirstLastPara="1" wrap="square" lIns="91425" tIns="91425" rIns="91425" bIns="91425" anchor="ctr" anchorCtr="0"/>
           <a:lstStyle>
-            <a:lvl1pPr indent="-228600" lvl="0" marL="457200">
+            <a:lvl1pPr marL="457200" lvl="0" indent="-228600">
               <a:lnSpc>
                 <a:spcPct val="100000"/>
               </a:lnSpc>
@@ -5833,15 +6008,19 @@
               <a:defRPr/>
             </a:lvl1pPr>
           </a:lstStyle>
-          <a:p/>
+          <a:p>
+            <a:endParaRPr/>
+          </a:p>
         </p:txBody>
       </p:sp>
       <p:sp>
         <p:nvSpPr>
           <p:cNvPr id="48" name="Shape 48"/>
-          <p:cNvSpPr txBox="1"/>
+          <p:cNvSpPr txBox="1">
+            <a:spLocks noGrp="1"/>
+          </p:cNvSpPr>
           <p:nvPr>
-            <p:ph idx="12" type="sldNum"/>
+            <p:ph type="sldNum" idx="12"/>
           </p:nvPr>
         </p:nvSpPr>
         <p:spPr>
@@ -5854,7 +6033,7 @@
           </a:prstGeom>
         </p:spPr>
         <p:txBody>
-          <a:bodyPr anchorCtr="0" anchor="ctr" bIns="91425" lIns="91425" spcFirstLastPara="1" rIns="91425" wrap="square" tIns="91425">
+          <a:bodyPr spcFirstLastPara="1" wrap="square" lIns="91425" tIns="91425" rIns="91425" bIns="91425" anchor="ctr" anchorCtr="0">
             <a:noAutofit/>
           </a:bodyPr>
           <a:lstStyle>
@@ -5896,7 +6075,7 @@
             </a:lvl9pPr>
           </a:lstStyle>
           <a:p>
-            <a:pPr indent="0" lvl="0" marL="0">
+            <a:pPr marL="0" lvl="0" indent="0">
               <a:spcBef>
                 <a:spcPts val="0"/>
               </a:spcBef>
@@ -5922,18 +6101,19 @@
 </file>
 
 <file path=ppt/slideMasters/slideMaster1.xml><?xml version="1.0" encoding="utf-8"?>
-<p:sldMaster xmlns:a="http://schemas.openxmlformats.org/drawingml/2006/main" xmlns:r="http://schemas.openxmlformats.org/officeDocument/2006/relationships" xmlns:mc="http://schemas.openxmlformats.org/markup-compatibility/2006" xmlns:mv="urn:schemas-microsoft-com:mac:vml" xmlns:p="http://schemas.openxmlformats.org/presentationml/2006/main" xmlns:c="http://schemas.openxmlformats.org/drawingml/2006/chart" xmlns:dgm="http://schemas.openxmlformats.org/drawingml/2006/diagram" xmlns:o="urn:schemas-microsoft-com:office:office" xmlns:v="urn:schemas-microsoft-com:vml" xmlns:pvml="urn:schemas-microsoft-com:office:powerpoint" xmlns:com="http://schemas.openxmlformats.org/drawingml/2006/compatibility" xmlns:p14="http://schemas.microsoft.com/office/powerpoint/2010/main" xmlns:p15="http://schemas.microsoft.com/office/powerpoint/2012/main">
+<p:sldMaster xmlns:a="http://schemas.openxmlformats.org/drawingml/2006/main" xmlns:r="http://schemas.openxmlformats.org/officeDocument/2006/relationships" xmlns:p="http://schemas.openxmlformats.org/presentationml/2006/main">
   <p:cSld name="paperback">
     <p:bg>
       <p:bgPr>
         <a:solidFill>
           <a:schemeClr val="accent1"/>
         </a:solidFill>
+        <a:effectLst/>
       </p:bgPr>
     </p:bg>
     <p:spTree>
       <p:nvGrpSpPr>
-        <p:cNvPr id="5" name="Shape 5"/>
+        <p:cNvPr id="1" name="Shape 5"/>
         <p:cNvGrpSpPr/>
         <p:nvPr/>
       </p:nvGrpSpPr>
@@ -5948,7 +6128,9 @@
       <p:sp>
         <p:nvSpPr>
           <p:cNvPr id="6" name="Shape 6"/>
-          <p:cNvSpPr txBox="1"/>
+          <p:cNvSpPr txBox="1">
+            <a:spLocks noGrp="1"/>
+          </p:cNvSpPr>
           <p:nvPr>
             <p:ph type="title"/>
           </p:nvPr>
@@ -5967,7 +6149,7 @@
           </a:ln>
         </p:spPr>
         <p:txBody>
-          <a:bodyPr anchorCtr="0" anchor="t" bIns="91425" lIns="91425" spcFirstLastPara="1" rIns="91425" wrap="square" tIns="91425"/>
+          <a:bodyPr spcFirstLastPara="1" wrap="square" lIns="91425" tIns="91425" rIns="91425" bIns="91425" anchor="t" anchorCtr="0"/>
           <a:lstStyle>
             <a:lvl1pPr lvl="0">
               <a:spcBef>
@@ -6177,15 +6359,19 @@
               </a:defRPr>
             </a:lvl9pPr>
           </a:lstStyle>
-          <a:p/>
+          <a:p>
+            <a:endParaRPr/>
+          </a:p>
         </p:txBody>
       </p:sp>
       <p:sp>
         <p:nvSpPr>
           <p:cNvPr id="7" name="Shape 7"/>
-          <p:cNvSpPr txBox="1"/>
+          <p:cNvSpPr txBox="1">
+            <a:spLocks noGrp="1"/>
+          </p:cNvSpPr>
           <p:nvPr>
-            <p:ph idx="1" type="body"/>
+            <p:ph type="body" idx="1"/>
           </p:nvPr>
         </p:nvSpPr>
         <p:spPr>
@@ -6202,9 +6388,9 @@
           </a:ln>
         </p:spPr>
         <p:txBody>
-          <a:bodyPr anchorCtr="0" anchor="t" bIns="91425" lIns="91425" spcFirstLastPara="1" rIns="91425" wrap="square" tIns="91425"/>
+          <a:bodyPr spcFirstLastPara="1" wrap="square" lIns="91425" tIns="91425" rIns="91425" bIns="91425" anchor="t" anchorCtr="0"/>
           <a:lstStyle>
-            <a:lvl1pPr indent="-342900" lvl="0" marL="457200">
+            <a:lvl1pPr marL="457200" lvl="0" indent="-342900">
               <a:lnSpc>
                 <a:spcPct val="115000"/>
               </a:lnSpc>
@@ -6230,7 +6416,7 @@
                 <a:sym typeface="Old Standard TT"/>
               </a:defRPr>
             </a:lvl1pPr>
-            <a:lvl2pPr indent="-317500" lvl="1" marL="914400">
+            <a:lvl2pPr marL="914400" lvl="1" indent="-317500">
               <a:lnSpc>
                 <a:spcPct val="115000"/>
               </a:lnSpc>
@@ -6256,7 +6442,7 @@
                 <a:sym typeface="Old Standard TT"/>
               </a:defRPr>
             </a:lvl2pPr>
-            <a:lvl3pPr indent="-317500" lvl="2" marL="1371600">
+            <a:lvl3pPr marL="1371600" lvl="2" indent="-317500">
               <a:lnSpc>
                 <a:spcPct val="115000"/>
               </a:lnSpc>
@@ -6282,7 +6468,7 @@
                 <a:sym typeface="Old Standard TT"/>
               </a:defRPr>
             </a:lvl3pPr>
-            <a:lvl4pPr indent="-317500" lvl="3" marL="1828800">
+            <a:lvl4pPr marL="1828800" lvl="3" indent="-317500">
               <a:lnSpc>
                 <a:spcPct val="115000"/>
               </a:lnSpc>
@@ -6308,7 +6494,7 @@
                 <a:sym typeface="Old Standard TT"/>
               </a:defRPr>
             </a:lvl4pPr>
-            <a:lvl5pPr indent="-317500" lvl="4" marL="2286000">
+            <a:lvl5pPr marL="2286000" lvl="4" indent="-317500">
               <a:lnSpc>
                 <a:spcPct val="115000"/>
               </a:lnSpc>
@@ -6334,7 +6520,7 @@
                 <a:sym typeface="Old Standard TT"/>
               </a:defRPr>
             </a:lvl5pPr>
-            <a:lvl6pPr indent="-317500" lvl="5" marL="2743200">
+            <a:lvl6pPr marL="2743200" lvl="5" indent="-317500">
               <a:lnSpc>
                 <a:spcPct val="115000"/>
               </a:lnSpc>
@@ -6360,7 +6546,7 @@
                 <a:sym typeface="Old Standard TT"/>
               </a:defRPr>
             </a:lvl6pPr>
-            <a:lvl7pPr indent="-317500" lvl="6" marL="3200400">
+            <a:lvl7pPr marL="3200400" lvl="6" indent="-317500">
               <a:lnSpc>
                 <a:spcPct val="115000"/>
               </a:lnSpc>
@@ -6386,7 +6572,7 @@
                 <a:sym typeface="Old Standard TT"/>
               </a:defRPr>
             </a:lvl7pPr>
-            <a:lvl8pPr indent="-317500" lvl="7" marL="3657600">
+            <a:lvl8pPr marL="3657600" lvl="7" indent="-317500">
               <a:lnSpc>
                 <a:spcPct val="115000"/>
               </a:lnSpc>
@@ -6412,7 +6598,7 @@
                 <a:sym typeface="Old Standard TT"/>
               </a:defRPr>
             </a:lvl8pPr>
-            <a:lvl9pPr indent="-317500" lvl="8" marL="4114800">
+            <a:lvl9pPr marL="4114800" lvl="8" indent="-317500">
               <a:lnSpc>
                 <a:spcPct val="115000"/>
               </a:lnSpc>
@@ -6439,15 +6625,19 @@
               </a:defRPr>
             </a:lvl9pPr>
           </a:lstStyle>
-          <a:p/>
+          <a:p>
+            <a:endParaRPr/>
+          </a:p>
         </p:txBody>
       </p:sp>
       <p:sp>
         <p:nvSpPr>
           <p:cNvPr id="8" name="Shape 8"/>
-          <p:cNvSpPr txBox="1"/>
+          <p:cNvSpPr txBox="1">
+            <a:spLocks noGrp="1"/>
+          </p:cNvSpPr>
           <p:nvPr>
-            <p:ph idx="12" type="sldNum"/>
+            <p:ph type="sldNum" idx="12"/>
           </p:nvPr>
         </p:nvSpPr>
         <p:spPr>
@@ -6464,7 +6654,7 @@
           </a:ln>
         </p:spPr>
         <p:txBody>
-          <a:bodyPr anchorCtr="0" anchor="ctr" bIns="91425" lIns="91425" spcFirstLastPara="1" rIns="91425" wrap="square" tIns="91425">
+          <a:bodyPr spcFirstLastPara="1" wrap="square" lIns="91425" tIns="91425" rIns="91425" bIns="91425" anchor="ctr" anchorCtr="0">
             <a:noAutofit/>
           </a:bodyPr>
           <a:lstStyle>
@@ -6578,7 +6768,7 @@
             </a:lvl9pPr>
           </a:lstStyle>
           <a:p>
-            <a:pPr indent="0" lvl="0" marL="0">
+            <a:pPr marL="0" lvl="0" indent="0">
               <a:spcBef>
                 <a:spcPts val="0"/>
               </a:spcBef>
@@ -6597,7 +6787,7 @@
       </p:sp>
     </p:spTree>
   </p:cSld>
-  <p:clrMap accent1="accent1" accent2="accent2" accent3="accent3" accent4="accent4" accent5="accent5" accent6="accent6" bg1="lt1" bg2="dk2" tx1="dk1" tx2="lt2" folHlink="folHlink" hlink="hlink"/>
+  <p:clrMap bg1="lt1" tx1="dk1" bg2="dk2" tx2="lt2" accent1="accent1" accent2="accent2" accent3="accent3" accent4="accent4" accent5="accent5" accent6="accent6" hlink="hlink" folHlink="folHlink"/>
   <p:sldLayoutIdLst>
     <p:sldLayoutId id="2147483648" r:id="rId1"/>
     <p:sldLayoutId id="2147483649" r:id="rId2"/>
@@ -6611,10 +6801,10 @@
     <p:sldLayoutId id="2147483657" r:id="rId10"/>
     <p:sldLayoutId id="2147483658" r:id="rId11"/>
   </p:sldLayoutIdLst>
-  <p:hf dt="0" ftr="0" hdr="0" sldNum="0"/>
+  <p:hf sldNum="0" hdr="0" ftr="0" dt="0"/>
   <p:txStyles>
     <p:titleStyle>
-      <a:defPPr lvl="0" marR="0" rtl="0" algn="l">
+      <a:defPPr marR="0" lvl="0" algn="l" rtl="0">
         <a:lnSpc>
           <a:spcPct val="100000"/>
         </a:lnSpc>
@@ -6625,7 +6815,7 @@
           <a:spcPts val="0"/>
         </a:spcAft>
       </a:defPPr>
-      <a:lvl1pPr lvl="0" marR="0" rtl="0" algn="l">
+      <a:lvl1pPr marR="0" lvl="0" algn="l" rtl="0">
         <a:lnSpc>
           <a:spcPct val="100000"/>
         </a:lnSpc>
@@ -6639,7 +6829,7 @@
           <a:srgbClr val="000000"/>
         </a:buClr>
         <a:buFont typeface="Arial"/>
-        <a:defRPr b="0" i="0" sz="1400" u="none" cap="none" strike="noStrike">
+        <a:defRPr sz="1400" b="0" i="0" u="none" strike="noStrike" cap="none">
           <a:solidFill>
             <a:srgbClr val="000000"/>
           </a:solidFill>
@@ -6649,7 +6839,7 @@
           <a:sym typeface="Arial"/>
         </a:defRPr>
       </a:lvl1pPr>
-      <a:lvl2pPr lvl="1" marR="0" rtl="0" algn="l">
+      <a:lvl2pPr marR="0" lvl="1" algn="l" rtl="0">
         <a:lnSpc>
           <a:spcPct val="100000"/>
         </a:lnSpc>
@@ -6663,7 +6853,7 @@
           <a:srgbClr val="000000"/>
         </a:buClr>
         <a:buFont typeface="Arial"/>
-        <a:defRPr b="0" i="0" sz="1400" u="none" cap="none" strike="noStrike">
+        <a:defRPr sz="1400" b="0" i="0" u="none" strike="noStrike" cap="none">
           <a:solidFill>
             <a:srgbClr val="000000"/>
           </a:solidFill>
@@ -6673,7 +6863,7 @@
           <a:sym typeface="Arial"/>
         </a:defRPr>
       </a:lvl2pPr>
-      <a:lvl3pPr lvl="2" marR="0" rtl="0" algn="l">
+      <a:lvl3pPr marR="0" lvl="2" algn="l" rtl="0">
         <a:lnSpc>
           <a:spcPct val="100000"/>
         </a:lnSpc>
@@ -6687,7 +6877,7 @@
           <a:srgbClr val="000000"/>
         </a:buClr>
         <a:buFont typeface="Arial"/>
-        <a:defRPr b="0" i="0" sz="1400" u="none" cap="none" strike="noStrike">
+        <a:defRPr sz="1400" b="0" i="0" u="none" strike="noStrike" cap="none">
           <a:solidFill>
             <a:srgbClr val="000000"/>
           </a:solidFill>
@@ -6697,7 +6887,7 @@
           <a:sym typeface="Arial"/>
         </a:defRPr>
       </a:lvl3pPr>
-      <a:lvl4pPr lvl="3" marR="0" rtl="0" algn="l">
+      <a:lvl4pPr marR="0" lvl="3" algn="l" rtl="0">
         <a:lnSpc>
           <a:spcPct val="100000"/>
         </a:lnSpc>
@@ -6711,7 +6901,7 @@
           <a:srgbClr val="000000"/>
         </a:buClr>
         <a:buFont typeface="Arial"/>
-        <a:defRPr b="0" i="0" sz="1400" u="none" cap="none" strike="noStrike">
+        <a:defRPr sz="1400" b="0" i="0" u="none" strike="noStrike" cap="none">
           <a:solidFill>
             <a:srgbClr val="000000"/>
           </a:solidFill>
@@ -6721,7 +6911,7 @@
           <a:sym typeface="Arial"/>
         </a:defRPr>
       </a:lvl4pPr>
-      <a:lvl5pPr lvl="4" marR="0" rtl="0" algn="l">
+      <a:lvl5pPr marR="0" lvl="4" algn="l" rtl="0">
         <a:lnSpc>
           <a:spcPct val="100000"/>
         </a:lnSpc>
@@ -6735,7 +6925,7 @@
           <a:srgbClr val="000000"/>
         </a:buClr>
         <a:buFont typeface="Arial"/>
-        <a:defRPr b="0" i="0" sz="1400" u="none" cap="none" strike="noStrike">
+        <a:defRPr sz="1400" b="0" i="0" u="none" strike="noStrike" cap="none">
           <a:solidFill>
             <a:srgbClr val="000000"/>
           </a:solidFill>
@@ -6745,7 +6935,7 @@
           <a:sym typeface="Arial"/>
         </a:defRPr>
       </a:lvl5pPr>
-      <a:lvl6pPr lvl="5" marR="0" rtl="0" algn="l">
+      <a:lvl6pPr marR="0" lvl="5" algn="l" rtl="0">
         <a:lnSpc>
           <a:spcPct val="100000"/>
         </a:lnSpc>
@@ -6759,7 +6949,7 @@
           <a:srgbClr val="000000"/>
         </a:buClr>
         <a:buFont typeface="Arial"/>
-        <a:defRPr b="0" i="0" sz="1400" u="none" cap="none" strike="noStrike">
+        <a:defRPr sz="1400" b="0" i="0" u="none" strike="noStrike" cap="none">
           <a:solidFill>
             <a:srgbClr val="000000"/>
           </a:solidFill>
@@ -6769,7 +6959,7 @@
           <a:sym typeface="Arial"/>
         </a:defRPr>
       </a:lvl6pPr>
-      <a:lvl7pPr lvl="6" marR="0" rtl="0" algn="l">
+      <a:lvl7pPr marR="0" lvl="6" algn="l" rtl="0">
         <a:lnSpc>
           <a:spcPct val="100000"/>
         </a:lnSpc>
@@ -6783,7 +6973,7 @@
           <a:srgbClr val="000000"/>
         </a:buClr>
         <a:buFont typeface="Arial"/>
-        <a:defRPr b="0" i="0" sz="1400" u="none" cap="none" strike="noStrike">
+        <a:defRPr sz="1400" b="0" i="0" u="none" strike="noStrike" cap="none">
           <a:solidFill>
             <a:srgbClr val="000000"/>
           </a:solidFill>
@@ -6793,7 +6983,7 @@
           <a:sym typeface="Arial"/>
         </a:defRPr>
       </a:lvl7pPr>
-      <a:lvl8pPr lvl="7" marR="0" rtl="0" algn="l">
+      <a:lvl8pPr marR="0" lvl="7" algn="l" rtl="0">
         <a:lnSpc>
           <a:spcPct val="100000"/>
         </a:lnSpc>
@@ -6807,7 +6997,7 @@
           <a:srgbClr val="000000"/>
         </a:buClr>
         <a:buFont typeface="Arial"/>
-        <a:defRPr b="0" i="0" sz="1400" u="none" cap="none" strike="noStrike">
+        <a:defRPr sz="1400" b="0" i="0" u="none" strike="noStrike" cap="none">
           <a:solidFill>
             <a:srgbClr val="000000"/>
           </a:solidFill>
@@ -6817,7 +7007,7 @@
           <a:sym typeface="Arial"/>
         </a:defRPr>
       </a:lvl8pPr>
-      <a:lvl9pPr lvl="8" marR="0" rtl="0" algn="l">
+      <a:lvl9pPr marR="0" lvl="8" algn="l" rtl="0">
         <a:lnSpc>
           <a:spcPct val="100000"/>
         </a:lnSpc>
@@ -6831,7 +7021,7 @@
           <a:srgbClr val="000000"/>
         </a:buClr>
         <a:buFont typeface="Arial"/>
-        <a:defRPr b="0" i="0" sz="1400" u="none" cap="none" strike="noStrike">
+        <a:defRPr sz="1400" b="0" i="0" u="none" strike="noStrike" cap="none">
           <a:solidFill>
             <a:srgbClr val="000000"/>
           </a:solidFill>
@@ -6843,7 +7033,7 @@
       </a:lvl9pPr>
     </p:titleStyle>
     <p:bodyStyle>
-      <a:defPPr lvl="0" marR="0" rtl="0" algn="l">
+      <a:defPPr marR="0" lvl="0" algn="l" rtl="0">
         <a:lnSpc>
           <a:spcPct val="100000"/>
         </a:lnSpc>
@@ -6854,7 +7044,7 @@
           <a:spcPts val="0"/>
         </a:spcAft>
       </a:defPPr>
-      <a:lvl1pPr lvl="0" marR="0" rtl="0" algn="l">
+      <a:lvl1pPr marR="0" lvl="0" algn="l" rtl="0">
         <a:lnSpc>
           <a:spcPct val="100000"/>
         </a:lnSpc>
@@ -6868,7 +7058,7 @@
           <a:srgbClr val="000000"/>
         </a:buClr>
         <a:buFont typeface="Arial"/>
-        <a:defRPr b="0" i="0" sz="1400" u="none" cap="none" strike="noStrike">
+        <a:defRPr sz="1400" b="0" i="0" u="none" strike="noStrike" cap="none">
           <a:solidFill>
             <a:srgbClr val="000000"/>
           </a:solidFill>
@@ -6878,7 +7068,7 @@
           <a:sym typeface="Arial"/>
         </a:defRPr>
       </a:lvl1pPr>
-      <a:lvl2pPr lvl="1" marR="0" rtl="0" algn="l">
+      <a:lvl2pPr marR="0" lvl="1" algn="l" rtl="0">
         <a:lnSpc>
           <a:spcPct val="100000"/>
         </a:lnSpc>
@@ -6892,7 +7082,7 @@
           <a:srgbClr val="000000"/>
         </a:buClr>
         <a:buFont typeface="Arial"/>
-        <a:defRPr b="0" i="0" sz="1400" u="none" cap="none" strike="noStrike">
+        <a:defRPr sz="1400" b="0" i="0" u="none" strike="noStrike" cap="none">
           <a:solidFill>
             <a:srgbClr val="000000"/>
           </a:solidFill>
@@ -6902,7 +7092,7 @@
           <a:sym typeface="Arial"/>
         </a:defRPr>
       </a:lvl2pPr>
-      <a:lvl3pPr lvl="2" marR="0" rtl="0" algn="l">
+      <a:lvl3pPr marR="0" lvl="2" algn="l" rtl="0">
         <a:lnSpc>
           <a:spcPct val="100000"/>
         </a:lnSpc>
@@ -6916,7 +7106,7 @@
           <a:srgbClr val="000000"/>
         </a:buClr>
         <a:buFont typeface="Arial"/>
-        <a:defRPr b="0" i="0" sz="1400" u="none" cap="none" strike="noStrike">
+        <a:defRPr sz="1400" b="0" i="0" u="none" strike="noStrike" cap="none">
           <a:solidFill>
             <a:srgbClr val="000000"/>
           </a:solidFill>
@@ -6926,7 +7116,7 @@
           <a:sym typeface="Arial"/>
         </a:defRPr>
       </a:lvl3pPr>
-      <a:lvl4pPr lvl="3" marR="0" rtl="0" algn="l">
+      <a:lvl4pPr marR="0" lvl="3" algn="l" rtl="0">
         <a:lnSpc>
           <a:spcPct val="100000"/>
         </a:lnSpc>
@@ -6940,7 +7130,7 @@
           <a:srgbClr val="000000"/>
         </a:buClr>
         <a:buFont typeface="Arial"/>
-        <a:defRPr b="0" i="0" sz="1400" u="none" cap="none" strike="noStrike">
+        <a:defRPr sz="1400" b="0" i="0" u="none" strike="noStrike" cap="none">
           <a:solidFill>
             <a:srgbClr val="000000"/>
           </a:solidFill>
@@ -6950,7 +7140,7 @@
           <a:sym typeface="Arial"/>
         </a:defRPr>
       </a:lvl4pPr>
-      <a:lvl5pPr lvl="4" marR="0" rtl="0" algn="l">
+      <a:lvl5pPr marR="0" lvl="4" algn="l" rtl="0">
         <a:lnSpc>
           <a:spcPct val="100000"/>
         </a:lnSpc>
@@ -6964,7 +7154,7 @@
           <a:srgbClr val="000000"/>
         </a:buClr>
         <a:buFont typeface="Arial"/>
-        <a:defRPr b="0" i="0" sz="1400" u="none" cap="none" strike="noStrike">
+        <a:defRPr sz="1400" b="0" i="0" u="none" strike="noStrike" cap="none">
           <a:solidFill>
             <a:srgbClr val="000000"/>
           </a:solidFill>
@@ -6974,7 +7164,7 @@
           <a:sym typeface="Arial"/>
         </a:defRPr>
       </a:lvl5pPr>
-      <a:lvl6pPr lvl="5" marR="0" rtl="0" algn="l">
+      <a:lvl6pPr marR="0" lvl="5" algn="l" rtl="0">
         <a:lnSpc>
           <a:spcPct val="100000"/>
         </a:lnSpc>
@@ -6988,7 +7178,7 @@
           <a:srgbClr val="000000"/>
         </a:buClr>
         <a:buFont typeface="Arial"/>
-        <a:defRPr b="0" i="0" sz="1400" u="none" cap="none" strike="noStrike">
+        <a:defRPr sz="1400" b="0" i="0" u="none" strike="noStrike" cap="none">
           <a:solidFill>
             <a:srgbClr val="000000"/>
           </a:solidFill>
@@ -6998,7 +7188,7 @@
           <a:sym typeface="Arial"/>
         </a:defRPr>
       </a:lvl6pPr>
-      <a:lvl7pPr lvl="6" marR="0" rtl="0" algn="l">
+      <a:lvl7pPr marR="0" lvl="6" algn="l" rtl="0">
         <a:lnSpc>
           <a:spcPct val="100000"/>
         </a:lnSpc>
@@ -7012,7 +7202,7 @@
           <a:srgbClr val="000000"/>
         </a:buClr>
         <a:buFont typeface="Arial"/>
-        <a:defRPr b="0" i="0" sz="1400" u="none" cap="none" strike="noStrike">
+        <a:defRPr sz="1400" b="0" i="0" u="none" strike="noStrike" cap="none">
           <a:solidFill>
             <a:srgbClr val="000000"/>
           </a:solidFill>
@@ -7022,7 +7212,7 @@
           <a:sym typeface="Arial"/>
         </a:defRPr>
       </a:lvl7pPr>
-      <a:lvl8pPr lvl="7" marR="0" rtl="0" algn="l">
+      <a:lvl8pPr marR="0" lvl="7" algn="l" rtl="0">
         <a:lnSpc>
           <a:spcPct val="100000"/>
         </a:lnSpc>
@@ -7036,7 +7226,7 @@
           <a:srgbClr val="000000"/>
         </a:buClr>
         <a:buFont typeface="Arial"/>
-        <a:defRPr b="0" i="0" sz="1400" u="none" cap="none" strike="noStrike">
+        <a:defRPr sz="1400" b="0" i="0" u="none" strike="noStrike" cap="none">
           <a:solidFill>
             <a:srgbClr val="000000"/>
           </a:solidFill>
@@ -7046,7 +7236,7 @@
           <a:sym typeface="Arial"/>
         </a:defRPr>
       </a:lvl8pPr>
-      <a:lvl9pPr lvl="8" marR="0" rtl="0" algn="l">
+      <a:lvl9pPr marR="0" lvl="8" algn="l" rtl="0">
         <a:lnSpc>
           <a:spcPct val="100000"/>
         </a:lnSpc>
@@ -7060,7 +7250,7 @@
           <a:srgbClr val="000000"/>
         </a:buClr>
         <a:buFont typeface="Arial"/>
-        <a:defRPr b="0" i="0" sz="1400" u="none" cap="none" strike="noStrike">
+        <a:defRPr sz="1400" b="0" i="0" u="none" strike="noStrike" cap="none">
           <a:solidFill>
             <a:srgbClr val="000000"/>
           </a:solidFill>
@@ -7072,7 +7262,7 @@
       </a:lvl9pPr>
     </p:bodyStyle>
     <p:otherStyle>
-      <a:defPPr lvl="0" marR="0" rtl="0" algn="l">
+      <a:defPPr marR="0" lvl="0" algn="l" rtl="0">
         <a:lnSpc>
           <a:spcPct val="100000"/>
         </a:lnSpc>
@@ -7083,7 +7273,7 @@
           <a:spcPts val="0"/>
         </a:spcAft>
       </a:defPPr>
-      <a:lvl1pPr lvl="0" marR="0" rtl="0" algn="l">
+      <a:lvl1pPr marR="0" lvl="0" algn="l" rtl="0">
         <a:lnSpc>
           <a:spcPct val="100000"/>
         </a:lnSpc>
@@ -7097,7 +7287,7 @@
           <a:srgbClr val="000000"/>
         </a:buClr>
         <a:buFont typeface="Arial"/>
-        <a:defRPr b="0" i="0" sz="1400" u="none" cap="none" strike="noStrike">
+        <a:defRPr sz="1400" b="0" i="0" u="none" strike="noStrike" cap="none">
           <a:solidFill>
             <a:srgbClr val="000000"/>
           </a:solidFill>
@@ -7107,7 +7297,7 @@
           <a:sym typeface="Arial"/>
         </a:defRPr>
       </a:lvl1pPr>
-      <a:lvl2pPr lvl="1" marR="0" rtl="0" algn="l">
+      <a:lvl2pPr marR="0" lvl="1" algn="l" rtl="0">
         <a:lnSpc>
           <a:spcPct val="100000"/>
         </a:lnSpc>
@@ -7121,7 +7311,7 @@
           <a:srgbClr val="000000"/>
         </a:buClr>
         <a:buFont typeface="Arial"/>
-        <a:defRPr b="0" i="0" sz="1400" u="none" cap="none" strike="noStrike">
+        <a:defRPr sz="1400" b="0" i="0" u="none" strike="noStrike" cap="none">
           <a:solidFill>
             <a:srgbClr val="000000"/>
           </a:solidFill>
@@ -7131,7 +7321,7 @@
           <a:sym typeface="Arial"/>
         </a:defRPr>
       </a:lvl2pPr>
-      <a:lvl3pPr lvl="2" marR="0" rtl="0" algn="l">
+      <a:lvl3pPr marR="0" lvl="2" algn="l" rtl="0">
         <a:lnSpc>
           <a:spcPct val="100000"/>
         </a:lnSpc>
@@ -7145,7 +7335,7 @@
           <a:srgbClr val="000000"/>
         </a:buClr>
         <a:buFont typeface="Arial"/>
-        <a:defRPr b="0" i="0" sz="1400" u="none" cap="none" strike="noStrike">
+        <a:defRPr sz="1400" b="0" i="0" u="none" strike="noStrike" cap="none">
           <a:solidFill>
             <a:srgbClr val="000000"/>
           </a:solidFill>
@@ -7155,7 +7345,7 @@
           <a:sym typeface="Arial"/>
         </a:defRPr>
       </a:lvl3pPr>
-      <a:lvl4pPr lvl="3" marR="0" rtl="0" algn="l">
+      <a:lvl4pPr marR="0" lvl="3" algn="l" rtl="0">
         <a:lnSpc>
           <a:spcPct val="100000"/>
         </a:lnSpc>
@@ -7169,7 +7359,7 @@
           <a:srgbClr val="000000"/>
         </a:buClr>
         <a:buFont typeface="Arial"/>
-        <a:defRPr b="0" i="0" sz="1400" u="none" cap="none" strike="noStrike">
+        <a:defRPr sz="1400" b="0" i="0" u="none" strike="noStrike" cap="none">
           <a:solidFill>
             <a:srgbClr val="000000"/>
           </a:solidFill>
@@ -7179,7 +7369,7 @@
           <a:sym typeface="Arial"/>
         </a:defRPr>
       </a:lvl4pPr>
-      <a:lvl5pPr lvl="4" marR="0" rtl="0" algn="l">
+      <a:lvl5pPr marR="0" lvl="4" algn="l" rtl="0">
         <a:lnSpc>
           <a:spcPct val="100000"/>
         </a:lnSpc>
@@ -7193,7 +7383,7 @@
           <a:srgbClr val="000000"/>
         </a:buClr>
         <a:buFont typeface="Arial"/>
-        <a:defRPr b="0" i="0" sz="1400" u="none" cap="none" strike="noStrike">
+        <a:defRPr sz="1400" b="0" i="0" u="none" strike="noStrike" cap="none">
           <a:solidFill>
             <a:srgbClr val="000000"/>
           </a:solidFill>
@@ -7203,7 +7393,7 @@
           <a:sym typeface="Arial"/>
         </a:defRPr>
       </a:lvl5pPr>
-      <a:lvl6pPr lvl="5" marR="0" rtl="0" algn="l">
+      <a:lvl6pPr marR="0" lvl="5" algn="l" rtl="0">
         <a:lnSpc>
           <a:spcPct val="100000"/>
         </a:lnSpc>
@@ -7217,7 +7407,7 @@
           <a:srgbClr val="000000"/>
         </a:buClr>
         <a:buFont typeface="Arial"/>
-        <a:defRPr b="0" i="0" sz="1400" u="none" cap="none" strike="noStrike">
+        <a:defRPr sz="1400" b="0" i="0" u="none" strike="noStrike" cap="none">
           <a:solidFill>
             <a:srgbClr val="000000"/>
           </a:solidFill>
@@ -7227,7 +7417,7 @@
           <a:sym typeface="Arial"/>
         </a:defRPr>
       </a:lvl6pPr>
-      <a:lvl7pPr lvl="6" marR="0" rtl="0" algn="l">
+      <a:lvl7pPr marR="0" lvl="6" algn="l" rtl="0">
         <a:lnSpc>
           <a:spcPct val="100000"/>
         </a:lnSpc>
@@ -7241,7 +7431,7 @@
           <a:srgbClr val="000000"/>
         </a:buClr>
         <a:buFont typeface="Arial"/>
-        <a:defRPr b="0" i="0" sz="1400" u="none" cap="none" strike="noStrike">
+        <a:defRPr sz="1400" b="0" i="0" u="none" strike="noStrike" cap="none">
           <a:solidFill>
             <a:srgbClr val="000000"/>
           </a:solidFill>
@@ -7251,7 +7441,7 @@
           <a:sym typeface="Arial"/>
         </a:defRPr>
       </a:lvl7pPr>
-      <a:lvl8pPr lvl="7" marR="0" rtl="0" algn="l">
+      <a:lvl8pPr marR="0" lvl="7" algn="l" rtl="0">
         <a:lnSpc>
           <a:spcPct val="100000"/>
         </a:lnSpc>
@@ -7265,7 +7455,7 @@
           <a:srgbClr val="000000"/>
         </a:buClr>
         <a:buFont typeface="Arial"/>
-        <a:defRPr b="0" i="0" sz="1400" u="none" cap="none" strike="noStrike">
+        <a:defRPr sz="1400" b="0" i="0" u="none" strike="noStrike" cap="none">
           <a:solidFill>
             <a:srgbClr val="000000"/>
           </a:solidFill>
@@ -7275,7 +7465,7 @@
           <a:sym typeface="Arial"/>
         </a:defRPr>
       </a:lvl8pPr>
-      <a:lvl9pPr lvl="8" marR="0" rtl="0" algn="l">
+      <a:lvl9pPr marR="0" lvl="8" algn="l" rtl="0">
         <a:lnSpc>
           <a:spcPct val="100000"/>
         </a:lnSpc>
@@ -7289,7 +7479,7 @@
           <a:srgbClr val="000000"/>
         </a:buClr>
         <a:buFont typeface="Arial"/>
-        <a:defRPr b="0" i="0" sz="1400" u="none" cap="none" strike="noStrike">
+        <a:defRPr sz="1400" b="0" i="0" u="none" strike="noStrike" cap="none">
           <a:solidFill>
             <a:srgbClr val="000000"/>
           </a:solidFill>
@@ -7305,11 +7495,11 @@
 </file>
 
 <file path=ppt/slides/slide1.xml><?xml version="1.0" encoding="utf-8"?>
-<p:sld xmlns:a="http://schemas.openxmlformats.org/drawingml/2006/main" xmlns:r="http://schemas.openxmlformats.org/officeDocument/2006/relationships" xmlns:mc="http://schemas.openxmlformats.org/markup-compatibility/2006" xmlns:mv="urn:schemas-microsoft-com:mac:vml" xmlns:p="http://schemas.openxmlformats.org/presentationml/2006/main" xmlns:c="http://schemas.openxmlformats.org/drawingml/2006/chart" xmlns:dgm="http://schemas.openxmlformats.org/drawingml/2006/diagram" xmlns:o="urn:schemas-microsoft-com:office:office" xmlns:v="urn:schemas-microsoft-com:vml" xmlns:pvml="urn:schemas-microsoft-com:office:powerpoint" xmlns:com="http://schemas.openxmlformats.org/drawingml/2006/compatibility" xmlns:p14="http://schemas.microsoft.com/office/powerpoint/2010/main" xmlns:p15="http://schemas.microsoft.com/office/powerpoint/2012/main">
+<p:sld xmlns:a="http://schemas.openxmlformats.org/drawingml/2006/main" xmlns:r="http://schemas.openxmlformats.org/officeDocument/2006/relationships" xmlns:p="http://schemas.openxmlformats.org/presentationml/2006/main">
   <p:cSld>
     <p:spTree>
       <p:nvGrpSpPr>
-        <p:cNvPr id="58" name="Shape 58"/>
+        <p:cNvPr id="1" name="Shape 58"/>
         <p:cNvGrpSpPr/>
         <p:nvPr/>
       </p:nvGrpSpPr>
@@ -7324,7 +7514,9 @@
       <p:sp>
         <p:nvSpPr>
           <p:cNvPr id="59" name="Shape 59"/>
-          <p:cNvSpPr txBox="1"/>
+          <p:cNvSpPr txBox="1">
+            <a:spLocks noGrp="1"/>
+          </p:cNvSpPr>
           <p:nvPr>
             <p:ph type="ctrTitle"/>
           </p:nvPr>
@@ -7339,12 +7531,12 @@
           </a:prstGeom>
         </p:spPr>
         <p:txBody>
-          <a:bodyPr anchorCtr="0" anchor="b" bIns="91425" lIns="91425" spcFirstLastPara="1" rIns="91425" wrap="square" tIns="91425">
+          <a:bodyPr spcFirstLastPara="1" wrap="square" lIns="91425" tIns="91425" rIns="91425" bIns="91425" anchor="b" anchorCtr="0">
             <a:noAutofit/>
           </a:bodyPr>
           <a:lstStyle/>
           <a:p>
-            <a:pPr indent="0" lvl="0" marL="0">
+            <a:pPr marL="0" lvl="0" indent="0">
               <a:spcBef>
                 <a:spcPts val="0"/>
               </a:spcBef>
@@ -7355,11 +7547,7 @@
             </a:pPr>
             <a:r>
               <a:rPr lang="zh-CN"/>
-              <a:t>OCR </a:t>
-            </a:r>
-            <a:r>
-              <a:rPr lang="zh-CN"/>
-              <a:t>on video项目报告</a:t>
+              <a:t>OCR on video项目报告</a:t>
             </a:r>
             <a:endParaRPr/>
           </a:p>
@@ -7368,9 +7556,11 @@
       <p:sp>
         <p:nvSpPr>
           <p:cNvPr id="60" name="Shape 60"/>
-          <p:cNvSpPr txBox="1"/>
+          <p:cNvSpPr txBox="1">
+            <a:spLocks noGrp="1"/>
+          </p:cNvSpPr>
           <p:nvPr>
-            <p:ph idx="1" type="subTitle"/>
+            <p:ph type="subTitle" idx="1"/>
           </p:nvPr>
         </p:nvSpPr>
         <p:spPr>
@@ -7383,12 +7573,12 @@
           </a:prstGeom>
         </p:spPr>
         <p:txBody>
-          <a:bodyPr anchorCtr="0" anchor="t" bIns="91425" lIns="91425" spcFirstLastPara="1" rIns="91425" wrap="square" tIns="91425">
+          <a:bodyPr spcFirstLastPara="1" wrap="square" lIns="91425" tIns="91425" rIns="91425" bIns="91425" anchor="t" anchorCtr="0">
             <a:noAutofit/>
           </a:bodyPr>
           <a:lstStyle/>
           <a:p>
-            <a:pPr indent="0" lvl="0" marL="0">
+            <a:pPr marL="0" lvl="0" indent="0">
               <a:spcBef>
                 <a:spcPts val="0"/>
               </a:spcBef>
@@ -7414,11 +7604,11 @@
 </file>
 
 <file path=ppt/slides/slide10.xml><?xml version="1.0" encoding="utf-8"?>
-<p:sld xmlns:a="http://schemas.openxmlformats.org/drawingml/2006/main" xmlns:r="http://schemas.openxmlformats.org/officeDocument/2006/relationships" xmlns:mc="http://schemas.openxmlformats.org/markup-compatibility/2006" xmlns:mv="urn:schemas-microsoft-com:mac:vml" xmlns:p="http://schemas.openxmlformats.org/presentationml/2006/main" xmlns:c="http://schemas.openxmlformats.org/drawingml/2006/chart" xmlns:dgm="http://schemas.openxmlformats.org/drawingml/2006/diagram" xmlns:o="urn:schemas-microsoft-com:office:office" xmlns:v="urn:schemas-microsoft-com:vml" xmlns:pvml="urn:schemas-microsoft-com:office:powerpoint" xmlns:com="http://schemas.openxmlformats.org/drawingml/2006/compatibility" xmlns:p14="http://schemas.microsoft.com/office/powerpoint/2010/main" xmlns:p15="http://schemas.microsoft.com/office/powerpoint/2012/main">
+<p:sld xmlns:a="http://schemas.openxmlformats.org/drawingml/2006/main" xmlns:r="http://schemas.openxmlformats.org/officeDocument/2006/relationships" xmlns:p="http://schemas.openxmlformats.org/presentationml/2006/main">
   <p:cSld>
     <p:spTree>
       <p:nvGrpSpPr>
-        <p:cNvPr id="117" name="Shape 117"/>
+        <p:cNvPr id="1" name="Shape 117"/>
         <p:cNvGrpSpPr/>
         <p:nvPr/>
       </p:nvGrpSpPr>
@@ -7433,7 +7623,9 @@
       <p:sp>
         <p:nvSpPr>
           <p:cNvPr id="118" name="Shape 118"/>
-          <p:cNvSpPr txBox="1"/>
+          <p:cNvSpPr txBox="1">
+            <a:spLocks noGrp="1"/>
+          </p:cNvSpPr>
           <p:nvPr>
             <p:ph type="title"/>
           </p:nvPr>
@@ -7448,12 +7640,12 @@
           </a:prstGeom>
         </p:spPr>
         <p:txBody>
-          <a:bodyPr anchorCtr="0" anchor="ctr" bIns="91425" lIns="91425" spcFirstLastPara="1" rIns="91425" wrap="square" tIns="91425">
+          <a:bodyPr spcFirstLastPara="1" wrap="square" lIns="91425" tIns="91425" rIns="91425" bIns="91425" anchor="ctr" anchorCtr="0">
             <a:noAutofit/>
           </a:bodyPr>
           <a:lstStyle/>
           <a:p>
-            <a:pPr indent="0" lvl="0" marL="0">
+            <a:pPr marL="0" lvl="0" indent="0">
               <a:spcBef>
                 <a:spcPts val="0"/>
               </a:spcBef>
@@ -7479,11 +7671,11 @@
 </file>
 
 <file path=ppt/slides/slide11.xml><?xml version="1.0" encoding="utf-8"?>
-<p:sld xmlns:a="http://schemas.openxmlformats.org/drawingml/2006/main" xmlns:r="http://schemas.openxmlformats.org/officeDocument/2006/relationships" xmlns:mc="http://schemas.openxmlformats.org/markup-compatibility/2006" xmlns:mv="urn:schemas-microsoft-com:mac:vml" xmlns:p="http://schemas.openxmlformats.org/presentationml/2006/main" xmlns:c="http://schemas.openxmlformats.org/drawingml/2006/chart" xmlns:dgm="http://schemas.openxmlformats.org/drawingml/2006/diagram" xmlns:o="urn:schemas-microsoft-com:office:office" xmlns:v="urn:schemas-microsoft-com:vml" xmlns:pvml="urn:schemas-microsoft-com:office:powerpoint" xmlns:com="http://schemas.openxmlformats.org/drawingml/2006/compatibility" xmlns:p14="http://schemas.microsoft.com/office/powerpoint/2010/main" xmlns:p15="http://schemas.microsoft.com/office/powerpoint/2012/main">
+<p:sld xmlns:a="http://schemas.openxmlformats.org/drawingml/2006/main" xmlns:r="http://schemas.openxmlformats.org/officeDocument/2006/relationships" xmlns:p="http://schemas.openxmlformats.org/presentationml/2006/main">
   <p:cSld>
     <p:spTree>
       <p:nvGrpSpPr>
-        <p:cNvPr id="122" name="Shape 122"/>
+        <p:cNvPr id="1" name="Shape 122"/>
         <p:cNvGrpSpPr/>
         <p:nvPr/>
       </p:nvGrpSpPr>
@@ -7498,7 +7690,9 @@
       <p:sp>
         <p:nvSpPr>
           <p:cNvPr id="123" name="Shape 123"/>
-          <p:cNvSpPr txBox="1"/>
+          <p:cNvSpPr txBox="1">
+            <a:spLocks noGrp="1"/>
+          </p:cNvSpPr>
           <p:nvPr>
             <p:ph type="title"/>
           </p:nvPr>
@@ -7513,12 +7707,12 @@
           </a:prstGeom>
         </p:spPr>
         <p:txBody>
-          <a:bodyPr anchorCtr="0" anchor="t" bIns="91425" lIns="91425" spcFirstLastPara="1" rIns="91425" wrap="square" tIns="91425">
+          <a:bodyPr spcFirstLastPara="1" wrap="square" lIns="91425" tIns="91425" rIns="91425" bIns="91425" anchor="t" anchorCtr="0">
             <a:noAutofit/>
           </a:bodyPr>
           <a:lstStyle/>
           <a:p>
-            <a:pPr indent="-419100" lvl="0" marL="457200" rtl="0">
+            <a:pPr marL="457200" lvl="0" indent="-419100" rtl="0">
               <a:spcBef>
                 <a:spcPts val="0"/>
               </a:spcBef>
@@ -7535,7 +7729,7 @@
             <a:endParaRPr/>
           </a:p>
           <a:p>
-            <a:pPr indent="0" lvl="0" marL="0" rtl="0">
+            <a:pPr marL="0" lvl="0" indent="0" rtl="0">
               <a:spcBef>
                 <a:spcPts val="0"/>
               </a:spcBef>
@@ -7544,13 +7738,10 @@
               </a:spcAft>
               <a:buNone/>
             </a:pPr>
-            <a:r>
-              <a:t/>
-            </a:r>
             <a:endParaRPr/>
           </a:p>
           <a:p>
-            <a:pPr indent="-419100" lvl="0" marL="457200" rtl="0">
+            <a:pPr marL="457200" lvl="0" indent="-419100" rtl="0">
               <a:spcBef>
                 <a:spcPts val="0"/>
               </a:spcBef>
@@ -7567,7 +7758,7 @@
             <a:endParaRPr/>
           </a:p>
           <a:p>
-            <a:pPr indent="0" lvl="0" marL="0" rtl="0">
+            <a:pPr marL="0" lvl="0" indent="0" rtl="0">
               <a:spcBef>
                 <a:spcPts val="0"/>
               </a:spcBef>
@@ -7576,13 +7767,10 @@
               </a:spcAft>
               <a:buNone/>
             </a:pPr>
-            <a:r>
-              <a:t/>
-            </a:r>
             <a:endParaRPr/>
           </a:p>
           <a:p>
-            <a:pPr indent="-419100" lvl="0" marL="457200" rtl="0">
+            <a:pPr marL="457200" lvl="0" indent="-419100" rtl="0">
               <a:spcBef>
                 <a:spcPts val="0"/>
               </a:spcBef>
@@ -7599,7 +7787,7 @@
             <a:endParaRPr/>
           </a:p>
           <a:p>
-            <a:pPr indent="0" lvl="0" marL="0" rtl="0">
+            <a:pPr marL="0" lvl="0" indent="0" rtl="0">
               <a:spcBef>
                 <a:spcPts val="0"/>
               </a:spcBef>
@@ -7608,13 +7796,10 @@
               </a:spcAft>
               <a:buNone/>
             </a:pPr>
-            <a:r>
-              <a:t/>
-            </a:r>
             <a:endParaRPr/>
           </a:p>
           <a:p>
-            <a:pPr indent="-419100" lvl="0" marL="457200" rtl="0">
+            <a:pPr marL="457200" lvl="0" indent="-419100" rtl="0">
               <a:spcBef>
                 <a:spcPts val="0"/>
               </a:spcBef>
@@ -7641,11 +7826,11 @@
 </file>
 
 <file path=ppt/slides/slide12.xml><?xml version="1.0" encoding="utf-8"?>
-<p:sld xmlns:a="http://schemas.openxmlformats.org/drawingml/2006/main" xmlns:r="http://schemas.openxmlformats.org/officeDocument/2006/relationships" xmlns:mc="http://schemas.openxmlformats.org/markup-compatibility/2006" xmlns:mv="urn:schemas-microsoft-com:mac:vml" xmlns:p="http://schemas.openxmlformats.org/presentationml/2006/main" xmlns:c="http://schemas.openxmlformats.org/drawingml/2006/chart" xmlns:dgm="http://schemas.openxmlformats.org/drawingml/2006/diagram" xmlns:o="urn:schemas-microsoft-com:office:office" xmlns:v="urn:schemas-microsoft-com:vml" xmlns:pvml="urn:schemas-microsoft-com:office:powerpoint" xmlns:com="http://schemas.openxmlformats.org/drawingml/2006/compatibility" xmlns:p14="http://schemas.microsoft.com/office/powerpoint/2010/main" xmlns:p15="http://schemas.microsoft.com/office/powerpoint/2012/main">
+<p:sld xmlns:a="http://schemas.openxmlformats.org/drawingml/2006/main" xmlns:r="http://schemas.openxmlformats.org/officeDocument/2006/relationships" xmlns:p="http://schemas.openxmlformats.org/presentationml/2006/main">
   <p:cSld>
     <p:spTree>
       <p:nvGrpSpPr>
-        <p:cNvPr id="127" name="Shape 127"/>
+        <p:cNvPr id="1" name="Shape 127"/>
         <p:cNvGrpSpPr/>
         <p:nvPr/>
       </p:nvGrpSpPr>
@@ -7660,7 +7845,9 @@
       <p:sp>
         <p:nvSpPr>
           <p:cNvPr id="128" name="Shape 128"/>
-          <p:cNvSpPr txBox="1"/>
+          <p:cNvSpPr txBox="1">
+            <a:spLocks noGrp="1"/>
+          </p:cNvSpPr>
           <p:nvPr>
             <p:ph type="title"/>
           </p:nvPr>
@@ -7675,12 +7862,12 @@
           </a:prstGeom>
         </p:spPr>
         <p:txBody>
-          <a:bodyPr anchorCtr="0" anchor="ctr" bIns="91425" lIns="91425" spcFirstLastPara="1" rIns="91425" wrap="square" tIns="91425">
+          <a:bodyPr spcFirstLastPara="1" wrap="square" lIns="91425" tIns="91425" rIns="91425" bIns="91425" anchor="ctr" anchorCtr="0">
             <a:noAutofit/>
           </a:bodyPr>
           <a:lstStyle/>
           <a:p>
-            <a:pPr indent="0" lvl="0" marL="0">
+            <a:pPr marL="0" lvl="0" indent="0">
               <a:spcBef>
                 <a:spcPts val="0"/>
               </a:spcBef>
@@ -7717,12 +7904,12 @@
           </a:ln>
         </p:spPr>
         <p:txBody>
-          <a:bodyPr anchorCtr="0" anchor="t" bIns="91425" lIns="91425" spcFirstLastPara="1" rIns="91425" wrap="square" tIns="91425">
+          <a:bodyPr spcFirstLastPara="1" wrap="square" lIns="91425" tIns="91425" rIns="91425" bIns="91425" anchor="t" anchorCtr="0">
             <a:noAutofit/>
           </a:bodyPr>
           <a:lstStyle/>
           <a:p>
-            <a:pPr indent="0" lvl="0" marL="0">
+            <a:pPr marL="0" lvl="0" indent="0">
               <a:spcBef>
                 <a:spcPts val="0"/>
               </a:spcBef>
@@ -7748,11 +7935,11 @@
 </file>
 
 <file path=ppt/slides/slide2.xml><?xml version="1.0" encoding="utf-8"?>
-<p:sld xmlns:a="http://schemas.openxmlformats.org/drawingml/2006/main" xmlns:r="http://schemas.openxmlformats.org/officeDocument/2006/relationships" xmlns:mc="http://schemas.openxmlformats.org/markup-compatibility/2006" xmlns:mv="urn:schemas-microsoft-com:mac:vml" xmlns:p="http://schemas.openxmlformats.org/presentationml/2006/main" xmlns:c="http://schemas.openxmlformats.org/drawingml/2006/chart" xmlns:dgm="http://schemas.openxmlformats.org/drawingml/2006/diagram" xmlns:o="urn:schemas-microsoft-com:office:office" xmlns:v="urn:schemas-microsoft-com:vml" xmlns:pvml="urn:schemas-microsoft-com:office:powerpoint" xmlns:com="http://schemas.openxmlformats.org/drawingml/2006/compatibility" xmlns:p14="http://schemas.microsoft.com/office/powerpoint/2010/main" xmlns:p15="http://schemas.microsoft.com/office/powerpoint/2012/main">
+<p:sld xmlns:a="http://schemas.openxmlformats.org/drawingml/2006/main" xmlns:r="http://schemas.openxmlformats.org/officeDocument/2006/relationships" xmlns:p="http://schemas.openxmlformats.org/presentationml/2006/main">
   <p:cSld>
     <p:spTree>
       <p:nvGrpSpPr>
-        <p:cNvPr id="64" name="Shape 64"/>
+        <p:cNvPr id="1" name="Shape 64"/>
         <p:cNvGrpSpPr/>
         <p:nvPr/>
       </p:nvGrpSpPr>
@@ -7767,7 +7954,9 @@
       <p:sp>
         <p:nvSpPr>
           <p:cNvPr id="65" name="Shape 65"/>
-          <p:cNvSpPr txBox="1"/>
+          <p:cNvSpPr txBox="1">
+            <a:spLocks noGrp="1"/>
+          </p:cNvSpPr>
           <p:nvPr>
             <p:ph type="title"/>
           </p:nvPr>
@@ -7782,12 +7971,12 @@
           </a:prstGeom>
         </p:spPr>
         <p:txBody>
-          <a:bodyPr anchorCtr="0" anchor="t" bIns="91425" lIns="91425" spcFirstLastPara="1" rIns="91425" wrap="square" tIns="91425">
+          <a:bodyPr spcFirstLastPara="1" wrap="square" lIns="91425" tIns="91425" rIns="91425" bIns="91425" anchor="t" anchorCtr="0">
             <a:noAutofit/>
           </a:bodyPr>
           <a:lstStyle/>
           <a:p>
-            <a:pPr indent="0" lvl="0" marL="0">
+            <a:pPr marL="0" lvl="0" indent="0">
               <a:spcBef>
                 <a:spcPts val="0"/>
               </a:spcBef>
@@ -7797,19 +7986,21 @@
               <a:buNone/>
             </a:pPr>
             <a:r>
-              <a:rPr lang="zh-CN"/>
+              <a:rPr lang="zh-CN" dirty="0"/>
               <a:t>项目背景</a:t>
             </a:r>
-            <a:endParaRPr/>
+            <a:endParaRPr dirty="0"/>
           </a:p>
         </p:txBody>
       </p:sp>
       <p:sp>
         <p:nvSpPr>
           <p:cNvPr id="66" name="Shape 66"/>
-          <p:cNvSpPr txBox="1"/>
+          <p:cNvSpPr txBox="1">
+            <a:spLocks noGrp="1"/>
+          </p:cNvSpPr>
           <p:nvPr>
-            <p:ph idx="1" type="body"/>
+            <p:ph type="body" idx="1"/>
           </p:nvPr>
         </p:nvSpPr>
         <p:spPr>
@@ -7822,12 +8013,36 @@
           </a:prstGeom>
         </p:spPr>
         <p:txBody>
-          <a:bodyPr anchorCtr="0" anchor="t" bIns="91425" lIns="91425" spcFirstLastPara="1" rIns="91425" wrap="square" tIns="91425">
+          <a:bodyPr spcFirstLastPara="1" wrap="square" lIns="91425" tIns="91425" rIns="91425" bIns="91425" anchor="t" anchorCtr="0">
             <a:noAutofit/>
           </a:bodyPr>
           <a:lstStyle/>
           <a:p>
-            <a:pPr indent="0" lvl="0" marL="0" rtl="0">
+            <a:pPr marL="0" lvl="0" indent="0">
+              <a:buSzPts val="1100"/>
+              <a:buNone/>
+            </a:pPr>
+            <a:r>
+              <a:rPr lang="zh-CN" sz="2500" dirty="0">
+                <a:latin typeface="Microsoft Yahei"/>
+                <a:ea typeface="Microsoft Yahei"/>
+                <a:cs typeface="Microsoft Yahei"/>
+                <a:sym typeface="Microsoft Yahei"/>
+              </a:rPr>
+              <a:t>项目导师：</a:t>
+            </a:r>
+            <a:r>
+              <a:rPr lang="en-US" altLang="zh-CN" sz="2500" dirty="0">
+                <a:latin typeface="Microsoft Yahei"/>
+                <a:ea typeface="Microsoft Yahei"/>
+                <a:cs typeface="Microsoft Yahei"/>
+                <a:sym typeface="Microsoft Yahei"/>
+              </a:rPr>
+              <a:t>Alan Ip, Chao Chen</a:t>
+            </a:r>
+          </a:p>
+          <a:p>
+            <a:pPr marL="0" lvl="0" indent="0" rtl="0">
               <a:spcBef>
                 <a:spcPts val="0"/>
               </a:spcBef>
@@ -7842,15 +8057,15 @@
               <a:buNone/>
             </a:pPr>
             <a:r>
-              <a:rPr lang="zh-CN" sz="2500">
+              <a:rPr lang="zh-CN" sz="2500" dirty="0">
                 <a:latin typeface="Microsoft Yahei"/>
                 <a:ea typeface="Microsoft Yahei"/>
                 <a:cs typeface="Microsoft Yahei"/>
                 <a:sym typeface="Microsoft Yahei"/>
               </a:rPr>
-              <a:t>项目导师：Chao Chen, Xiaojing Yan</a:t>
+              <a:t>项目内容：识别图片中的印刷体、非手写文字</a:t>
             </a:r>
-            <a:endParaRPr sz="2500">
+            <a:endParaRPr sz="2500" dirty="0">
               <a:latin typeface="Microsoft Yahei"/>
               <a:ea typeface="Microsoft Yahei"/>
               <a:cs typeface="Microsoft Yahei"/>
@@ -7858,7 +8073,7 @@
             </a:endParaRPr>
           </a:p>
           <a:p>
-            <a:pPr indent="0" lvl="0" marL="0" rtl="0">
+            <a:pPr marL="0" lvl="0" indent="0" rtl="0">
               <a:spcBef>
                 <a:spcPts val="0"/>
               </a:spcBef>
@@ -7873,15 +8088,15 @@
               <a:buNone/>
             </a:pPr>
             <a:r>
-              <a:rPr lang="zh-CN" sz="2500">
+              <a:rPr lang="zh-CN" sz="2500" dirty="0">
                 <a:latin typeface="Microsoft Yahei"/>
                 <a:ea typeface="Microsoft Yahei"/>
                 <a:cs typeface="Microsoft Yahei"/>
                 <a:sym typeface="Microsoft Yahei"/>
               </a:rPr>
-              <a:t>项目内容：识别图片中的非印刷体、非手写文字</a:t>
+              <a:t>项目目标：识别电视新闻、综艺、电视剧集等具体场景中的字幕文本</a:t>
             </a:r>
-            <a:endParaRPr sz="2500">
+            <a:endParaRPr sz="2500" dirty="0">
               <a:latin typeface="Microsoft Yahei"/>
               <a:ea typeface="Microsoft Yahei"/>
               <a:cs typeface="Microsoft Yahei"/>
@@ -7889,7 +8104,7 @@
             </a:endParaRPr>
           </a:p>
           <a:p>
-            <a:pPr indent="0" lvl="0" marL="0" rtl="0">
+            <a:pPr marL="0" lvl="0" indent="0" rtl="0">
               <a:spcBef>
                 <a:spcPts val="0"/>
               </a:spcBef>
@@ -7904,15 +8119,15 @@
               <a:buNone/>
             </a:pPr>
             <a:r>
-              <a:rPr lang="zh-CN" sz="2500">
+              <a:rPr lang="zh-CN" sz="2500" dirty="0">
                 <a:latin typeface="Microsoft Yahei"/>
                 <a:ea typeface="Microsoft Yahei"/>
                 <a:cs typeface="Microsoft Yahei"/>
                 <a:sym typeface="Microsoft Yahei"/>
               </a:rPr>
-              <a:t>项目目标：识别电视新闻、综艺、电视剧集等具体场景中的字幕文本</a:t>
+              <a:t>对学生的价值：针对具体场景调整和优化通用文本识别模型</a:t>
             </a:r>
-            <a:endParaRPr sz="2500">
+            <a:endParaRPr sz="2500" dirty="0">
               <a:latin typeface="Microsoft Yahei"/>
               <a:ea typeface="Microsoft Yahei"/>
               <a:cs typeface="Microsoft Yahei"/>
@@ -7920,50 +8135,16 @@
             </a:endParaRPr>
           </a:p>
           <a:p>
-            <a:pPr indent="0" lvl="0" marL="0" rtl="0">
-              <a:spcBef>
-                <a:spcPts val="0"/>
-              </a:spcBef>
-              <a:spcAft>
-                <a:spcPts val="0"/>
-              </a:spcAft>
-              <a:buClr>
-                <a:schemeClr val="dk1"/>
-              </a:buClr>
-              <a:buSzPts val="1100"/>
-              <a:buFont typeface="Arial"/>
+            <a:pPr marL="0" lvl="0" indent="0">
+              <a:spcBef>
+                <a:spcPts val="0"/>
+              </a:spcBef>
+              <a:spcAft>
+                <a:spcPts val="1600"/>
+              </a:spcAft>
               <a:buNone/>
             </a:pPr>
-            <a:r>
-              <a:rPr lang="zh-CN" sz="2500">
-                <a:latin typeface="Microsoft Yahei"/>
-                <a:ea typeface="Microsoft Yahei"/>
-                <a:cs typeface="Microsoft Yahei"/>
-                <a:sym typeface="Microsoft Yahei"/>
-              </a:rPr>
-              <a:t>对学生的价值：针对具体场景调整和优化通用文本识别模型</a:t>
-            </a:r>
-            <a:endParaRPr sz="2500">
-              <a:latin typeface="Microsoft Yahei"/>
-              <a:ea typeface="Microsoft Yahei"/>
-              <a:cs typeface="Microsoft Yahei"/>
-              <a:sym typeface="Microsoft Yahei"/>
-            </a:endParaRPr>
-          </a:p>
-          <a:p>
-            <a:pPr indent="0" lvl="0" marL="0">
-              <a:spcBef>
-                <a:spcPts val="0"/>
-              </a:spcBef>
-              <a:spcAft>
-                <a:spcPts val="1600"/>
-              </a:spcAft>
-              <a:buNone/>
-            </a:pPr>
-            <a:r>
-              <a:t/>
-            </a:r>
-            <a:endParaRPr/>
+            <a:endParaRPr dirty="0"/>
           </a:p>
         </p:txBody>
       </p:sp>
@@ -7976,11 +8157,11 @@
 </file>
 
 <file path=ppt/slides/slide3.xml><?xml version="1.0" encoding="utf-8"?>
-<p:sld xmlns:a="http://schemas.openxmlformats.org/drawingml/2006/main" xmlns:r="http://schemas.openxmlformats.org/officeDocument/2006/relationships" xmlns:mc="http://schemas.openxmlformats.org/markup-compatibility/2006" xmlns:mv="urn:schemas-microsoft-com:mac:vml" xmlns:p="http://schemas.openxmlformats.org/presentationml/2006/main" xmlns:c="http://schemas.openxmlformats.org/drawingml/2006/chart" xmlns:dgm="http://schemas.openxmlformats.org/drawingml/2006/diagram" xmlns:o="urn:schemas-microsoft-com:office:office" xmlns:v="urn:schemas-microsoft-com:vml" xmlns:pvml="urn:schemas-microsoft-com:office:powerpoint" xmlns:com="http://schemas.openxmlformats.org/drawingml/2006/compatibility" xmlns:p14="http://schemas.microsoft.com/office/powerpoint/2010/main" xmlns:p15="http://schemas.microsoft.com/office/powerpoint/2012/main">
+<p:sld xmlns:a="http://schemas.openxmlformats.org/drawingml/2006/main" xmlns:r="http://schemas.openxmlformats.org/officeDocument/2006/relationships" xmlns:p="http://schemas.openxmlformats.org/presentationml/2006/main">
   <p:cSld>
     <p:spTree>
       <p:nvGrpSpPr>
-        <p:cNvPr id="70" name="Shape 70"/>
+        <p:cNvPr id="1" name="Shape 70"/>
         <p:cNvGrpSpPr/>
         <p:nvPr/>
       </p:nvGrpSpPr>
@@ -7995,7 +8176,9 @@
       <p:sp>
         <p:nvSpPr>
           <p:cNvPr id="71" name="Shape 71"/>
-          <p:cNvSpPr txBox="1"/>
+          <p:cNvSpPr txBox="1">
+            <a:spLocks noGrp="1"/>
+          </p:cNvSpPr>
           <p:nvPr>
             <p:ph type="title"/>
           </p:nvPr>
@@ -8010,12 +8193,12 @@
           </a:prstGeom>
         </p:spPr>
         <p:txBody>
-          <a:bodyPr anchorCtr="0" anchor="ctr" bIns="91425" lIns="91425" spcFirstLastPara="1" rIns="91425" wrap="square" tIns="91425">
+          <a:bodyPr spcFirstLastPara="1" wrap="square" lIns="91425" tIns="91425" rIns="91425" bIns="91425" anchor="ctr" anchorCtr="0">
             <a:noAutofit/>
           </a:bodyPr>
           <a:lstStyle/>
           <a:p>
-            <a:pPr indent="0" lvl="0" marL="0">
+            <a:pPr marL="0" lvl="0" indent="0">
               <a:spcBef>
                 <a:spcPts val="0"/>
               </a:spcBef>
@@ -8041,11 +8224,11 @@
 </file>
 
 <file path=ppt/slides/slide4.xml><?xml version="1.0" encoding="utf-8"?>
-<p:sld xmlns:a="http://schemas.openxmlformats.org/drawingml/2006/main" xmlns:r="http://schemas.openxmlformats.org/officeDocument/2006/relationships" xmlns:mc="http://schemas.openxmlformats.org/markup-compatibility/2006" xmlns:mv="urn:schemas-microsoft-com:mac:vml" xmlns:p="http://schemas.openxmlformats.org/presentationml/2006/main" xmlns:c="http://schemas.openxmlformats.org/drawingml/2006/chart" xmlns:dgm="http://schemas.openxmlformats.org/drawingml/2006/diagram" xmlns:o="urn:schemas-microsoft-com:office:office" xmlns:v="urn:schemas-microsoft-com:vml" xmlns:pvml="urn:schemas-microsoft-com:office:powerpoint" xmlns:com="http://schemas.openxmlformats.org/drawingml/2006/compatibility" xmlns:p14="http://schemas.microsoft.com/office/powerpoint/2010/main" xmlns:p15="http://schemas.microsoft.com/office/powerpoint/2012/main">
+<p:sld xmlns:a="http://schemas.openxmlformats.org/drawingml/2006/main" xmlns:r="http://schemas.openxmlformats.org/officeDocument/2006/relationships" xmlns:p="http://schemas.openxmlformats.org/presentationml/2006/main">
   <p:cSld>
     <p:spTree>
       <p:nvGrpSpPr>
-        <p:cNvPr id="75" name="Shape 75"/>
+        <p:cNvPr id="1" name="Shape 75"/>
         <p:cNvGrpSpPr/>
         <p:nvPr/>
       </p:nvGrpSpPr>
@@ -8060,7 +8243,9 @@
       <p:sp>
         <p:nvSpPr>
           <p:cNvPr id="76" name="Shape 76"/>
-          <p:cNvSpPr txBox="1"/>
+          <p:cNvSpPr txBox="1">
+            <a:spLocks noGrp="1"/>
+          </p:cNvSpPr>
           <p:nvPr>
             <p:ph type="title"/>
           </p:nvPr>
@@ -8075,12 +8260,12 @@
           </a:prstGeom>
         </p:spPr>
         <p:txBody>
-          <a:bodyPr anchorCtr="0" anchor="t" bIns="91425" lIns="91425" spcFirstLastPara="1" rIns="91425" wrap="square" tIns="91425">
+          <a:bodyPr spcFirstLastPara="1" wrap="square" lIns="91425" tIns="91425" rIns="91425" bIns="91425" anchor="t" anchorCtr="0">
             <a:noAutofit/>
           </a:bodyPr>
           <a:lstStyle/>
           <a:p>
-            <a:pPr indent="0" lvl="0" marL="0">
+            <a:pPr marL="0" lvl="0" indent="0">
               <a:spcBef>
                 <a:spcPts val="0"/>
               </a:spcBef>
@@ -8091,11 +8276,7 @@
             </a:pPr>
             <a:r>
               <a:rPr lang="zh-CN"/>
-              <a:t>1.</a:t>
-            </a:r>
-            <a:r>
-              <a:rPr lang="zh-CN"/>
-              <a:t>字幕区域识别</a:t>
+              <a:t>1.字幕区域识别</a:t>
             </a:r>
             <a:endParaRPr/>
           </a:p>
@@ -8104,9 +8285,11 @@
       <p:sp>
         <p:nvSpPr>
           <p:cNvPr id="77" name="Shape 77"/>
-          <p:cNvSpPr txBox="1"/>
+          <p:cNvSpPr txBox="1">
+            <a:spLocks noGrp="1"/>
+          </p:cNvSpPr>
           <p:nvPr>
-            <p:ph idx="1" type="body"/>
+            <p:ph type="body" idx="1"/>
           </p:nvPr>
         </p:nvSpPr>
         <p:spPr>
@@ -8119,12 +8302,12 @@
           </a:prstGeom>
         </p:spPr>
         <p:txBody>
-          <a:bodyPr anchorCtr="0" anchor="t" bIns="91425" lIns="91425" spcFirstLastPara="1" rIns="91425" wrap="square" tIns="91425">
+          <a:bodyPr spcFirstLastPara="1" wrap="square" lIns="91425" tIns="91425" rIns="91425" bIns="91425" anchor="t" anchorCtr="0">
             <a:noAutofit/>
           </a:bodyPr>
           <a:lstStyle/>
           <a:p>
-            <a:pPr indent="0" lvl="0" marL="0">
+            <a:pPr marL="0" lvl="0" indent="0">
               <a:lnSpc>
                 <a:spcPct val="100000"/>
               </a:lnSpc>
@@ -8141,13 +8324,10 @@
               <a:buFont typeface="Arial"/>
               <a:buNone/>
             </a:pPr>
-            <a:r>
-              <a:t/>
-            </a:r>
             <a:endParaRPr sz="800"/>
           </a:p>
           <a:p>
-            <a:pPr indent="0" lvl="0" marL="0">
+            <a:pPr marL="0" lvl="0" indent="0">
               <a:spcBef>
                 <a:spcPts val="1600"/>
               </a:spcBef>
@@ -8156,9 +8336,6 @@
               </a:spcAft>
               <a:buNone/>
             </a:pPr>
-            <a:r>
-              <a:t/>
-            </a:r>
             <a:endParaRPr sz="800"/>
           </a:p>
         </p:txBody>
@@ -8166,9 +8343,11 @@
       <p:sp>
         <p:nvSpPr>
           <p:cNvPr id="78" name="Shape 78"/>
-          <p:cNvSpPr txBox="1"/>
+          <p:cNvSpPr txBox="1">
+            <a:spLocks noGrp="1"/>
+          </p:cNvSpPr>
           <p:nvPr>
-            <p:ph idx="2" type="body"/>
+            <p:ph type="body" idx="2"/>
           </p:nvPr>
         </p:nvSpPr>
         <p:spPr>
@@ -8181,12 +8360,12 @@
           </a:prstGeom>
         </p:spPr>
         <p:txBody>
-          <a:bodyPr anchorCtr="0" anchor="t" bIns="91425" lIns="91425" spcFirstLastPara="1" rIns="91425" wrap="square" tIns="91425">
+          <a:bodyPr spcFirstLastPara="1" wrap="square" lIns="91425" tIns="91425" rIns="91425" bIns="91425" anchor="t" anchorCtr="0">
             <a:noAutofit/>
           </a:bodyPr>
           <a:lstStyle/>
           <a:p>
-            <a:pPr indent="0" lvl="0" marL="0">
+            <a:pPr marL="0" lvl="0" indent="0">
               <a:spcBef>
                 <a:spcPts val="0"/>
               </a:spcBef>
@@ -8282,11 +8461,11 @@
 </file>
 
 <file path=ppt/slides/slide5.xml><?xml version="1.0" encoding="utf-8"?>
-<p:sld xmlns:a="http://schemas.openxmlformats.org/drawingml/2006/main" xmlns:r="http://schemas.openxmlformats.org/officeDocument/2006/relationships" xmlns:mc="http://schemas.openxmlformats.org/markup-compatibility/2006" xmlns:mv="urn:schemas-microsoft-com:mac:vml" xmlns:p="http://schemas.openxmlformats.org/presentationml/2006/main" xmlns:c="http://schemas.openxmlformats.org/drawingml/2006/chart" xmlns:dgm="http://schemas.openxmlformats.org/drawingml/2006/diagram" xmlns:o="urn:schemas-microsoft-com:office:office" xmlns:v="urn:schemas-microsoft-com:vml" xmlns:pvml="urn:schemas-microsoft-com:office:powerpoint" xmlns:com="http://schemas.openxmlformats.org/drawingml/2006/compatibility" xmlns:p14="http://schemas.microsoft.com/office/powerpoint/2010/main" xmlns:p15="http://schemas.microsoft.com/office/powerpoint/2012/main">
+<p:sld xmlns:a="http://schemas.openxmlformats.org/drawingml/2006/main" xmlns:r="http://schemas.openxmlformats.org/officeDocument/2006/relationships" xmlns:p="http://schemas.openxmlformats.org/presentationml/2006/main">
   <p:cSld>
     <p:spTree>
       <p:nvGrpSpPr>
-        <p:cNvPr id="83" name="Shape 83"/>
+        <p:cNvPr id="1" name="Shape 83"/>
         <p:cNvGrpSpPr/>
         <p:nvPr/>
       </p:nvGrpSpPr>
@@ -8301,7 +8480,9 @@
       <p:sp>
         <p:nvSpPr>
           <p:cNvPr id="84" name="Shape 84"/>
-          <p:cNvSpPr txBox="1"/>
+          <p:cNvSpPr txBox="1">
+            <a:spLocks noGrp="1"/>
+          </p:cNvSpPr>
           <p:nvPr>
             <p:ph type="title"/>
           </p:nvPr>
@@ -8316,12 +8497,12 @@
           </a:prstGeom>
         </p:spPr>
         <p:txBody>
-          <a:bodyPr anchorCtr="0" anchor="t" bIns="91425" lIns="91425" spcFirstLastPara="1" rIns="91425" wrap="square" tIns="91425">
+          <a:bodyPr spcFirstLastPara="1" wrap="square" lIns="91425" tIns="91425" rIns="91425" bIns="91425" anchor="t" anchorCtr="0">
             <a:noAutofit/>
           </a:bodyPr>
           <a:lstStyle/>
           <a:p>
-            <a:pPr indent="0" lvl="0" marL="0">
+            <a:pPr marL="0" lvl="0" indent="0">
               <a:spcBef>
                 <a:spcPts val="0"/>
               </a:spcBef>
@@ -8342,7 +8523,7 @@
             <a:endParaRPr/>
           </a:p>
           <a:p>
-            <a:pPr indent="0" lvl="0" marL="0">
+            <a:pPr marL="0" lvl="0" indent="0">
               <a:spcBef>
                 <a:spcPts val="0"/>
               </a:spcBef>
@@ -8351,9 +8532,6 @@
               </a:spcAft>
               <a:buNone/>
             </a:pPr>
-            <a:r>
-              <a:t/>
-            </a:r>
             <a:endParaRPr/>
           </a:p>
         </p:txBody>
@@ -8361,9 +8539,11 @@
       <p:sp>
         <p:nvSpPr>
           <p:cNvPr id="85" name="Shape 85"/>
-          <p:cNvSpPr txBox="1"/>
+          <p:cNvSpPr txBox="1">
+            <a:spLocks noGrp="1"/>
+          </p:cNvSpPr>
           <p:nvPr>
-            <p:ph idx="1" type="body"/>
+            <p:ph type="body" idx="1"/>
           </p:nvPr>
         </p:nvSpPr>
         <p:spPr>
@@ -8376,12 +8556,12 @@
           </a:prstGeom>
         </p:spPr>
         <p:txBody>
-          <a:bodyPr anchorCtr="0" anchor="t" bIns="91425" lIns="91425" spcFirstLastPara="1" rIns="91425" wrap="square" tIns="91425">
+          <a:bodyPr spcFirstLastPara="1" wrap="square" lIns="91425" tIns="91425" rIns="91425" bIns="91425" anchor="t" anchorCtr="0">
             <a:noAutofit/>
           </a:bodyPr>
           <a:lstStyle/>
           <a:p>
-            <a:pPr indent="0" lvl="0" marL="0">
+            <a:pPr marL="0" lvl="0" indent="0">
               <a:spcBef>
                 <a:spcPts val="0"/>
               </a:spcBef>
@@ -8436,9 +8616,11 @@
       <p:sp>
         <p:nvSpPr>
           <p:cNvPr id="86" name="Shape 86"/>
-          <p:cNvSpPr txBox="1"/>
+          <p:cNvSpPr txBox="1">
+            <a:spLocks noGrp="1"/>
+          </p:cNvSpPr>
           <p:nvPr>
-            <p:ph idx="2" type="body"/>
+            <p:ph type="body" idx="2"/>
           </p:nvPr>
         </p:nvSpPr>
         <p:spPr>
@@ -8451,12 +8633,12 @@
           </a:prstGeom>
         </p:spPr>
         <p:txBody>
-          <a:bodyPr anchorCtr="0" anchor="t" bIns="91425" lIns="91425" spcFirstLastPara="1" rIns="91425" wrap="square" tIns="91425">
+          <a:bodyPr spcFirstLastPara="1" wrap="square" lIns="91425" tIns="91425" rIns="91425" bIns="91425" anchor="t" anchorCtr="0">
             <a:noAutofit/>
           </a:bodyPr>
           <a:lstStyle/>
           <a:p>
-            <a:pPr indent="0" lvl="0" marL="0">
+            <a:pPr marL="0" lvl="0" indent="0">
               <a:spcBef>
                 <a:spcPts val="0"/>
               </a:spcBef>
@@ -8508,11 +8690,11 @@
 </file>
 
 <file path=ppt/slides/slide6.xml><?xml version="1.0" encoding="utf-8"?>
-<p:sld xmlns:a="http://schemas.openxmlformats.org/drawingml/2006/main" xmlns:r="http://schemas.openxmlformats.org/officeDocument/2006/relationships" xmlns:mc="http://schemas.openxmlformats.org/markup-compatibility/2006" xmlns:mv="urn:schemas-microsoft-com:mac:vml" xmlns:p="http://schemas.openxmlformats.org/presentationml/2006/main" xmlns:c="http://schemas.openxmlformats.org/drawingml/2006/chart" xmlns:dgm="http://schemas.openxmlformats.org/drawingml/2006/diagram" xmlns:o="urn:schemas-microsoft-com:office:office" xmlns:v="urn:schemas-microsoft-com:vml" xmlns:pvml="urn:schemas-microsoft-com:office:powerpoint" xmlns:com="http://schemas.openxmlformats.org/drawingml/2006/compatibility" xmlns:p14="http://schemas.microsoft.com/office/powerpoint/2010/main" xmlns:p15="http://schemas.microsoft.com/office/powerpoint/2012/main">
+<p:sld xmlns:a="http://schemas.openxmlformats.org/drawingml/2006/main" xmlns:r="http://schemas.openxmlformats.org/officeDocument/2006/relationships" xmlns:p="http://schemas.openxmlformats.org/presentationml/2006/main">
   <p:cSld>
     <p:spTree>
       <p:nvGrpSpPr>
-        <p:cNvPr id="90" name="Shape 90"/>
+        <p:cNvPr id="1" name="Shape 90"/>
         <p:cNvGrpSpPr/>
         <p:nvPr/>
       </p:nvGrpSpPr>
@@ -8527,7 +8709,9 @@
       <p:sp>
         <p:nvSpPr>
           <p:cNvPr id="91" name="Shape 91"/>
-          <p:cNvSpPr txBox="1"/>
+          <p:cNvSpPr txBox="1">
+            <a:spLocks noGrp="1"/>
+          </p:cNvSpPr>
           <p:nvPr>
             <p:ph type="title"/>
           </p:nvPr>
@@ -8542,12 +8726,12 @@
           </a:prstGeom>
         </p:spPr>
         <p:txBody>
-          <a:bodyPr anchorCtr="0" anchor="t" bIns="91425" lIns="91425" spcFirstLastPara="1" rIns="91425" wrap="square" tIns="91425">
+          <a:bodyPr spcFirstLastPara="1" wrap="square" lIns="91425" tIns="91425" rIns="91425" bIns="91425" anchor="t" anchorCtr="0">
             <a:noAutofit/>
           </a:bodyPr>
           <a:lstStyle/>
           <a:p>
-            <a:pPr indent="0" lvl="0" marL="0">
+            <a:pPr marL="0" lvl="0" indent="0">
               <a:spcBef>
                 <a:spcPts val="0"/>
               </a:spcBef>
@@ -8557,23 +8741,21 @@
               <a:buNone/>
             </a:pPr>
             <a:r>
-              <a:rPr lang="zh-CN"/>
-              <a:t>2.</a:t>
+              <a:rPr lang="zh-CN" dirty="0"/>
+              <a:t>2.字幕去重</a:t>
             </a:r>
-            <a:r>
-              <a:rPr lang="zh-CN"/>
-              <a:t>字幕去重</a:t>
-            </a:r>
-            <a:endParaRPr/>
+            <a:endParaRPr dirty="0"/>
           </a:p>
         </p:txBody>
       </p:sp>
       <p:sp>
         <p:nvSpPr>
           <p:cNvPr id="92" name="Shape 92"/>
-          <p:cNvSpPr txBox="1"/>
+          <p:cNvSpPr txBox="1">
+            <a:spLocks noGrp="1"/>
+          </p:cNvSpPr>
           <p:nvPr>
-            <p:ph idx="1" type="body"/>
+            <p:ph type="body" idx="1"/>
           </p:nvPr>
         </p:nvSpPr>
         <p:spPr>
@@ -8586,12 +8768,12 @@
           </a:prstGeom>
         </p:spPr>
         <p:txBody>
-          <a:bodyPr anchorCtr="0" anchor="t" bIns="91425" lIns="91425" spcFirstLastPara="1" rIns="91425" wrap="square" tIns="91425">
+          <a:bodyPr spcFirstLastPara="1" wrap="square" lIns="91425" tIns="91425" rIns="91425" bIns="91425" anchor="t" anchorCtr="0">
             <a:noAutofit/>
           </a:bodyPr>
           <a:lstStyle/>
           <a:p>
-            <a:pPr indent="0" lvl="0" marL="0">
+            <a:pPr marL="0" lvl="0" indent="0">
               <a:spcBef>
                 <a:spcPts val="0"/>
               </a:spcBef>
@@ -8601,75 +8783,70 @@
               <a:buNone/>
             </a:pPr>
             <a:r>
-              <a:rPr lang="zh-CN"/>
-              <a:t>每20帧</a:t>
+              <a:rPr lang="zh-CN" dirty="0"/>
+              <a:t>每20帧提取一张图片（电影标准</a:t>
             </a:r>
             <a:r>
-              <a:rPr lang="zh-CN"/>
-              <a:t>提取一张图片（电影标准30fps,足够提取到不同字幕），为解决重复字幕，采用余弦相似度进行判定，计算上一张处理后的字幕图片与当前处理后的字幕图片的余弦相似度：</a:t>
+              <a:rPr lang="en-US" altLang="zh-CN" dirty="0"/>
+              <a:t>24</a:t>
             </a:r>
-            <a:endParaRPr/>
+            <a:r>
+              <a:rPr lang="zh-CN" dirty="0"/>
+              <a:t>fps,足够提取到不同字幕），为解决重复字幕，采用余弦相似度进行判定，计算上一张处理后的字幕图片与当前处理后的字幕图片的余弦相似度：</a:t>
+            </a:r>
+            <a:endParaRPr dirty="0"/>
           </a:p>
           <a:p>
-            <a:pPr indent="0" lvl="0" marL="0">
+            <a:pPr marL="0" lvl="0" indent="0">
               <a:spcBef>
                 <a:spcPts val="1600"/>
               </a:spcBef>
               <a:spcAft>
                 <a:spcPts val="0"/>
+              </a:spcAft>
+              <a:buNone/>
+            </a:pPr>
+            <a:endParaRPr dirty="0"/>
+          </a:p>
+          <a:p>
+            <a:pPr marL="0" lvl="0" indent="0">
+              <a:spcBef>
+                <a:spcPts val="1600"/>
+              </a:spcBef>
+              <a:spcAft>
+                <a:spcPts val="0"/>
+              </a:spcAft>
+              <a:buNone/>
+            </a:pPr>
+            <a:endParaRPr dirty="0"/>
+          </a:p>
+          <a:p>
+            <a:pPr marL="0" lvl="0" indent="0">
+              <a:spcBef>
+                <a:spcPts val="1600"/>
+              </a:spcBef>
+              <a:spcAft>
+                <a:spcPts val="0"/>
+              </a:spcAft>
+              <a:buNone/>
+            </a:pPr>
+            <a:endParaRPr dirty="0"/>
+          </a:p>
+          <a:p>
+            <a:pPr marL="0" lvl="0" indent="0">
+              <a:spcBef>
+                <a:spcPts val="1600"/>
+              </a:spcBef>
+              <a:spcAft>
+                <a:spcPts val="1600"/>
               </a:spcAft>
               <a:buNone/>
             </a:pPr>
             <a:r>
-              <a:t/>
-            </a:r>
-            <a:endParaRPr/>
-          </a:p>
-          <a:p>
-            <a:pPr indent="0" lvl="0" marL="0">
-              <a:spcBef>
-                <a:spcPts val="1600"/>
-              </a:spcBef>
-              <a:spcAft>
-                <a:spcPts val="0"/>
-              </a:spcAft>
-              <a:buNone/>
-            </a:pPr>
-            <a:r>
-              <a:t/>
-            </a:r>
-            <a:endParaRPr/>
-          </a:p>
-          <a:p>
-            <a:pPr indent="0" lvl="0" marL="0">
-              <a:spcBef>
-                <a:spcPts val="1600"/>
-              </a:spcBef>
-              <a:spcAft>
-                <a:spcPts val="0"/>
-              </a:spcAft>
-              <a:buNone/>
-            </a:pPr>
-            <a:r>
-              <a:t/>
-            </a:r>
-            <a:endParaRPr/>
-          </a:p>
-          <a:p>
-            <a:pPr indent="0" lvl="0" marL="0">
-              <a:spcBef>
-                <a:spcPts val="1600"/>
-              </a:spcBef>
-              <a:spcAft>
-                <a:spcPts val="1600"/>
-              </a:spcAft>
-              <a:buNone/>
-            </a:pPr>
-            <a:r>
-              <a:rPr lang="zh-CN"/>
+              <a:rPr lang="zh-CN" dirty="0"/>
               <a:t>以0.5为阈值，大于视为相同，小于视为不同</a:t>
             </a:r>
-            <a:endParaRPr/>
+            <a:endParaRPr dirty="0"/>
           </a:p>
         </p:txBody>
       </p:sp>
@@ -8710,11 +8887,11 @@
 </file>
 
 <file path=ppt/slides/slide7.xml><?xml version="1.0" encoding="utf-8"?>
-<p:sld xmlns:a="http://schemas.openxmlformats.org/drawingml/2006/main" xmlns:r="http://schemas.openxmlformats.org/officeDocument/2006/relationships" xmlns:mc="http://schemas.openxmlformats.org/markup-compatibility/2006" xmlns:mv="urn:schemas-microsoft-com:mac:vml" xmlns:p="http://schemas.openxmlformats.org/presentationml/2006/main" xmlns:c="http://schemas.openxmlformats.org/drawingml/2006/chart" xmlns:dgm="http://schemas.openxmlformats.org/drawingml/2006/diagram" xmlns:o="urn:schemas-microsoft-com:office:office" xmlns:v="urn:schemas-microsoft-com:vml" xmlns:pvml="urn:schemas-microsoft-com:office:powerpoint" xmlns:com="http://schemas.openxmlformats.org/drawingml/2006/compatibility" xmlns:p14="http://schemas.microsoft.com/office/powerpoint/2010/main" xmlns:p15="http://schemas.microsoft.com/office/powerpoint/2012/main">
+<p:sld xmlns:a="http://schemas.openxmlformats.org/drawingml/2006/main" xmlns:r="http://schemas.openxmlformats.org/officeDocument/2006/relationships" xmlns:p="http://schemas.openxmlformats.org/presentationml/2006/main">
   <p:cSld>
     <p:spTree>
       <p:nvGrpSpPr>
-        <p:cNvPr id="97" name="Shape 97"/>
+        <p:cNvPr id="1" name="Shape 97"/>
         <p:cNvGrpSpPr/>
         <p:nvPr/>
       </p:nvGrpSpPr>
@@ -8729,7 +8906,9 @@
       <p:sp>
         <p:nvSpPr>
           <p:cNvPr id="98" name="Shape 98"/>
-          <p:cNvSpPr txBox="1"/>
+          <p:cNvSpPr txBox="1">
+            <a:spLocks noGrp="1"/>
+          </p:cNvSpPr>
           <p:nvPr>
             <p:ph type="title"/>
           </p:nvPr>
@@ -8744,12 +8923,12 @@
           </a:prstGeom>
         </p:spPr>
         <p:txBody>
-          <a:bodyPr anchorCtr="0" anchor="t" bIns="91425" lIns="91425" spcFirstLastPara="1" rIns="91425" wrap="square" tIns="91425">
+          <a:bodyPr spcFirstLastPara="1" wrap="square" lIns="91425" tIns="91425" rIns="91425" bIns="91425" anchor="t" anchorCtr="0">
             <a:noAutofit/>
           </a:bodyPr>
           <a:lstStyle/>
           <a:p>
-            <a:pPr indent="0" lvl="0" marL="0">
+            <a:pPr marL="0" lvl="0" indent="0">
               <a:spcBef>
                 <a:spcPts val="0"/>
               </a:spcBef>
@@ -8760,11 +8939,7 @@
             </a:pPr>
             <a:r>
               <a:rPr lang="zh-CN"/>
-              <a:t>3.</a:t>
-            </a:r>
-            <a:r>
-              <a:rPr lang="zh-CN"/>
-              <a:t>生产者-消费者模型</a:t>
+              <a:t>3.生产者-消费者模型</a:t>
             </a:r>
             <a:endParaRPr/>
           </a:p>
@@ -8773,9 +8948,11 @@
       <p:sp>
         <p:nvSpPr>
           <p:cNvPr id="99" name="Shape 99"/>
-          <p:cNvSpPr txBox="1"/>
+          <p:cNvSpPr txBox="1">
+            <a:spLocks noGrp="1"/>
+          </p:cNvSpPr>
           <p:nvPr>
-            <p:ph idx="1" type="body"/>
+            <p:ph type="body" idx="1"/>
           </p:nvPr>
         </p:nvSpPr>
         <p:spPr>
@@ -8788,12 +8965,12 @@
           </a:prstGeom>
         </p:spPr>
         <p:txBody>
-          <a:bodyPr anchorCtr="0" anchor="t" bIns="91425" lIns="91425" spcFirstLastPara="1" rIns="91425" wrap="square" tIns="91425">
+          <a:bodyPr spcFirstLastPara="1" wrap="square" lIns="91425" tIns="91425" rIns="91425" bIns="91425" anchor="t" anchorCtr="0">
             <a:noAutofit/>
           </a:bodyPr>
           <a:lstStyle/>
           <a:p>
-            <a:pPr indent="0" lvl="0" marL="0">
+            <a:pPr marL="0" lvl="0" indent="0">
               <a:spcBef>
                 <a:spcPts val="0"/>
               </a:spcBef>
@@ -8861,11 +9038,11 @@
 </file>
 
 <file path=ppt/slides/slide8.xml><?xml version="1.0" encoding="utf-8"?>
-<p:sld xmlns:a="http://schemas.openxmlformats.org/drawingml/2006/main" xmlns:r="http://schemas.openxmlformats.org/officeDocument/2006/relationships" xmlns:mc="http://schemas.openxmlformats.org/markup-compatibility/2006" xmlns:mv="urn:schemas-microsoft-com:mac:vml" xmlns:p="http://schemas.openxmlformats.org/presentationml/2006/main" xmlns:c="http://schemas.openxmlformats.org/drawingml/2006/chart" xmlns:dgm="http://schemas.openxmlformats.org/drawingml/2006/diagram" xmlns:o="urn:schemas-microsoft-com:office:office" xmlns:v="urn:schemas-microsoft-com:vml" xmlns:pvml="urn:schemas-microsoft-com:office:powerpoint" xmlns:com="http://schemas.openxmlformats.org/drawingml/2006/compatibility" xmlns:p14="http://schemas.microsoft.com/office/powerpoint/2010/main" xmlns:p15="http://schemas.microsoft.com/office/powerpoint/2012/main">
+<p:sld xmlns:a="http://schemas.openxmlformats.org/drawingml/2006/main" xmlns:r="http://schemas.openxmlformats.org/officeDocument/2006/relationships" xmlns:p="http://schemas.openxmlformats.org/presentationml/2006/main">
   <p:cSld>
     <p:spTree>
       <p:nvGrpSpPr>
-        <p:cNvPr id="103" name="Shape 103"/>
+        <p:cNvPr id="1" name="Shape 103"/>
         <p:cNvGrpSpPr/>
         <p:nvPr/>
       </p:nvGrpSpPr>
@@ -8880,7 +9057,9 @@
       <p:sp>
         <p:nvSpPr>
           <p:cNvPr id="104" name="Shape 104"/>
-          <p:cNvSpPr txBox="1"/>
+          <p:cNvSpPr txBox="1">
+            <a:spLocks noGrp="1"/>
+          </p:cNvSpPr>
           <p:nvPr>
             <p:ph type="title"/>
           </p:nvPr>
@@ -8895,12 +9074,12 @@
           </a:prstGeom>
         </p:spPr>
         <p:txBody>
-          <a:bodyPr anchorCtr="0" anchor="ctr" bIns="91425" lIns="91425" spcFirstLastPara="1" rIns="91425" wrap="square" tIns="91425">
+          <a:bodyPr spcFirstLastPara="1" wrap="square" lIns="91425" tIns="91425" rIns="91425" bIns="91425" anchor="ctr" anchorCtr="0">
             <a:noAutofit/>
           </a:bodyPr>
           <a:lstStyle/>
           <a:p>
-            <a:pPr indent="0" lvl="0" marL="0">
+            <a:pPr marL="0" lvl="0" indent="0">
               <a:spcBef>
                 <a:spcPts val="0"/>
               </a:spcBef>
@@ -8926,11 +9105,11 @@
 </file>
 
 <file path=ppt/slides/slide9.xml><?xml version="1.0" encoding="utf-8"?>
-<p:sld xmlns:a="http://schemas.openxmlformats.org/drawingml/2006/main" xmlns:r="http://schemas.openxmlformats.org/officeDocument/2006/relationships" xmlns:mc="http://schemas.openxmlformats.org/markup-compatibility/2006" xmlns:mv="urn:schemas-microsoft-com:mac:vml" xmlns:p="http://schemas.openxmlformats.org/presentationml/2006/main" xmlns:c="http://schemas.openxmlformats.org/drawingml/2006/chart" xmlns:dgm="http://schemas.openxmlformats.org/drawingml/2006/diagram" xmlns:o="urn:schemas-microsoft-com:office:office" xmlns:v="urn:schemas-microsoft-com:vml" xmlns:pvml="urn:schemas-microsoft-com:office:powerpoint" xmlns:com="http://schemas.openxmlformats.org/drawingml/2006/compatibility" xmlns:p14="http://schemas.microsoft.com/office/powerpoint/2010/main" xmlns:p15="http://schemas.microsoft.com/office/powerpoint/2012/main">
+<p:sld xmlns:a="http://schemas.openxmlformats.org/drawingml/2006/main" xmlns:r="http://schemas.openxmlformats.org/officeDocument/2006/relationships" xmlns:p="http://schemas.openxmlformats.org/presentationml/2006/main">
   <p:cSld>
     <p:spTree>
       <p:nvGrpSpPr>
-        <p:cNvPr id="108" name="Shape 108"/>
+        <p:cNvPr id="1" name="Shape 108"/>
         <p:cNvGrpSpPr/>
         <p:nvPr/>
       </p:nvGrpSpPr>
@@ -9044,14 +9223,14 @@
             <a:avLst/>
           </a:prstGeom>
           <a:noFill/>
-          <a:ln cap="flat" cmpd="sng" w="9525">
+          <a:ln w="9525" cap="flat" cmpd="sng">
             <a:solidFill>
               <a:schemeClr val="dk2"/>
             </a:solidFill>
             <a:prstDash val="solid"/>
             <a:round/>
-            <a:headEnd len="med" w="med" type="none"/>
-            <a:tailEnd len="med" w="med" type="triangle"/>
+            <a:headEnd type="none" w="med" len="med"/>
+            <a:tailEnd type="triangle" w="med" len="med"/>
           </a:ln>
         </p:spPr>
       </p:cxnSp>
@@ -9070,14 +9249,14 @@
             <a:avLst/>
           </a:prstGeom>
           <a:noFill/>
-          <a:ln cap="flat" cmpd="sng" w="9525">
+          <a:ln w="9525" cap="flat" cmpd="sng">
             <a:solidFill>
               <a:schemeClr val="dk2"/>
             </a:solidFill>
             <a:prstDash val="solid"/>
             <a:round/>
-            <a:headEnd len="med" w="med" type="none"/>
-            <a:tailEnd len="med" w="med" type="triangle"/>
+            <a:headEnd type="none" w="med" len="med"/>
+            <a:tailEnd type="triangle" w="med" len="med"/>
           </a:ln>
         </p:spPr>
       </p:cxnSp>
@@ -9090,7 +9269,288 @@
 </file>
 
 <file path=ppt/theme/theme1.xml><?xml version="1.0" encoding="utf-8"?>
-<a:theme xmlns:a="http://schemas.openxmlformats.org/drawingml/2006/main" xmlns:r="http://schemas.openxmlformats.org/officeDocument/2006/relationships">
+<a:theme xmlns:a="http://schemas.openxmlformats.org/drawingml/2006/main" name="Paperback">
+  <a:themeElements>
+    <a:clrScheme name="Paperback">
+      <a:dk1>
+        <a:srgbClr val="000000"/>
+      </a:dk1>
+      <a:lt1>
+        <a:srgbClr val="FFFFFF"/>
+      </a:lt1>
+      <a:dk2>
+        <a:srgbClr val="00695C"/>
+      </a:dk2>
+      <a:lt2>
+        <a:srgbClr val="26A69A"/>
+      </a:lt2>
+      <a:accent1>
+        <a:srgbClr val="FFFBF0"/>
+      </a:accent1>
+      <a:accent2>
+        <a:srgbClr val="B7B7B7"/>
+      </a:accent2>
+      <a:accent3>
+        <a:srgbClr val="FB8C00"/>
+      </a:accent3>
+      <a:accent4>
+        <a:srgbClr val="80CBC4"/>
+      </a:accent4>
+      <a:accent5>
+        <a:srgbClr val="AF4345"/>
+      </a:accent5>
+      <a:accent6>
+        <a:srgbClr val="F58F8F"/>
+      </a:accent6>
+      <a:hlink>
+        <a:srgbClr val="AF4345"/>
+      </a:hlink>
+      <a:folHlink>
+        <a:srgbClr val="AF4345"/>
+      </a:folHlink>
+    </a:clrScheme>
+    <a:fontScheme name="Office">
+      <a:majorFont>
+        <a:latin typeface="Arial"/>
+        <a:ea typeface=""/>
+        <a:cs typeface=""/>
+        <a:font script="Jpan" typeface="ＭＳ Ｐゴシック"/>
+        <a:font script="Hang" typeface="맑은 고딕"/>
+        <a:font script="Hans" typeface="宋体"/>
+        <a:font script="Hant" typeface="新細明體"/>
+        <a:font script="Arab" typeface="Times New Roman"/>
+        <a:font script="Hebr" typeface="Times New Roman"/>
+        <a:font script="Thai" typeface="Angsana New"/>
+        <a:font script="Ethi" typeface="Nyala"/>
+        <a:font script="Beng" typeface="Vrinda"/>
+        <a:font script="Gujr" typeface="Shruti"/>
+        <a:font script="Khmr" typeface="MoolBoran"/>
+        <a:font script="Knda" typeface="Tunga"/>
+        <a:font script="Guru" typeface="Raavi"/>
+        <a:font script="Cans" typeface="Euphemia"/>
+        <a:font script="Cher" typeface="Plantagenet Cherokee"/>
+        <a:font script="Yiii" typeface="Microsoft Yi Baiti"/>
+        <a:font script="Tibt" typeface="Microsoft Himalaya"/>
+        <a:font script="Thaa" typeface="MV Boli"/>
+        <a:font script="Deva" typeface="Mangal"/>
+        <a:font script="Telu" typeface="Gautami"/>
+        <a:font script="Taml" typeface="Latha"/>
+        <a:font script="Syrc" typeface="Estrangelo Edessa"/>
+        <a:font script="Orya" typeface="Kalinga"/>
+        <a:font script="Mlym" typeface="Kartika"/>
+        <a:font script="Laoo" typeface="DokChampa"/>
+        <a:font script="Sinh" typeface="Iskoola Pota"/>
+        <a:font script="Mong" typeface="Mongolian Baiti"/>
+        <a:font script="Viet" typeface="Times New Roman"/>
+        <a:font script="Uigh" typeface="Microsoft Uighur"/>
+        <a:font script="Geor" typeface="Sylfaen"/>
+      </a:majorFont>
+      <a:minorFont>
+        <a:latin typeface="Arial"/>
+        <a:ea typeface=""/>
+        <a:cs typeface=""/>
+        <a:font script="Jpan" typeface="ＭＳ Ｐゴシック"/>
+        <a:font script="Hang" typeface="맑은 고딕"/>
+        <a:font script="Hans" typeface="宋体"/>
+        <a:font script="Hant" typeface="新細明體"/>
+        <a:font script="Arab" typeface="Arial"/>
+        <a:font script="Hebr" typeface="Arial"/>
+        <a:font script="Thai" typeface="Cordia New"/>
+        <a:font script="Ethi" typeface="Nyala"/>
+        <a:font script="Beng" typeface="Vrinda"/>
+        <a:font script="Gujr" typeface="Shruti"/>
+        <a:font script="Khmr" typeface="DaunPenh"/>
+        <a:font script="Knda" typeface="Tunga"/>
+        <a:font script="Guru" typeface="Raavi"/>
+        <a:font script="Cans" typeface="Euphemia"/>
+        <a:font script="Cher" typeface="Plantagenet Cherokee"/>
+        <a:font script="Yiii" typeface="Microsoft Yi Baiti"/>
+        <a:font script="Tibt" typeface="Microsoft Himalaya"/>
+        <a:font script="Thaa" typeface="MV Boli"/>
+        <a:font script="Deva" typeface="Mangal"/>
+        <a:font script="Telu" typeface="Gautami"/>
+        <a:font script="Taml" typeface="Latha"/>
+        <a:font script="Syrc" typeface="Estrangelo Edessa"/>
+        <a:font script="Orya" typeface="Kalinga"/>
+        <a:font script="Mlym" typeface="Kartika"/>
+        <a:font script="Laoo" typeface="DokChampa"/>
+        <a:font script="Sinh" typeface="Iskoola Pota"/>
+        <a:font script="Mong" typeface="Mongolian Baiti"/>
+        <a:font script="Viet" typeface="Arial"/>
+        <a:font script="Uigh" typeface="Microsoft Uighur"/>
+        <a:font script="Geor" typeface="Sylfaen"/>
+      </a:minorFont>
+    </a:fontScheme>
+    <a:fmtScheme name="Office">
+      <a:fillStyleLst>
+        <a:solidFill>
+          <a:schemeClr val="phClr"/>
+        </a:solidFill>
+        <a:gradFill rotWithShape="1">
+          <a:gsLst>
+            <a:gs pos="0">
+              <a:schemeClr val="phClr">
+                <a:tint val="50000"/>
+                <a:satMod val="300000"/>
+              </a:schemeClr>
+            </a:gs>
+            <a:gs pos="35000">
+              <a:schemeClr val="phClr">
+                <a:tint val="37000"/>
+                <a:satMod val="300000"/>
+              </a:schemeClr>
+            </a:gs>
+            <a:gs pos="100000">
+              <a:schemeClr val="phClr">
+                <a:tint val="15000"/>
+                <a:satMod val="350000"/>
+              </a:schemeClr>
+            </a:gs>
+          </a:gsLst>
+          <a:lin ang="16200000" scaled="1"/>
+        </a:gradFill>
+        <a:gradFill rotWithShape="1">
+          <a:gsLst>
+            <a:gs pos="0">
+              <a:schemeClr val="phClr">
+                <a:tint val="100000"/>
+                <a:shade val="100000"/>
+                <a:satMod val="130000"/>
+              </a:schemeClr>
+            </a:gs>
+            <a:gs pos="100000">
+              <a:schemeClr val="phClr">
+                <a:tint val="50000"/>
+                <a:shade val="100000"/>
+                <a:satMod val="350000"/>
+              </a:schemeClr>
+            </a:gs>
+          </a:gsLst>
+          <a:lin ang="16200000" scaled="0"/>
+        </a:gradFill>
+      </a:fillStyleLst>
+      <a:lnStyleLst>
+        <a:ln w="9525" cap="flat" cmpd="sng" algn="ctr">
+          <a:solidFill>
+            <a:schemeClr val="phClr">
+              <a:shade val="95000"/>
+              <a:satMod val="105000"/>
+            </a:schemeClr>
+          </a:solidFill>
+          <a:prstDash val="solid"/>
+        </a:ln>
+        <a:ln w="25400" cap="flat" cmpd="sng" algn="ctr">
+          <a:solidFill>
+            <a:schemeClr val="phClr"/>
+          </a:solidFill>
+          <a:prstDash val="solid"/>
+        </a:ln>
+        <a:ln w="38100" cap="flat" cmpd="sng" algn="ctr">
+          <a:solidFill>
+            <a:schemeClr val="phClr"/>
+          </a:solidFill>
+          <a:prstDash val="solid"/>
+        </a:ln>
+      </a:lnStyleLst>
+      <a:effectStyleLst>
+        <a:effectStyle>
+          <a:effectLst>
+            <a:outerShdw blurRad="40000" dist="20000" dir="5400000" rotWithShape="0">
+              <a:srgbClr val="000000">
+                <a:alpha val="38000"/>
+              </a:srgbClr>
+            </a:outerShdw>
+          </a:effectLst>
+        </a:effectStyle>
+        <a:effectStyle>
+          <a:effectLst>
+            <a:outerShdw blurRad="40000" dist="23000" dir="5400000" rotWithShape="0">
+              <a:srgbClr val="000000">
+                <a:alpha val="35000"/>
+              </a:srgbClr>
+            </a:outerShdw>
+          </a:effectLst>
+        </a:effectStyle>
+        <a:effectStyle>
+          <a:effectLst>
+            <a:outerShdw blurRad="40000" dist="23000" dir="5400000" rotWithShape="0">
+              <a:srgbClr val="000000">
+                <a:alpha val="35000"/>
+              </a:srgbClr>
+            </a:outerShdw>
+          </a:effectLst>
+          <a:scene3d>
+            <a:camera prst="orthographicFront">
+              <a:rot lat="0" lon="0" rev="0"/>
+            </a:camera>
+            <a:lightRig rig="threePt" dir="t">
+              <a:rot lat="0" lon="0" rev="1200000"/>
+            </a:lightRig>
+          </a:scene3d>
+          <a:sp3d>
+            <a:bevelT w="63500" h="25400"/>
+          </a:sp3d>
+        </a:effectStyle>
+      </a:effectStyleLst>
+      <a:bgFillStyleLst>
+        <a:solidFill>
+          <a:schemeClr val="phClr"/>
+        </a:solidFill>
+        <a:gradFill rotWithShape="1">
+          <a:gsLst>
+            <a:gs pos="0">
+              <a:schemeClr val="phClr">
+                <a:tint val="40000"/>
+                <a:satMod val="350000"/>
+              </a:schemeClr>
+            </a:gs>
+            <a:gs pos="40000">
+              <a:schemeClr val="phClr">
+                <a:tint val="45000"/>
+                <a:shade val="99000"/>
+                <a:satMod val="350000"/>
+              </a:schemeClr>
+            </a:gs>
+            <a:gs pos="100000">
+              <a:schemeClr val="phClr">
+                <a:shade val="20000"/>
+                <a:satMod val="255000"/>
+              </a:schemeClr>
+            </a:gs>
+          </a:gsLst>
+          <a:path path="circle">
+            <a:fillToRect l="50000" t="-80000" r="50000" b="180000"/>
+          </a:path>
+        </a:gradFill>
+        <a:gradFill rotWithShape="1">
+          <a:gsLst>
+            <a:gs pos="0">
+              <a:schemeClr val="phClr">
+                <a:tint val="80000"/>
+                <a:satMod val="300000"/>
+              </a:schemeClr>
+            </a:gs>
+            <a:gs pos="100000">
+              <a:schemeClr val="phClr">
+                <a:shade val="30000"/>
+                <a:satMod val="200000"/>
+              </a:schemeClr>
+            </a:gs>
+          </a:gsLst>
+          <a:path path="circle">
+            <a:fillToRect l="50000" t="50000" r="50000" b="50000"/>
+          </a:path>
+        </a:gradFill>
+      </a:bgFillStyleLst>
+    </a:fmtScheme>
+  </a:themeElements>
+  <a:objectDefaults/>
+  <a:extraClrSchemeLst/>
+</a:theme>
+</file>
+
+<file path=ppt/theme/theme2.xml><?xml version="1.0" encoding="utf-8"?>
+<a:theme xmlns:a="http://schemas.openxmlformats.org/drawingml/2006/main">
   <a:themeElements>
     <a:clrScheme name="Default">
       <a:dk1>
@@ -9365,284 +9825,7 @@
       </a:bgFillStyleLst>
     </a:fmtScheme>
   </a:themeElements>
-</a:theme>
-</file>
-
-<file path=ppt/theme/theme2.xml><?xml version="1.0" encoding="utf-8"?>
-<a:theme xmlns:a="http://schemas.openxmlformats.org/drawingml/2006/main" xmlns:r="http://schemas.openxmlformats.org/officeDocument/2006/relationships" name="Paperback">
-  <a:themeElements>
-    <a:clrScheme name="Paperback">
-      <a:dk1>
-        <a:srgbClr val="000000"/>
-      </a:dk1>
-      <a:lt1>
-        <a:srgbClr val="FFFFFF"/>
-      </a:lt1>
-      <a:dk2>
-        <a:srgbClr val="00695C"/>
-      </a:dk2>
-      <a:lt2>
-        <a:srgbClr val="26A69A"/>
-      </a:lt2>
-      <a:accent1>
-        <a:srgbClr val="FFFBF0"/>
-      </a:accent1>
-      <a:accent2>
-        <a:srgbClr val="B7B7B7"/>
-      </a:accent2>
-      <a:accent3>
-        <a:srgbClr val="FB8C00"/>
-      </a:accent3>
-      <a:accent4>
-        <a:srgbClr val="80CBC4"/>
-      </a:accent4>
-      <a:accent5>
-        <a:srgbClr val="AF4345"/>
-      </a:accent5>
-      <a:accent6>
-        <a:srgbClr val="F58F8F"/>
-      </a:accent6>
-      <a:hlink>
-        <a:srgbClr val="AF4345"/>
-      </a:hlink>
-      <a:folHlink>
-        <a:srgbClr val="AF4345"/>
-      </a:folHlink>
-    </a:clrScheme>
-    <a:fontScheme name="Office">
-      <a:majorFont>
-        <a:latin typeface="Arial"/>
-        <a:ea typeface=""/>
-        <a:cs typeface=""/>
-        <a:font script="Jpan" typeface="ＭＳ Ｐゴシック"/>
-        <a:font script="Hang" typeface="맑은 고딕"/>
-        <a:font script="Hans" typeface="宋体"/>
-        <a:font script="Hant" typeface="新細明體"/>
-        <a:font script="Arab" typeface="Times New Roman"/>
-        <a:font script="Hebr" typeface="Times New Roman"/>
-        <a:font script="Thai" typeface="Angsana New"/>
-        <a:font script="Ethi" typeface="Nyala"/>
-        <a:font script="Beng" typeface="Vrinda"/>
-        <a:font script="Gujr" typeface="Shruti"/>
-        <a:font script="Khmr" typeface="MoolBoran"/>
-        <a:font script="Knda" typeface="Tunga"/>
-        <a:font script="Guru" typeface="Raavi"/>
-        <a:font script="Cans" typeface="Euphemia"/>
-        <a:font script="Cher" typeface="Plantagenet Cherokee"/>
-        <a:font script="Yiii" typeface="Microsoft Yi Baiti"/>
-        <a:font script="Tibt" typeface="Microsoft Himalaya"/>
-        <a:font script="Thaa" typeface="MV Boli"/>
-        <a:font script="Deva" typeface="Mangal"/>
-        <a:font script="Telu" typeface="Gautami"/>
-        <a:font script="Taml" typeface="Latha"/>
-        <a:font script="Syrc" typeface="Estrangelo Edessa"/>
-        <a:font script="Orya" typeface="Kalinga"/>
-        <a:font script="Mlym" typeface="Kartika"/>
-        <a:font script="Laoo" typeface="DokChampa"/>
-        <a:font script="Sinh" typeface="Iskoola Pota"/>
-        <a:font script="Mong" typeface="Mongolian Baiti"/>
-        <a:font script="Viet" typeface="Times New Roman"/>
-        <a:font script="Uigh" typeface="Microsoft Uighur"/>
-        <a:font script="Geor" typeface="Sylfaen"/>
-      </a:majorFont>
-      <a:minorFont>
-        <a:latin typeface="Arial"/>
-        <a:ea typeface=""/>
-        <a:cs typeface=""/>
-        <a:font script="Jpan" typeface="ＭＳ Ｐゴシック"/>
-        <a:font script="Hang" typeface="맑은 고딕"/>
-        <a:font script="Hans" typeface="宋体"/>
-        <a:font script="Hant" typeface="新細明體"/>
-        <a:font script="Arab" typeface="Arial"/>
-        <a:font script="Hebr" typeface="Arial"/>
-        <a:font script="Thai" typeface="Cordia New"/>
-        <a:font script="Ethi" typeface="Nyala"/>
-        <a:font script="Beng" typeface="Vrinda"/>
-        <a:font script="Gujr" typeface="Shruti"/>
-        <a:font script="Khmr" typeface="DaunPenh"/>
-        <a:font script="Knda" typeface="Tunga"/>
-        <a:font script="Guru" typeface="Raavi"/>
-        <a:font script="Cans" typeface="Euphemia"/>
-        <a:font script="Cher" typeface="Plantagenet Cherokee"/>
-        <a:font script="Yiii" typeface="Microsoft Yi Baiti"/>
-        <a:font script="Tibt" typeface="Microsoft Himalaya"/>
-        <a:font script="Thaa" typeface="MV Boli"/>
-        <a:font script="Deva" typeface="Mangal"/>
-        <a:font script="Telu" typeface="Gautami"/>
-        <a:font script="Taml" typeface="Latha"/>
-        <a:font script="Syrc" typeface="Estrangelo Edessa"/>
-        <a:font script="Orya" typeface="Kalinga"/>
-        <a:font script="Mlym" typeface="Kartika"/>
-        <a:font script="Laoo" typeface="DokChampa"/>
-        <a:font script="Sinh" typeface="Iskoola Pota"/>
-        <a:font script="Mong" typeface="Mongolian Baiti"/>
-        <a:font script="Viet" typeface="Arial"/>
-        <a:font script="Uigh" typeface="Microsoft Uighur"/>
-        <a:font script="Geor" typeface="Sylfaen"/>
-      </a:minorFont>
-    </a:fontScheme>
-    <a:fmtScheme name="Office">
-      <a:fillStyleLst>
-        <a:solidFill>
-          <a:schemeClr val="phClr"/>
-        </a:solidFill>
-        <a:gradFill rotWithShape="1">
-          <a:gsLst>
-            <a:gs pos="0">
-              <a:schemeClr val="phClr">
-                <a:tint val="50000"/>
-                <a:satMod val="300000"/>
-              </a:schemeClr>
-            </a:gs>
-            <a:gs pos="35000">
-              <a:schemeClr val="phClr">
-                <a:tint val="37000"/>
-                <a:satMod val="300000"/>
-              </a:schemeClr>
-            </a:gs>
-            <a:gs pos="100000">
-              <a:schemeClr val="phClr">
-                <a:tint val="15000"/>
-                <a:satMod val="350000"/>
-              </a:schemeClr>
-            </a:gs>
-          </a:gsLst>
-          <a:lin ang="16200000" scaled="1"/>
-        </a:gradFill>
-        <a:gradFill rotWithShape="1">
-          <a:gsLst>
-            <a:gs pos="0">
-              <a:schemeClr val="phClr">
-                <a:tint val="100000"/>
-                <a:shade val="100000"/>
-                <a:satMod val="130000"/>
-              </a:schemeClr>
-            </a:gs>
-            <a:gs pos="100000">
-              <a:schemeClr val="phClr">
-                <a:tint val="50000"/>
-                <a:shade val="100000"/>
-                <a:satMod val="350000"/>
-              </a:schemeClr>
-            </a:gs>
-          </a:gsLst>
-          <a:lin ang="16200000" scaled="0"/>
-        </a:gradFill>
-      </a:fillStyleLst>
-      <a:lnStyleLst>
-        <a:ln w="9525" cap="flat" cmpd="sng" algn="ctr">
-          <a:solidFill>
-            <a:schemeClr val="phClr">
-              <a:shade val="95000"/>
-              <a:satMod val="105000"/>
-            </a:schemeClr>
-          </a:solidFill>
-          <a:prstDash val="solid"/>
-        </a:ln>
-        <a:ln w="25400" cap="flat" cmpd="sng" algn="ctr">
-          <a:solidFill>
-            <a:schemeClr val="phClr"/>
-          </a:solidFill>
-          <a:prstDash val="solid"/>
-        </a:ln>
-        <a:ln w="38100" cap="flat" cmpd="sng" algn="ctr">
-          <a:solidFill>
-            <a:schemeClr val="phClr"/>
-          </a:solidFill>
-          <a:prstDash val="solid"/>
-        </a:ln>
-      </a:lnStyleLst>
-      <a:effectStyleLst>
-        <a:effectStyle>
-          <a:effectLst>
-            <a:outerShdw blurRad="40000" dist="20000" dir="5400000" rotWithShape="0">
-              <a:srgbClr val="000000">
-                <a:alpha val="38000"/>
-              </a:srgbClr>
-            </a:outerShdw>
-          </a:effectLst>
-        </a:effectStyle>
-        <a:effectStyle>
-          <a:effectLst>
-            <a:outerShdw blurRad="40000" dist="23000" dir="5400000" rotWithShape="0">
-              <a:srgbClr val="000000">
-                <a:alpha val="35000"/>
-              </a:srgbClr>
-            </a:outerShdw>
-          </a:effectLst>
-        </a:effectStyle>
-        <a:effectStyle>
-          <a:effectLst>
-            <a:outerShdw blurRad="40000" dist="23000" dir="5400000" rotWithShape="0">
-              <a:srgbClr val="000000">
-                <a:alpha val="35000"/>
-              </a:srgbClr>
-            </a:outerShdw>
-          </a:effectLst>
-          <a:scene3d>
-            <a:camera prst="orthographicFront">
-              <a:rot lat="0" lon="0" rev="0"/>
-            </a:camera>
-            <a:lightRig rig="threePt" dir="t">
-              <a:rot lat="0" lon="0" rev="1200000"/>
-            </a:lightRig>
-          </a:scene3d>
-          <a:sp3d>
-            <a:bevelT w="63500" h="25400"/>
-          </a:sp3d>
-        </a:effectStyle>
-      </a:effectStyleLst>
-      <a:bgFillStyleLst>
-        <a:solidFill>
-          <a:schemeClr val="phClr"/>
-        </a:solidFill>
-        <a:gradFill rotWithShape="1">
-          <a:gsLst>
-            <a:gs pos="0">
-              <a:schemeClr val="phClr">
-                <a:tint val="40000"/>
-                <a:satMod val="350000"/>
-              </a:schemeClr>
-            </a:gs>
-            <a:gs pos="40000">
-              <a:schemeClr val="phClr">
-                <a:tint val="45000"/>
-                <a:shade val="99000"/>
-                <a:satMod val="350000"/>
-              </a:schemeClr>
-            </a:gs>
-            <a:gs pos="100000">
-              <a:schemeClr val="phClr">
-                <a:shade val="20000"/>
-                <a:satMod val="255000"/>
-              </a:schemeClr>
-            </a:gs>
-          </a:gsLst>
-          <a:path path="circle">
-            <a:fillToRect l="50000" t="-80000" r="50000" b="180000"/>
-          </a:path>
-        </a:gradFill>
-        <a:gradFill rotWithShape="1">
-          <a:gsLst>
-            <a:gs pos="0">
-              <a:schemeClr val="phClr">
-                <a:tint val="80000"/>
-                <a:satMod val="300000"/>
-              </a:schemeClr>
-            </a:gs>
-            <a:gs pos="100000">
-              <a:schemeClr val="phClr">
-                <a:shade val="30000"/>
-                <a:satMod val="200000"/>
-              </a:schemeClr>
-            </a:gs>
-          </a:gsLst>
-          <a:path path="circle">
-            <a:fillToRect l="50000" t="50000" r="50000" b="50000"/>
-          </a:path>
-        </a:gradFill>
-      </a:bgFillStyleLst>
-    </a:fmtScheme>
-  </a:themeElements>
+  <a:objectDefaults/>
+  <a:extraClrSchemeLst/>
 </a:theme>
 </file>